--- a/解决方案PPT.pptx
+++ b/解决方案PPT.pptx
@@ -4,11 +4,15 @@
   <p:sldMasterIdLst>
     <p:sldMasterId id="2147483648" r:id="rId1"/>
   </p:sldMasterIdLst>
+  <p:notesMasterIdLst>
+    <p:notesMasterId r:id="rId7"/>
+  </p:notesMasterIdLst>
   <p:sldIdLst>
-    <p:sldId id="256" r:id="rId2"/>
-    <p:sldId id="257" r:id="rId3"/>
-    <p:sldId id="258" r:id="rId4"/>
-    <p:sldId id="259" r:id="rId5"/>
+    <p:sldId id="258" r:id="rId2"/>
+    <p:sldId id="259" r:id="rId3"/>
+    <p:sldId id="260" r:id="rId4"/>
+    <p:sldId id="261" r:id="rId5"/>
+    <p:sldId id="262" r:id="rId6"/>
   </p:sldIdLst>
   <p:sldSz cx="12192000" cy="6858000"/>
   <p:notesSz cx="6858000" cy="9144000"/>
@@ -109,21 +113,611 @@
   </p:defaultTextStyle>
   <p:extLst>
     <p:ext uri="{EFAFB233-063F-42B5-8137-9DF3F51BA10A}">
-      <p15:sldGuideLst xmlns:p15="http://schemas.microsoft.com/office/powerpoint/2012/main">
-        <p15:guide id="1" orient="horz" pos="2160" userDrawn="1">
-          <p15:clr>
-            <a:srgbClr val="A4A3A4"/>
-          </p15:clr>
-        </p15:guide>
-        <p15:guide id="2" pos="3840" userDrawn="1">
-          <p15:clr>
-            <a:srgbClr val="A4A3A4"/>
-          </p15:clr>
-        </p15:guide>
-      </p15:sldGuideLst>
+      <p15:sldGuideLst xmlns:p15="http://schemas.microsoft.com/office/powerpoint/2012/main"/>
     </p:ext>
   </p:extLst>
 </p:presentation>
+</file>
+
+<file path=ppt/notesMasters/notesMaster1.xml><?xml version="1.0" encoding="utf-8"?>
+<p:notesMaster xmlns:a="http://schemas.openxmlformats.org/drawingml/2006/main" xmlns:r="http://schemas.openxmlformats.org/officeDocument/2006/relationships" xmlns:p="http://schemas.openxmlformats.org/presentationml/2006/main">
+  <p:cSld>
+    <p:bg>
+      <p:bgRef idx="1001">
+        <a:schemeClr val="bg1"/>
+      </p:bgRef>
+    </p:bg>
+    <p:spTree>
+      <p:nvGrpSpPr>
+        <p:cNvPr id="1" name=""/>
+        <p:cNvGrpSpPr/>
+        <p:nvPr/>
+      </p:nvGrpSpPr>
+      <p:grpSpPr>
+        <a:xfrm>
+          <a:off x="0" y="0"/>
+          <a:ext cx="0" cy="0"/>
+          <a:chOff x="0" y="0"/>
+          <a:chExt cx="0" cy="0"/>
+        </a:xfrm>
+      </p:grpSpPr>
+      <p:sp>
+        <p:nvSpPr>
+          <p:cNvPr id="2" name="页眉占位符 1"/>
+          <p:cNvSpPr>
+            <a:spLocks noGrp="1"/>
+          </p:cNvSpPr>
+          <p:nvPr>
+            <p:ph type="hdr" sz="quarter"/>
+          </p:nvPr>
+        </p:nvSpPr>
+        <p:spPr>
+          <a:xfrm>
+            <a:off x="0" y="0"/>
+            <a:ext cx="2971800" cy="458788"/>
+          </a:xfrm>
+          <a:prstGeom prst="rect">
+            <a:avLst/>
+          </a:prstGeom>
+        </p:spPr>
+        <p:txBody>
+          <a:bodyPr vert="horz" lIns="91440" tIns="45720" rIns="91440" bIns="45720" rtlCol="0"/>
+          <a:lstStyle>
+            <a:lvl1pPr algn="l">
+              <a:defRPr sz="1200"/>
+            </a:lvl1pPr>
+          </a:lstStyle>
+          <a:p>
+            <a:endParaRPr lang="zh-CN" altLang="en-US"/>
+          </a:p>
+        </p:txBody>
+      </p:sp>
+      <p:sp>
+        <p:nvSpPr>
+          <p:cNvPr id="3" name="日期占位符 2"/>
+          <p:cNvSpPr>
+            <a:spLocks noGrp="1"/>
+          </p:cNvSpPr>
+          <p:nvPr>
+            <p:ph type="dt" idx="1"/>
+          </p:nvPr>
+        </p:nvSpPr>
+        <p:spPr>
+          <a:xfrm>
+            <a:off x="3884613" y="0"/>
+            <a:ext cx="2971800" cy="458788"/>
+          </a:xfrm>
+          <a:prstGeom prst="rect">
+            <a:avLst/>
+          </a:prstGeom>
+        </p:spPr>
+        <p:txBody>
+          <a:bodyPr vert="horz" lIns="91440" tIns="45720" rIns="91440" bIns="45720" rtlCol="0"/>
+          <a:lstStyle>
+            <a:lvl1pPr algn="r">
+              <a:defRPr sz="1200"/>
+            </a:lvl1pPr>
+          </a:lstStyle>
+          <a:p>
+            <a:fld id="{171361C1-56F3-4061-AC1E-AF7A61945EDA}" type="datetimeFigureOut">
+              <a:rPr lang="zh-CN" altLang="en-US" smtClean="0"/>
+              <a:t>2024/8/19</a:t>
+            </a:fld>
+            <a:endParaRPr lang="zh-CN" altLang="en-US"/>
+          </a:p>
+        </p:txBody>
+      </p:sp>
+      <p:sp>
+        <p:nvSpPr>
+          <p:cNvPr id="4" name="幻灯片图像占位符 3"/>
+          <p:cNvSpPr>
+            <a:spLocks noGrp="1" noRot="1" noChangeAspect="1"/>
+          </p:cNvSpPr>
+          <p:nvPr>
+            <p:ph type="sldImg" idx="2"/>
+          </p:nvPr>
+        </p:nvSpPr>
+        <p:spPr>
+          <a:xfrm>
+            <a:off x="685800" y="1143000"/>
+            <a:ext cx="5486400" cy="3086100"/>
+          </a:xfrm>
+          <a:prstGeom prst="rect">
+            <a:avLst/>
+          </a:prstGeom>
+          <a:noFill/>
+          <a:ln w="12700">
+            <a:solidFill>
+              <a:prstClr val="black"/>
+            </a:solidFill>
+          </a:ln>
+        </p:spPr>
+        <p:txBody>
+          <a:bodyPr vert="horz" lIns="91440" tIns="45720" rIns="91440" bIns="45720" rtlCol="0" anchor="ctr"/>
+          <a:lstStyle/>
+          <a:p>
+            <a:endParaRPr lang="zh-CN" altLang="en-US"/>
+          </a:p>
+        </p:txBody>
+      </p:sp>
+      <p:sp>
+        <p:nvSpPr>
+          <p:cNvPr id="5" name="备注占位符 4"/>
+          <p:cNvSpPr>
+            <a:spLocks noGrp="1"/>
+          </p:cNvSpPr>
+          <p:nvPr>
+            <p:ph type="body" sz="quarter" idx="3"/>
+          </p:nvPr>
+        </p:nvSpPr>
+        <p:spPr>
+          <a:xfrm>
+            <a:off x="685800" y="4400550"/>
+            <a:ext cx="5486400" cy="3600450"/>
+          </a:xfrm>
+          <a:prstGeom prst="rect">
+            <a:avLst/>
+          </a:prstGeom>
+        </p:spPr>
+        <p:txBody>
+          <a:bodyPr vert="horz" lIns="91440" tIns="45720" rIns="91440" bIns="45720" rtlCol="0"/>
+          <a:lstStyle/>
+          <a:p>
+            <a:pPr lvl="0"/>
+            <a:r>
+              <a:rPr lang="zh-CN" altLang="en-US"/>
+              <a:t>单击此处编辑母版文本样式</a:t>
+            </a:r>
+          </a:p>
+          <a:p>
+            <a:pPr lvl="1"/>
+            <a:r>
+              <a:rPr lang="zh-CN" altLang="en-US"/>
+              <a:t>二级</a:t>
+            </a:r>
+          </a:p>
+          <a:p>
+            <a:pPr lvl="2"/>
+            <a:r>
+              <a:rPr lang="zh-CN" altLang="en-US"/>
+              <a:t>三级</a:t>
+            </a:r>
+          </a:p>
+          <a:p>
+            <a:pPr lvl="3"/>
+            <a:r>
+              <a:rPr lang="zh-CN" altLang="en-US"/>
+              <a:t>四级</a:t>
+            </a:r>
+          </a:p>
+          <a:p>
+            <a:pPr lvl="4"/>
+            <a:r>
+              <a:rPr lang="zh-CN" altLang="en-US"/>
+              <a:t>五级</a:t>
+            </a:r>
+          </a:p>
+        </p:txBody>
+      </p:sp>
+      <p:sp>
+        <p:nvSpPr>
+          <p:cNvPr id="6" name="页脚占位符 5"/>
+          <p:cNvSpPr>
+            <a:spLocks noGrp="1"/>
+          </p:cNvSpPr>
+          <p:nvPr>
+            <p:ph type="ftr" sz="quarter" idx="4"/>
+          </p:nvPr>
+        </p:nvSpPr>
+        <p:spPr>
+          <a:xfrm>
+            <a:off x="0" y="8685213"/>
+            <a:ext cx="2971800" cy="458787"/>
+          </a:xfrm>
+          <a:prstGeom prst="rect">
+            <a:avLst/>
+          </a:prstGeom>
+        </p:spPr>
+        <p:txBody>
+          <a:bodyPr vert="horz" lIns="91440" tIns="45720" rIns="91440" bIns="45720" rtlCol="0" anchor="b"/>
+          <a:lstStyle>
+            <a:lvl1pPr algn="l">
+              <a:defRPr sz="1200"/>
+            </a:lvl1pPr>
+          </a:lstStyle>
+          <a:p>
+            <a:endParaRPr lang="zh-CN" altLang="en-US"/>
+          </a:p>
+        </p:txBody>
+      </p:sp>
+      <p:sp>
+        <p:nvSpPr>
+          <p:cNvPr id="7" name="灯片编号占位符 6"/>
+          <p:cNvSpPr>
+            <a:spLocks noGrp="1"/>
+          </p:cNvSpPr>
+          <p:nvPr>
+            <p:ph type="sldNum" sz="quarter" idx="5"/>
+          </p:nvPr>
+        </p:nvSpPr>
+        <p:spPr>
+          <a:xfrm>
+            <a:off x="3884613" y="8685213"/>
+            <a:ext cx="2971800" cy="458787"/>
+          </a:xfrm>
+          <a:prstGeom prst="rect">
+            <a:avLst/>
+          </a:prstGeom>
+        </p:spPr>
+        <p:txBody>
+          <a:bodyPr vert="horz" lIns="91440" tIns="45720" rIns="91440" bIns="45720" rtlCol="0" anchor="b"/>
+          <a:lstStyle>
+            <a:lvl1pPr algn="r">
+              <a:defRPr sz="1200"/>
+            </a:lvl1pPr>
+          </a:lstStyle>
+          <a:p>
+            <a:fld id="{E06C5FB5-0CF5-4885-A93D-4615B707AAC8}" type="slidenum">
+              <a:rPr lang="zh-CN" altLang="en-US" smtClean="0"/>
+              <a:t>‹#›</a:t>
+            </a:fld>
+            <a:endParaRPr lang="zh-CN" altLang="en-US"/>
+          </a:p>
+        </p:txBody>
+      </p:sp>
+    </p:spTree>
+    <p:extLst>
+      <p:ext uri="{BB962C8B-B14F-4D97-AF65-F5344CB8AC3E}">
+        <p14:creationId xmlns:p14="http://schemas.microsoft.com/office/powerpoint/2010/main" val="2635479927"/>
+      </p:ext>
+    </p:extLst>
+  </p:cSld>
+  <p:clrMap bg1="lt1" tx1="dk1" bg2="lt2" tx2="dk2" accent1="accent1" accent2="accent2" accent3="accent3" accent4="accent4" accent5="accent5" accent6="accent6" hlink="hlink" folHlink="folHlink"/>
+  <p:notesStyle>
+    <a:lvl1pPr marL="0" algn="l" defTabSz="914400" rtl="0" eaLnBrk="1" latinLnBrk="0" hangingPunct="1">
+      <a:defRPr sz="1200" kern="1200">
+        <a:solidFill>
+          <a:schemeClr val="tx1"/>
+        </a:solidFill>
+        <a:latin typeface="+mn-lt"/>
+        <a:ea typeface="+mn-ea"/>
+        <a:cs typeface="+mn-cs"/>
+      </a:defRPr>
+    </a:lvl1pPr>
+    <a:lvl2pPr marL="457200" algn="l" defTabSz="914400" rtl="0" eaLnBrk="1" latinLnBrk="0" hangingPunct="1">
+      <a:defRPr sz="1200" kern="1200">
+        <a:solidFill>
+          <a:schemeClr val="tx1"/>
+        </a:solidFill>
+        <a:latin typeface="+mn-lt"/>
+        <a:ea typeface="+mn-ea"/>
+        <a:cs typeface="+mn-cs"/>
+      </a:defRPr>
+    </a:lvl2pPr>
+    <a:lvl3pPr marL="914400" algn="l" defTabSz="914400" rtl="0" eaLnBrk="1" latinLnBrk="0" hangingPunct="1">
+      <a:defRPr sz="1200" kern="1200">
+        <a:solidFill>
+          <a:schemeClr val="tx1"/>
+        </a:solidFill>
+        <a:latin typeface="+mn-lt"/>
+        <a:ea typeface="+mn-ea"/>
+        <a:cs typeface="+mn-cs"/>
+      </a:defRPr>
+    </a:lvl3pPr>
+    <a:lvl4pPr marL="1371600" algn="l" defTabSz="914400" rtl="0" eaLnBrk="1" latinLnBrk="0" hangingPunct="1">
+      <a:defRPr sz="1200" kern="1200">
+        <a:solidFill>
+          <a:schemeClr val="tx1"/>
+        </a:solidFill>
+        <a:latin typeface="+mn-lt"/>
+        <a:ea typeface="+mn-ea"/>
+        <a:cs typeface="+mn-cs"/>
+      </a:defRPr>
+    </a:lvl4pPr>
+    <a:lvl5pPr marL="1828800" algn="l" defTabSz="914400" rtl="0" eaLnBrk="1" latinLnBrk="0" hangingPunct="1">
+      <a:defRPr sz="1200" kern="1200">
+        <a:solidFill>
+          <a:schemeClr val="tx1"/>
+        </a:solidFill>
+        <a:latin typeface="+mn-lt"/>
+        <a:ea typeface="+mn-ea"/>
+        <a:cs typeface="+mn-cs"/>
+      </a:defRPr>
+    </a:lvl5pPr>
+    <a:lvl6pPr marL="2286000" algn="l" defTabSz="914400" rtl="0" eaLnBrk="1" latinLnBrk="0" hangingPunct="1">
+      <a:defRPr sz="1200" kern="1200">
+        <a:solidFill>
+          <a:schemeClr val="tx1"/>
+        </a:solidFill>
+        <a:latin typeface="+mn-lt"/>
+        <a:ea typeface="+mn-ea"/>
+        <a:cs typeface="+mn-cs"/>
+      </a:defRPr>
+    </a:lvl6pPr>
+    <a:lvl7pPr marL="2743200" algn="l" defTabSz="914400" rtl="0" eaLnBrk="1" latinLnBrk="0" hangingPunct="1">
+      <a:defRPr sz="1200" kern="1200">
+        <a:solidFill>
+          <a:schemeClr val="tx1"/>
+        </a:solidFill>
+        <a:latin typeface="+mn-lt"/>
+        <a:ea typeface="+mn-ea"/>
+        <a:cs typeface="+mn-cs"/>
+      </a:defRPr>
+    </a:lvl7pPr>
+    <a:lvl8pPr marL="3200400" algn="l" defTabSz="914400" rtl="0" eaLnBrk="1" latinLnBrk="0" hangingPunct="1">
+      <a:defRPr sz="1200" kern="1200">
+        <a:solidFill>
+          <a:schemeClr val="tx1"/>
+        </a:solidFill>
+        <a:latin typeface="+mn-lt"/>
+        <a:ea typeface="+mn-ea"/>
+        <a:cs typeface="+mn-cs"/>
+      </a:defRPr>
+    </a:lvl8pPr>
+    <a:lvl9pPr marL="3657600" algn="l" defTabSz="914400" rtl="0" eaLnBrk="1" latinLnBrk="0" hangingPunct="1">
+      <a:defRPr sz="1200" kern="1200">
+        <a:solidFill>
+          <a:schemeClr val="tx1"/>
+        </a:solidFill>
+        <a:latin typeface="+mn-lt"/>
+        <a:ea typeface="+mn-ea"/>
+        <a:cs typeface="+mn-cs"/>
+      </a:defRPr>
+    </a:lvl9pPr>
+  </p:notesStyle>
+</p:notesMaster>
+</file>
+
+<file path=ppt/notesSlides/notesSlide1.xml><?xml version="1.0" encoding="utf-8"?>
+<p:notes xmlns:a="http://schemas.openxmlformats.org/drawingml/2006/main" xmlns:r="http://schemas.openxmlformats.org/officeDocument/2006/relationships" xmlns:p="http://schemas.openxmlformats.org/presentationml/2006/main">
+  <p:cSld>
+    <p:spTree>
+      <p:nvGrpSpPr>
+        <p:cNvPr id="1" name=""/>
+        <p:cNvGrpSpPr/>
+        <p:nvPr/>
+      </p:nvGrpSpPr>
+      <p:grpSpPr>
+        <a:xfrm>
+          <a:off x="0" y="0"/>
+          <a:ext cx="0" cy="0"/>
+          <a:chOff x="0" y="0"/>
+          <a:chExt cx="0" cy="0"/>
+        </a:xfrm>
+      </p:grpSpPr>
+      <p:sp>
+        <p:nvSpPr>
+          <p:cNvPr id="2" name="幻灯片图像占位符 1"/>
+          <p:cNvSpPr>
+            <a:spLocks noGrp="1" noRot="1" noChangeAspect="1"/>
+          </p:cNvSpPr>
+          <p:nvPr>
+            <p:ph type="sldImg"/>
+          </p:nvPr>
+        </p:nvSpPr>
+        <p:spPr/>
+      </p:sp>
+      <p:sp>
+        <p:nvSpPr>
+          <p:cNvPr id="3" name="备注占位符 2"/>
+          <p:cNvSpPr>
+            <a:spLocks noGrp="1"/>
+          </p:cNvSpPr>
+          <p:nvPr>
+            <p:ph type="body" idx="1"/>
+          </p:nvPr>
+        </p:nvSpPr>
+        <p:spPr/>
+        <p:txBody>
+          <a:bodyPr/>
+          <a:lstStyle/>
+          <a:p>
+            <a:endParaRPr lang="zh-CN" altLang="en-US" dirty="0"/>
+          </a:p>
+        </p:txBody>
+      </p:sp>
+      <p:sp>
+        <p:nvSpPr>
+          <p:cNvPr id="4" name="灯片编号占位符 3"/>
+          <p:cNvSpPr>
+            <a:spLocks noGrp="1"/>
+          </p:cNvSpPr>
+          <p:nvPr>
+            <p:ph type="sldNum" sz="quarter" idx="5"/>
+          </p:nvPr>
+        </p:nvSpPr>
+        <p:spPr/>
+        <p:txBody>
+          <a:bodyPr/>
+          <a:lstStyle/>
+          <a:p>
+            <a:fld id="{E06C5FB5-0CF5-4885-A93D-4615B707AAC8}" type="slidenum">
+              <a:rPr lang="zh-CN" altLang="en-US" smtClean="0"/>
+              <a:t>3</a:t>
+            </a:fld>
+            <a:endParaRPr lang="zh-CN" altLang="en-US"/>
+          </a:p>
+        </p:txBody>
+      </p:sp>
+    </p:spTree>
+    <p:extLst>
+      <p:ext uri="{BB962C8B-B14F-4D97-AF65-F5344CB8AC3E}">
+        <p14:creationId xmlns:p14="http://schemas.microsoft.com/office/powerpoint/2010/main" val="187070810"/>
+      </p:ext>
+    </p:extLst>
+  </p:cSld>
+  <p:clrMapOvr>
+    <a:masterClrMapping/>
+  </p:clrMapOvr>
+</p:notes>
+</file>
+
+<file path=ppt/notesSlides/notesSlide2.xml><?xml version="1.0" encoding="utf-8"?>
+<p:notes xmlns:a="http://schemas.openxmlformats.org/drawingml/2006/main" xmlns:r="http://schemas.openxmlformats.org/officeDocument/2006/relationships" xmlns:p="http://schemas.openxmlformats.org/presentationml/2006/main">
+  <p:cSld>
+    <p:spTree>
+      <p:nvGrpSpPr>
+        <p:cNvPr id="1" name=""/>
+        <p:cNvGrpSpPr/>
+        <p:nvPr/>
+      </p:nvGrpSpPr>
+      <p:grpSpPr>
+        <a:xfrm>
+          <a:off x="0" y="0"/>
+          <a:ext cx="0" cy="0"/>
+          <a:chOff x="0" y="0"/>
+          <a:chExt cx="0" cy="0"/>
+        </a:xfrm>
+      </p:grpSpPr>
+      <p:sp>
+        <p:nvSpPr>
+          <p:cNvPr id="2" name="幻灯片图像占位符 1"/>
+          <p:cNvSpPr>
+            <a:spLocks noGrp="1" noRot="1" noChangeAspect="1"/>
+          </p:cNvSpPr>
+          <p:nvPr>
+            <p:ph type="sldImg"/>
+          </p:nvPr>
+        </p:nvSpPr>
+        <p:spPr/>
+      </p:sp>
+      <p:sp>
+        <p:nvSpPr>
+          <p:cNvPr id="3" name="备注占位符 2"/>
+          <p:cNvSpPr>
+            <a:spLocks noGrp="1"/>
+          </p:cNvSpPr>
+          <p:nvPr>
+            <p:ph type="body" idx="1"/>
+          </p:nvPr>
+        </p:nvSpPr>
+        <p:spPr/>
+        <p:txBody>
+          <a:bodyPr/>
+          <a:lstStyle/>
+          <a:p>
+            <a:endParaRPr lang="zh-CN" altLang="en-US" dirty="0"/>
+          </a:p>
+        </p:txBody>
+      </p:sp>
+      <p:sp>
+        <p:nvSpPr>
+          <p:cNvPr id="4" name="灯片编号占位符 3"/>
+          <p:cNvSpPr>
+            <a:spLocks noGrp="1"/>
+          </p:cNvSpPr>
+          <p:nvPr>
+            <p:ph type="sldNum" sz="quarter" idx="5"/>
+          </p:nvPr>
+        </p:nvSpPr>
+        <p:spPr/>
+        <p:txBody>
+          <a:bodyPr/>
+          <a:lstStyle/>
+          <a:p>
+            <a:fld id="{E06C5FB5-0CF5-4885-A93D-4615B707AAC8}" type="slidenum">
+              <a:rPr lang="zh-CN" altLang="en-US" smtClean="0"/>
+              <a:t>4</a:t>
+            </a:fld>
+            <a:endParaRPr lang="zh-CN" altLang="en-US"/>
+          </a:p>
+        </p:txBody>
+      </p:sp>
+    </p:spTree>
+    <p:extLst>
+      <p:ext uri="{BB962C8B-B14F-4D97-AF65-F5344CB8AC3E}">
+        <p14:creationId xmlns:p14="http://schemas.microsoft.com/office/powerpoint/2010/main" val="1622457267"/>
+      </p:ext>
+    </p:extLst>
+  </p:cSld>
+  <p:clrMapOvr>
+    <a:masterClrMapping/>
+  </p:clrMapOvr>
+</p:notes>
+</file>
+
+<file path=ppt/notesSlides/notesSlide3.xml><?xml version="1.0" encoding="utf-8"?>
+<p:notes xmlns:a="http://schemas.openxmlformats.org/drawingml/2006/main" xmlns:r="http://schemas.openxmlformats.org/officeDocument/2006/relationships" xmlns:p="http://schemas.openxmlformats.org/presentationml/2006/main">
+  <p:cSld>
+    <p:spTree>
+      <p:nvGrpSpPr>
+        <p:cNvPr id="1" name=""/>
+        <p:cNvGrpSpPr/>
+        <p:nvPr/>
+      </p:nvGrpSpPr>
+      <p:grpSpPr>
+        <a:xfrm>
+          <a:off x="0" y="0"/>
+          <a:ext cx="0" cy="0"/>
+          <a:chOff x="0" y="0"/>
+          <a:chExt cx="0" cy="0"/>
+        </a:xfrm>
+      </p:grpSpPr>
+      <p:sp>
+        <p:nvSpPr>
+          <p:cNvPr id="2" name="幻灯片图像占位符 1"/>
+          <p:cNvSpPr>
+            <a:spLocks noGrp="1" noRot="1" noChangeAspect="1"/>
+          </p:cNvSpPr>
+          <p:nvPr>
+            <p:ph type="sldImg"/>
+          </p:nvPr>
+        </p:nvSpPr>
+        <p:spPr/>
+      </p:sp>
+      <p:sp>
+        <p:nvSpPr>
+          <p:cNvPr id="3" name="备注占位符 2"/>
+          <p:cNvSpPr>
+            <a:spLocks noGrp="1"/>
+          </p:cNvSpPr>
+          <p:nvPr>
+            <p:ph type="body" idx="1"/>
+          </p:nvPr>
+        </p:nvSpPr>
+        <p:spPr/>
+        <p:txBody>
+          <a:bodyPr/>
+          <a:lstStyle/>
+          <a:p>
+            <a:endParaRPr lang="zh-CN" altLang="en-US" dirty="0"/>
+          </a:p>
+        </p:txBody>
+      </p:sp>
+      <p:sp>
+        <p:nvSpPr>
+          <p:cNvPr id="4" name="灯片编号占位符 3"/>
+          <p:cNvSpPr>
+            <a:spLocks noGrp="1"/>
+          </p:cNvSpPr>
+          <p:nvPr>
+            <p:ph type="sldNum" sz="quarter" idx="5"/>
+          </p:nvPr>
+        </p:nvSpPr>
+        <p:spPr/>
+        <p:txBody>
+          <a:bodyPr/>
+          <a:lstStyle/>
+          <a:p>
+            <a:fld id="{E06C5FB5-0CF5-4885-A93D-4615B707AAC8}" type="slidenum">
+              <a:rPr lang="zh-CN" altLang="en-US" smtClean="0"/>
+              <a:t>5</a:t>
+            </a:fld>
+            <a:endParaRPr lang="zh-CN" altLang="en-US"/>
+          </a:p>
+        </p:txBody>
+      </p:sp>
+    </p:spTree>
+    <p:extLst>
+      <p:ext uri="{BB962C8B-B14F-4D97-AF65-F5344CB8AC3E}">
+        <p14:creationId xmlns:p14="http://schemas.microsoft.com/office/powerpoint/2010/main" val="3559480254"/>
+      </p:ext>
+    </p:extLst>
+  </p:cSld>
+  <p:clrMapOvr>
+    <a:masterClrMapping/>
+  </p:clrMapOvr>
+</p:notes>
 </file>
 
 <file path=ppt/slideLayouts/slideLayout1.xml><?xml version="1.0" encoding="utf-8"?>
@@ -3358,107 +3952,27 @@
         </p:nvSpPr>
         <p:spPr>
           <a:xfrm>
-            <a:off x="260809" y="631596"/>
-            <a:ext cx="7931084" cy="282804"/>
+            <a:off x="854696" y="3429000"/>
+            <a:ext cx="10872247" cy="282804"/>
           </a:xfrm>
         </p:spPr>
         <p:txBody>
           <a:bodyPr>
-            <a:normAutofit fontScale="90000"/>
+            <a:noAutofit/>
           </a:bodyPr>
           <a:lstStyle/>
           <a:p>
-            <a:pPr algn="l"/>
-            <a:r>
-              <a:rPr lang="zh-CN" altLang="en-US" sz="2000" dirty="0"/>
-              <a:t>这里就是一个最</a:t>
-            </a:r>
-            <a:r>
-              <a:rPr lang="en-US" altLang="zh-CN" sz="2000" dirty="0"/>
-              <a:t>High level</a:t>
-            </a:r>
-            <a:r>
-              <a:rPr lang="zh-CN" altLang="en-US" sz="2000" dirty="0"/>
-              <a:t>的概述，讲解我们的性能</a:t>
-            </a:r>
-            <a:r>
-              <a:rPr lang="en-US" altLang="zh-CN" sz="2000" dirty="0"/>
-              <a:t>/</a:t>
-            </a:r>
-            <a:r>
-              <a:rPr lang="zh-CN" altLang="en-US" sz="2000" dirty="0"/>
-              <a:t>技术</a:t>
-            </a:r>
-            <a:r>
-              <a:rPr lang="en-US" altLang="zh-CN" sz="2000" dirty="0"/>
-              <a:t>/</a:t>
-            </a:r>
-            <a:r>
-              <a:rPr lang="zh-CN" altLang="en-US" sz="2000" dirty="0"/>
-              <a:t>核心优势所在</a:t>
-            </a:r>
-          </a:p>
-        </p:txBody>
-      </p:sp>
-      <p:sp>
-        <p:nvSpPr>
-          <p:cNvPr id="3" name="副标题 2">
-            <a:extLst>
-              <a:ext uri="{FF2B5EF4-FFF2-40B4-BE49-F238E27FC236}">
-                <a16:creationId xmlns:a16="http://schemas.microsoft.com/office/drawing/2014/main" id="{EC676CA4-C6BC-84F0-B932-754C735C634F}"/>
-              </a:ext>
-            </a:extLst>
-          </p:cNvPr>
-          <p:cNvSpPr>
-            <a:spLocks noGrp="1"/>
-          </p:cNvSpPr>
-          <p:nvPr>
-            <p:ph type="subTitle" idx="1"/>
-          </p:nvPr>
-        </p:nvSpPr>
-        <p:spPr/>
-        <p:txBody>
-          <a:bodyPr/>
-          <a:lstStyle/>
-          <a:p>
-            <a:endParaRPr lang="zh-CN" altLang="en-US"/>
-          </a:p>
-        </p:txBody>
-      </p:sp>
-      <p:pic>
-        <p:nvPicPr>
-          <p:cNvPr id="4" name="图片 3">
-            <a:extLst>
-              <a:ext uri="{FF2B5EF4-FFF2-40B4-BE49-F238E27FC236}">
-                <a16:creationId xmlns:a16="http://schemas.microsoft.com/office/drawing/2014/main" id="{611D148A-DF6F-759D-29B9-4A99C60B37A9}"/>
-              </a:ext>
-            </a:extLst>
-          </p:cNvPr>
-          <p:cNvPicPr>
-            <a:picLocks noChangeAspect="1"/>
-          </p:cNvPicPr>
-          <p:nvPr/>
-        </p:nvPicPr>
-        <p:blipFill>
-          <a:blip r:embed="rId2"/>
-          <a:stretch>
-            <a:fillRect/>
-          </a:stretch>
-        </p:blipFill>
-        <p:spPr>
-          <a:xfrm>
-            <a:off x="622169" y="1382280"/>
-            <a:ext cx="10407651" cy="4659050"/>
-          </a:xfrm>
-          <a:prstGeom prst="rect">
-            <a:avLst/>
-          </a:prstGeom>
-        </p:spPr>
-      </p:pic>
+            <a:r>
+              <a:rPr lang="zh-CN" altLang="en-US" sz="3600" b="1" dirty="0"/>
+              <a:t>一个吞吐的柱状图，展示我们可以实现更高的吞吐</a:t>
+            </a:r>
+          </a:p>
+        </p:txBody>
+      </p:sp>
     </p:spTree>
     <p:extLst>
       <p:ext uri="{BB962C8B-B14F-4D97-AF65-F5344CB8AC3E}">
-        <p14:creationId xmlns:p14="http://schemas.microsoft.com/office/powerpoint/2010/main" val="1676957476"/>
+        <p14:creationId xmlns:p14="http://schemas.microsoft.com/office/powerpoint/2010/main" val="309949081"/>
       </p:ext>
     </p:extLst>
   </p:cSld>
@@ -3503,107 +4017,50 @@
         </p:nvSpPr>
         <p:spPr>
           <a:xfrm>
-            <a:off x="260808" y="631596"/>
-            <a:ext cx="10872247" cy="282804"/>
+            <a:off x="854696" y="3429000"/>
+            <a:ext cx="11239894" cy="282804"/>
           </a:xfrm>
         </p:spPr>
         <p:txBody>
           <a:bodyPr>
-            <a:normAutofit fontScale="90000"/>
+            <a:noAutofit/>
           </a:bodyPr>
           <a:lstStyle/>
           <a:p>
-            <a:pPr algn="l"/>
-            <a:r>
-              <a:rPr lang="zh-CN" altLang="en-US" sz="2000" dirty="0"/>
-              <a:t>这里一个跟</a:t>
-            </a:r>
-            <a:r>
-              <a:rPr lang="en-US" altLang="zh-CN" sz="2000" dirty="0"/>
-              <a:t>CX5</a:t>
-            </a:r>
-            <a:r>
-              <a:rPr lang="zh-CN" altLang="en-US" sz="2000" dirty="0"/>
-              <a:t>的</a:t>
-            </a:r>
-            <a:r>
-              <a:rPr lang="en-US" altLang="zh-CN" sz="2000" dirty="0"/>
-              <a:t>High level</a:t>
-            </a:r>
-            <a:r>
-              <a:rPr lang="zh-CN" altLang="en-US" sz="2000" dirty="0"/>
-              <a:t>对比，展示我们在 吞吐  时延  </a:t>
-            </a:r>
-            <a:r>
-              <a:rPr lang="en-US" altLang="zh-CN" sz="2000" dirty="0"/>
+            <a:r>
+              <a:rPr lang="zh-CN" altLang="en-US" sz="3600" b="1" dirty="0"/>
+              <a:t>一个时延和</a:t>
+            </a:r>
+            <a:r>
+              <a:rPr lang="en-US" altLang="zh-CN" sz="3600" b="1" dirty="0"/>
               <a:t>CPU</a:t>
             </a:r>
             <a:r>
-              <a:rPr lang="zh-CN" altLang="en-US" sz="2000" dirty="0"/>
-              <a:t>开销   并发支持（如果有）上的一些优势</a:t>
-            </a:r>
-          </a:p>
-        </p:txBody>
-      </p:sp>
-      <p:sp>
-        <p:nvSpPr>
-          <p:cNvPr id="3" name="副标题 2">
-            <a:extLst>
-              <a:ext uri="{FF2B5EF4-FFF2-40B4-BE49-F238E27FC236}">
-                <a16:creationId xmlns:a16="http://schemas.microsoft.com/office/drawing/2014/main" id="{EC676CA4-C6BC-84F0-B932-754C735C634F}"/>
-              </a:ext>
-            </a:extLst>
-          </p:cNvPr>
-          <p:cNvSpPr>
-            <a:spLocks noGrp="1"/>
-          </p:cNvSpPr>
-          <p:nvPr>
-            <p:ph type="subTitle" idx="1"/>
-          </p:nvPr>
-        </p:nvSpPr>
-        <p:spPr/>
-        <p:txBody>
-          <a:bodyPr/>
-          <a:lstStyle/>
-          <a:p>
-            <a:endParaRPr lang="zh-CN" altLang="en-US"/>
-          </a:p>
-        </p:txBody>
-      </p:sp>
-      <p:pic>
-        <p:nvPicPr>
-          <p:cNvPr id="5" name="图片 4">
-            <a:extLst>
-              <a:ext uri="{FF2B5EF4-FFF2-40B4-BE49-F238E27FC236}">
-                <a16:creationId xmlns:a16="http://schemas.microsoft.com/office/drawing/2014/main" id="{857A1629-FCDE-DEFA-0634-8E2E2DA5BB52}"/>
-              </a:ext>
-            </a:extLst>
-          </p:cNvPr>
-          <p:cNvPicPr>
-            <a:picLocks noChangeAspect="1"/>
-          </p:cNvPicPr>
-          <p:nvPr/>
-        </p:nvPicPr>
-        <p:blipFill>
-          <a:blip r:embed="rId2"/>
-          <a:stretch>
-            <a:fillRect/>
-          </a:stretch>
-        </p:blipFill>
-        <p:spPr>
-          <a:xfrm>
-            <a:off x="1013973" y="1509456"/>
-            <a:ext cx="10731824" cy="4838329"/>
-          </a:xfrm>
-          <a:prstGeom prst="rect">
-            <a:avLst/>
-          </a:prstGeom>
-        </p:spPr>
-      </p:pic>
+              <a:rPr lang="zh-CN" altLang="en-US" sz="3600" b="1" dirty="0"/>
+              <a:t>的横板柱状图</a:t>
+            </a:r>
+            <a:br>
+              <a:rPr lang="en-US" altLang="zh-CN" sz="3600" b="1" dirty="0"/>
+            </a:br>
+            <a:r>
+              <a:rPr lang="zh-CN" altLang="en-US" sz="3600" b="1" dirty="0"/>
+              <a:t>展示我们可以实现更低的时延和</a:t>
+            </a:r>
+            <a:r>
+              <a:rPr lang="en-US" altLang="zh-CN" sz="3600" b="1" dirty="0"/>
+              <a:t>CPU</a:t>
+            </a:r>
+            <a:r>
+              <a:rPr lang="zh-CN" altLang="en-US" sz="3600" b="1" dirty="0"/>
+              <a:t>开销</a:t>
+            </a:r>
+          </a:p>
+        </p:txBody>
+      </p:sp>
     </p:spTree>
     <p:extLst>
       <p:ext uri="{BB962C8B-B14F-4D97-AF65-F5344CB8AC3E}">
-        <p14:creationId xmlns:p14="http://schemas.microsoft.com/office/powerpoint/2010/main" val="4269115641"/>
+        <p14:creationId xmlns:p14="http://schemas.microsoft.com/office/powerpoint/2010/main" val="1213476231"/>
       </p:ext>
     </p:extLst>
   </p:cSld>
@@ -3614,6 +4071,3273 @@
 </file>
 
 <file path=ppt/slides/slide3.xml><?xml version="1.0" encoding="utf-8"?>
+<p:sld xmlns:a="http://schemas.openxmlformats.org/drawingml/2006/main" xmlns:r="http://schemas.openxmlformats.org/officeDocument/2006/relationships" xmlns:p="http://schemas.openxmlformats.org/presentationml/2006/main">
+  <p:cSld>
+    <p:bg>
+      <p:bgPr>
+        <a:solidFill>
+          <a:schemeClr val="tx1"/>
+        </a:solidFill>
+        <a:effectLst/>
+      </p:bgPr>
+    </p:bg>
+    <p:spTree>
+      <p:nvGrpSpPr>
+        <p:cNvPr id="1" name=""/>
+        <p:cNvGrpSpPr/>
+        <p:nvPr/>
+      </p:nvGrpSpPr>
+      <p:grpSpPr>
+        <a:xfrm>
+          <a:off x="0" y="0"/>
+          <a:ext cx="0" cy="0"/>
+          <a:chOff x="0" y="0"/>
+          <a:chExt cx="0" cy="0"/>
+        </a:xfrm>
+      </p:grpSpPr>
+      <p:sp>
+        <p:nvSpPr>
+          <p:cNvPr id="4" name="矩形 3">
+            <a:extLst>
+              <a:ext uri="{FF2B5EF4-FFF2-40B4-BE49-F238E27FC236}">
+                <a16:creationId xmlns:a16="http://schemas.microsoft.com/office/drawing/2014/main" id="{CF24AF9B-C218-5378-5AC8-B6326F5B69F4}"/>
+              </a:ext>
+            </a:extLst>
+          </p:cNvPr>
+          <p:cNvSpPr/>
+          <p:nvPr/>
+        </p:nvSpPr>
+        <p:spPr>
+          <a:xfrm>
+            <a:off x="0" y="0"/>
+            <a:ext cx="12192000" cy="6858000"/>
+          </a:xfrm>
+          <a:prstGeom prst="rect">
+            <a:avLst/>
+          </a:prstGeom>
+          <a:gradFill flip="none" rotWithShape="1">
+            <a:gsLst>
+              <a:gs pos="0">
+                <a:schemeClr val="tx1"/>
+              </a:gs>
+              <a:gs pos="100000">
+                <a:schemeClr val="tx1">
+                  <a:lumMod val="85000"/>
+                  <a:lumOff val="15000"/>
+                </a:schemeClr>
+              </a:gs>
+              <a:gs pos="93580">
+                <a:srgbClr val="262626"/>
+              </a:gs>
+              <a:gs pos="100000">
+                <a:schemeClr val="tx1">
+                  <a:lumMod val="85000"/>
+                  <a:lumOff val="15000"/>
+                </a:schemeClr>
+              </a:gs>
+              <a:gs pos="97000">
+                <a:schemeClr val="tx1">
+                  <a:lumMod val="85000"/>
+                  <a:lumOff val="15000"/>
+                </a:schemeClr>
+              </a:gs>
+            </a:gsLst>
+            <a:lin ang="16200000" scaled="1"/>
+            <a:tileRect/>
+          </a:gradFill>
+          <a:ln>
+            <a:noFill/>
+          </a:ln>
+        </p:spPr>
+        <p:style>
+          <a:lnRef idx="2">
+            <a:schemeClr val="accent1">
+              <a:shade val="15000"/>
+            </a:schemeClr>
+          </a:lnRef>
+          <a:fillRef idx="1">
+            <a:schemeClr val="accent1"/>
+          </a:fillRef>
+          <a:effectRef idx="0">
+            <a:schemeClr val="accent1"/>
+          </a:effectRef>
+          <a:fontRef idx="minor">
+            <a:schemeClr val="lt1"/>
+          </a:fontRef>
+        </p:style>
+        <p:txBody>
+          <a:bodyPr rtlCol="0" anchor="ctr"/>
+          <a:lstStyle/>
+          <a:p>
+            <a:pPr algn="ctr"/>
+            <a:endParaRPr lang="zh-CN" altLang="en-US"/>
+          </a:p>
+        </p:txBody>
+      </p:sp>
+      <p:sp>
+        <p:nvSpPr>
+          <p:cNvPr id="5" name="文本框 4">
+            <a:extLst>
+              <a:ext uri="{FF2B5EF4-FFF2-40B4-BE49-F238E27FC236}">
+                <a16:creationId xmlns:a16="http://schemas.microsoft.com/office/drawing/2014/main" id="{48082068-82A6-2B6F-8D33-D08E32C544F0}"/>
+              </a:ext>
+            </a:extLst>
+          </p:cNvPr>
+          <p:cNvSpPr txBox="1"/>
+          <p:nvPr/>
+        </p:nvSpPr>
+        <p:spPr>
+          <a:xfrm>
+            <a:off x="655782" y="986391"/>
+            <a:ext cx="12191999" cy="1069845"/>
+          </a:xfrm>
+          <a:prstGeom prst="rect">
+            <a:avLst/>
+          </a:prstGeom>
+          <a:noFill/>
+        </p:spPr>
+        <p:txBody>
+          <a:bodyPr wrap="square" rtlCol="0">
+            <a:spAutoFit/>
+          </a:bodyPr>
+          <a:lstStyle/>
+          <a:p>
+            <a:pPr algn="ctr">
+              <a:lnSpc>
+                <a:spcPct val="150000"/>
+              </a:lnSpc>
+            </a:pPr>
+            <a:r>
+              <a:rPr lang="zh-CN" altLang="en-US" sz="4800" dirty="0">
+                <a:solidFill>
+                  <a:schemeClr val="bg1"/>
+                </a:solidFill>
+                <a:latin typeface="微软雅黑" panose="020B0503020204020204" pitchFamily="34" charset="-122"/>
+                <a:ea typeface="微软雅黑" panose="020B0503020204020204" pitchFamily="34" charset="-122"/>
+              </a:rPr>
+              <a:t>凌波智能网卡</a:t>
+            </a:r>
+            <a:endParaRPr lang="en-US" altLang="zh-CN" sz="4800" dirty="0">
+              <a:solidFill>
+                <a:schemeClr val="bg1"/>
+              </a:solidFill>
+              <a:latin typeface="微软雅黑" panose="020B0503020204020204" pitchFamily="34" charset="-122"/>
+              <a:ea typeface="微软雅黑" panose="020B0503020204020204" pitchFamily="34" charset="-122"/>
+            </a:endParaRPr>
+          </a:p>
+        </p:txBody>
+      </p:sp>
+      <p:pic>
+        <p:nvPicPr>
+          <p:cNvPr id="8" name="图片 7" descr="微信图片_20231220161213">
+            <a:extLst>
+              <a:ext uri="{FF2B5EF4-FFF2-40B4-BE49-F238E27FC236}">
+                <a16:creationId xmlns:a16="http://schemas.microsoft.com/office/drawing/2014/main" id="{38DA68FB-2C6D-A4B7-D4A9-5826DD3302D8}"/>
+              </a:ext>
+            </a:extLst>
+          </p:cNvPr>
+          <p:cNvPicPr>
+            <a:picLocks noChangeAspect="1"/>
+          </p:cNvPicPr>
+          <p:nvPr/>
+        </p:nvPicPr>
+        <p:blipFill>
+          <a:blip r:embed="rId7"/>
+          <a:stretch>
+            <a:fillRect/>
+          </a:stretch>
+        </p:blipFill>
+        <p:spPr>
+          <a:xfrm>
+            <a:off x="2151249" y="541176"/>
+            <a:ext cx="2437434" cy="2123109"/>
+          </a:xfrm>
+          <a:prstGeom prst="rect">
+            <a:avLst/>
+          </a:prstGeom>
+          <a:effectLst>
+            <a:outerShdw blurRad="50800" dist="38100" dir="2700000" algn="tl" rotWithShape="0">
+              <a:prstClr val="black">
+                <a:alpha val="40000"/>
+              </a:prstClr>
+            </a:outerShdw>
+          </a:effectLst>
+        </p:spPr>
+      </p:pic>
+      <p:sp>
+        <p:nvSpPr>
+          <p:cNvPr id="7" name="矩形 6">
+            <a:extLst>
+              <a:ext uri="{FF2B5EF4-FFF2-40B4-BE49-F238E27FC236}">
+                <a16:creationId xmlns:a16="http://schemas.microsoft.com/office/drawing/2014/main" id="{D516920E-3487-E4E1-7C4A-D3D9BADDA466}"/>
+              </a:ext>
+            </a:extLst>
+          </p:cNvPr>
+          <p:cNvSpPr/>
+          <p:nvPr/>
+        </p:nvSpPr>
+        <p:spPr>
+          <a:xfrm>
+            <a:off x="147781" y="2673923"/>
+            <a:ext cx="2886365" cy="3232730"/>
+          </a:xfrm>
+          <a:prstGeom prst="rect">
+            <a:avLst/>
+          </a:prstGeom>
+          <a:solidFill>
+            <a:schemeClr val="bg2">
+              <a:lumMod val="10000"/>
+            </a:schemeClr>
+          </a:solidFill>
+          <a:ln>
+            <a:noFill/>
+          </a:ln>
+        </p:spPr>
+        <p:style>
+          <a:lnRef idx="2">
+            <a:schemeClr val="accent1">
+              <a:shade val="15000"/>
+            </a:schemeClr>
+          </a:lnRef>
+          <a:fillRef idx="1">
+            <a:schemeClr val="accent1"/>
+          </a:fillRef>
+          <a:effectRef idx="0">
+            <a:schemeClr val="accent1"/>
+          </a:effectRef>
+          <a:fontRef idx="minor">
+            <a:schemeClr val="lt1"/>
+          </a:fontRef>
+        </p:style>
+        <p:txBody>
+          <a:bodyPr rtlCol="0" anchor="ctr"/>
+          <a:lstStyle/>
+          <a:p>
+            <a:pPr algn="ctr"/>
+            <a:endParaRPr lang="zh-CN" altLang="en-US"/>
+          </a:p>
+        </p:txBody>
+      </p:sp>
+      <p:cxnSp>
+        <p:nvCxnSpPr>
+          <p:cNvPr id="17" name="直接连接符 16">
+            <a:extLst>
+              <a:ext uri="{FF2B5EF4-FFF2-40B4-BE49-F238E27FC236}">
+                <a16:creationId xmlns:a16="http://schemas.microsoft.com/office/drawing/2014/main" id="{4650FDCC-7A90-239E-1A64-B276BC2C6F5C}"/>
+              </a:ext>
+            </a:extLst>
+          </p:cNvPr>
+          <p:cNvCxnSpPr/>
+          <p:nvPr/>
+        </p:nvCxnSpPr>
+        <p:spPr>
+          <a:xfrm>
+            <a:off x="341746" y="3415145"/>
+            <a:ext cx="2429163" cy="0"/>
+          </a:xfrm>
+          <a:prstGeom prst="line">
+            <a:avLst/>
+          </a:prstGeom>
+          <a:ln w="19050">
+            <a:solidFill>
+              <a:schemeClr val="bg2">
+                <a:lumMod val="25000"/>
+              </a:schemeClr>
+            </a:solidFill>
+          </a:ln>
+        </p:spPr>
+        <p:style>
+          <a:lnRef idx="1">
+            <a:schemeClr val="accent1"/>
+          </a:lnRef>
+          <a:fillRef idx="0">
+            <a:schemeClr val="accent1"/>
+          </a:fillRef>
+          <a:effectRef idx="0">
+            <a:schemeClr val="accent1"/>
+          </a:effectRef>
+          <a:fontRef idx="minor">
+            <a:schemeClr val="tx1"/>
+          </a:fontRef>
+        </p:style>
+      </p:cxnSp>
+      <p:sp>
+        <p:nvSpPr>
+          <p:cNvPr id="21" name="矩形 20">
+            <a:extLst>
+              <a:ext uri="{FF2B5EF4-FFF2-40B4-BE49-F238E27FC236}">
+                <a16:creationId xmlns:a16="http://schemas.microsoft.com/office/drawing/2014/main" id="{1822D4CF-B3B8-3B02-B04C-ADA21A0885C0}"/>
+              </a:ext>
+            </a:extLst>
+          </p:cNvPr>
+          <p:cNvSpPr/>
+          <p:nvPr/>
+        </p:nvSpPr>
+        <p:spPr>
+          <a:xfrm>
+            <a:off x="3154217" y="2673923"/>
+            <a:ext cx="2886365" cy="3232730"/>
+          </a:xfrm>
+          <a:prstGeom prst="rect">
+            <a:avLst/>
+          </a:prstGeom>
+          <a:solidFill>
+            <a:schemeClr val="bg2">
+              <a:lumMod val="10000"/>
+            </a:schemeClr>
+          </a:solidFill>
+          <a:ln>
+            <a:noFill/>
+          </a:ln>
+        </p:spPr>
+        <p:style>
+          <a:lnRef idx="2">
+            <a:schemeClr val="accent1">
+              <a:shade val="15000"/>
+            </a:schemeClr>
+          </a:lnRef>
+          <a:fillRef idx="1">
+            <a:schemeClr val="accent1"/>
+          </a:fillRef>
+          <a:effectRef idx="0">
+            <a:schemeClr val="accent1"/>
+          </a:effectRef>
+          <a:fontRef idx="minor">
+            <a:schemeClr val="lt1"/>
+          </a:fontRef>
+        </p:style>
+        <p:txBody>
+          <a:bodyPr rtlCol="0" anchor="ctr"/>
+          <a:lstStyle/>
+          <a:p>
+            <a:pPr algn="ctr"/>
+            <a:endParaRPr lang="zh-CN" altLang="en-US"/>
+          </a:p>
+        </p:txBody>
+      </p:sp>
+      <p:cxnSp>
+        <p:nvCxnSpPr>
+          <p:cNvPr id="22" name="直接连接符 21">
+            <a:extLst>
+              <a:ext uri="{FF2B5EF4-FFF2-40B4-BE49-F238E27FC236}">
+                <a16:creationId xmlns:a16="http://schemas.microsoft.com/office/drawing/2014/main" id="{D38977E0-E49F-03D1-A9F6-FA62C7BAFB58}"/>
+              </a:ext>
+            </a:extLst>
+          </p:cNvPr>
+          <p:cNvCxnSpPr/>
+          <p:nvPr/>
+        </p:nvCxnSpPr>
+        <p:spPr>
+          <a:xfrm>
+            <a:off x="3348182" y="3415145"/>
+            <a:ext cx="2429163" cy="0"/>
+          </a:xfrm>
+          <a:prstGeom prst="line">
+            <a:avLst/>
+          </a:prstGeom>
+          <a:ln w="19050">
+            <a:solidFill>
+              <a:schemeClr val="bg2">
+                <a:lumMod val="25000"/>
+              </a:schemeClr>
+            </a:solidFill>
+          </a:ln>
+        </p:spPr>
+        <p:style>
+          <a:lnRef idx="1">
+            <a:schemeClr val="accent1"/>
+          </a:lnRef>
+          <a:fillRef idx="0">
+            <a:schemeClr val="accent1"/>
+          </a:fillRef>
+          <a:effectRef idx="0">
+            <a:schemeClr val="accent1"/>
+          </a:effectRef>
+          <a:fontRef idx="minor">
+            <a:schemeClr val="tx1"/>
+          </a:fontRef>
+        </p:style>
+      </p:cxnSp>
+      <p:sp>
+        <p:nvSpPr>
+          <p:cNvPr id="24" name="矩形 23">
+            <a:extLst>
+              <a:ext uri="{FF2B5EF4-FFF2-40B4-BE49-F238E27FC236}">
+                <a16:creationId xmlns:a16="http://schemas.microsoft.com/office/drawing/2014/main" id="{4E57258D-6C2A-BFBA-B656-0C32C498E101}"/>
+              </a:ext>
+            </a:extLst>
+          </p:cNvPr>
+          <p:cNvSpPr/>
+          <p:nvPr/>
+        </p:nvSpPr>
+        <p:spPr>
+          <a:xfrm>
+            <a:off x="6179127" y="2673923"/>
+            <a:ext cx="2886365" cy="3232730"/>
+          </a:xfrm>
+          <a:prstGeom prst="rect">
+            <a:avLst/>
+          </a:prstGeom>
+          <a:solidFill>
+            <a:schemeClr val="bg2">
+              <a:lumMod val="10000"/>
+            </a:schemeClr>
+          </a:solidFill>
+          <a:ln>
+            <a:noFill/>
+          </a:ln>
+        </p:spPr>
+        <p:style>
+          <a:lnRef idx="2">
+            <a:schemeClr val="accent1">
+              <a:shade val="15000"/>
+            </a:schemeClr>
+          </a:lnRef>
+          <a:fillRef idx="1">
+            <a:schemeClr val="accent1"/>
+          </a:fillRef>
+          <a:effectRef idx="0">
+            <a:schemeClr val="accent1"/>
+          </a:effectRef>
+          <a:fontRef idx="minor">
+            <a:schemeClr val="lt1"/>
+          </a:fontRef>
+        </p:style>
+        <p:txBody>
+          <a:bodyPr rtlCol="0" anchor="ctr"/>
+          <a:lstStyle/>
+          <a:p>
+            <a:pPr algn="ctr"/>
+            <a:endParaRPr lang="zh-CN" altLang="en-US"/>
+          </a:p>
+        </p:txBody>
+      </p:sp>
+      <p:cxnSp>
+        <p:nvCxnSpPr>
+          <p:cNvPr id="25" name="直接连接符 24">
+            <a:extLst>
+              <a:ext uri="{FF2B5EF4-FFF2-40B4-BE49-F238E27FC236}">
+                <a16:creationId xmlns:a16="http://schemas.microsoft.com/office/drawing/2014/main" id="{29D77892-908F-9E18-E39D-D95564FE2CB8}"/>
+              </a:ext>
+            </a:extLst>
+          </p:cNvPr>
+          <p:cNvCxnSpPr/>
+          <p:nvPr/>
+        </p:nvCxnSpPr>
+        <p:spPr>
+          <a:xfrm>
+            <a:off x="6373092" y="3415145"/>
+            <a:ext cx="2429163" cy="0"/>
+          </a:xfrm>
+          <a:prstGeom prst="line">
+            <a:avLst/>
+          </a:prstGeom>
+          <a:ln w="19050">
+            <a:solidFill>
+              <a:schemeClr val="bg2">
+                <a:lumMod val="25000"/>
+              </a:schemeClr>
+            </a:solidFill>
+          </a:ln>
+        </p:spPr>
+        <p:style>
+          <a:lnRef idx="1">
+            <a:schemeClr val="accent1"/>
+          </a:lnRef>
+          <a:fillRef idx="0">
+            <a:schemeClr val="accent1"/>
+          </a:fillRef>
+          <a:effectRef idx="0">
+            <a:schemeClr val="accent1"/>
+          </a:effectRef>
+          <a:fontRef idx="minor">
+            <a:schemeClr val="tx1"/>
+          </a:fontRef>
+        </p:style>
+      </p:cxnSp>
+      <p:sp>
+        <p:nvSpPr>
+          <p:cNvPr id="27" name="矩形 26">
+            <a:extLst>
+              <a:ext uri="{FF2B5EF4-FFF2-40B4-BE49-F238E27FC236}">
+                <a16:creationId xmlns:a16="http://schemas.microsoft.com/office/drawing/2014/main" id="{08D6A41E-C9D8-06C6-4CCB-AF953AE7534B}"/>
+              </a:ext>
+            </a:extLst>
+          </p:cNvPr>
+          <p:cNvSpPr/>
+          <p:nvPr/>
+        </p:nvSpPr>
+        <p:spPr>
+          <a:xfrm>
+            <a:off x="9167090" y="2673923"/>
+            <a:ext cx="2886365" cy="3232730"/>
+          </a:xfrm>
+          <a:prstGeom prst="rect">
+            <a:avLst/>
+          </a:prstGeom>
+          <a:solidFill>
+            <a:schemeClr val="bg2">
+              <a:lumMod val="10000"/>
+            </a:schemeClr>
+          </a:solidFill>
+          <a:ln>
+            <a:noFill/>
+          </a:ln>
+        </p:spPr>
+        <p:style>
+          <a:lnRef idx="2">
+            <a:schemeClr val="accent1">
+              <a:shade val="15000"/>
+            </a:schemeClr>
+          </a:lnRef>
+          <a:fillRef idx="1">
+            <a:schemeClr val="accent1"/>
+          </a:fillRef>
+          <a:effectRef idx="0">
+            <a:schemeClr val="accent1"/>
+          </a:effectRef>
+          <a:fontRef idx="minor">
+            <a:schemeClr val="lt1"/>
+          </a:fontRef>
+        </p:style>
+        <p:txBody>
+          <a:bodyPr rtlCol="0" anchor="ctr"/>
+          <a:lstStyle/>
+          <a:p>
+            <a:pPr algn="ctr"/>
+            <a:endParaRPr lang="zh-CN" altLang="en-US"/>
+          </a:p>
+        </p:txBody>
+      </p:sp>
+      <p:cxnSp>
+        <p:nvCxnSpPr>
+          <p:cNvPr id="28" name="直接连接符 27">
+            <a:extLst>
+              <a:ext uri="{FF2B5EF4-FFF2-40B4-BE49-F238E27FC236}">
+                <a16:creationId xmlns:a16="http://schemas.microsoft.com/office/drawing/2014/main" id="{442B768E-EE7E-9274-097D-454C16995543}"/>
+              </a:ext>
+            </a:extLst>
+          </p:cNvPr>
+          <p:cNvCxnSpPr/>
+          <p:nvPr/>
+        </p:nvCxnSpPr>
+        <p:spPr>
+          <a:xfrm>
+            <a:off x="9361055" y="3415145"/>
+            <a:ext cx="2429163" cy="0"/>
+          </a:xfrm>
+          <a:prstGeom prst="line">
+            <a:avLst/>
+          </a:prstGeom>
+          <a:ln w="19050">
+            <a:solidFill>
+              <a:schemeClr val="bg2">
+                <a:lumMod val="25000"/>
+              </a:schemeClr>
+            </a:solidFill>
+          </a:ln>
+        </p:spPr>
+        <p:style>
+          <a:lnRef idx="1">
+            <a:schemeClr val="accent1"/>
+          </a:lnRef>
+          <a:fillRef idx="0">
+            <a:schemeClr val="accent1"/>
+          </a:fillRef>
+          <a:effectRef idx="0">
+            <a:schemeClr val="accent1"/>
+          </a:effectRef>
+          <a:fontRef idx="minor">
+            <a:schemeClr val="tx1"/>
+          </a:fontRef>
+        </p:style>
+      </p:cxnSp>
+      <p:sp>
+        <p:nvSpPr>
+          <p:cNvPr id="33" name="TextBox 17">
+            <a:extLst>
+              <a:ext uri="{FF2B5EF4-FFF2-40B4-BE49-F238E27FC236}">
+                <a16:creationId xmlns:a16="http://schemas.microsoft.com/office/drawing/2014/main" id="{7BA81698-4E09-E8B8-DA40-1035147DBDA1}"/>
+              </a:ext>
+            </a:extLst>
+          </p:cNvPr>
+          <p:cNvSpPr txBox="1"/>
+          <p:nvPr>
+            <p:custDataLst>
+              <p:tags r:id="rId1"/>
+            </p:custDataLst>
+          </p:nvPr>
+        </p:nvSpPr>
+        <p:spPr>
+          <a:xfrm>
+            <a:off x="237031" y="2831984"/>
+            <a:ext cx="1961224" cy="584775"/>
+          </a:xfrm>
+          <a:prstGeom prst="rect">
+            <a:avLst/>
+          </a:prstGeom>
+          <a:noFill/>
+        </p:spPr>
+        <p:txBody>
+          <a:bodyPr wrap="square" rtlCol="0">
+            <a:spAutoFit/>
+          </a:bodyPr>
+          <a:lstStyle/>
+          <a:p>
+            <a:r>
+              <a:rPr lang="zh-CN" altLang="en-US" sz="3200" dirty="0">
+                <a:solidFill>
+                  <a:schemeClr val="bg1"/>
+                </a:solidFill>
+                <a:latin typeface="微软雅黑" panose="020B0503020204020204" pitchFamily="34" charset="-122"/>
+                <a:ea typeface="微软雅黑" panose="020B0503020204020204" pitchFamily="34" charset="-122"/>
+              </a:rPr>
+              <a:t>高扩展性</a:t>
+            </a:r>
+            <a:endParaRPr lang="zh-CN" sz="3200" dirty="0">
+              <a:solidFill>
+                <a:schemeClr val="bg1"/>
+              </a:solidFill>
+              <a:latin typeface="微软雅黑" panose="020B0503020204020204" pitchFamily="34" charset="-122"/>
+              <a:ea typeface="微软雅黑" panose="020B0503020204020204" pitchFamily="34" charset="-122"/>
+            </a:endParaRPr>
+          </a:p>
+        </p:txBody>
+      </p:sp>
+      <p:sp>
+        <p:nvSpPr>
+          <p:cNvPr id="34" name="TextBox 17">
+            <a:extLst>
+              <a:ext uri="{FF2B5EF4-FFF2-40B4-BE49-F238E27FC236}">
+                <a16:creationId xmlns:a16="http://schemas.microsoft.com/office/drawing/2014/main" id="{A72D0883-8C92-2E58-3C40-018FD5DD7471}"/>
+              </a:ext>
+            </a:extLst>
+          </p:cNvPr>
+          <p:cNvSpPr txBox="1"/>
+          <p:nvPr>
+            <p:custDataLst>
+              <p:tags r:id="rId2"/>
+            </p:custDataLst>
+          </p:nvPr>
+        </p:nvSpPr>
+        <p:spPr>
+          <a:xfrm>
+            <a:off x="3271176" y="2831984"/>
+            <a:ext cx="1965842" cy="584775"/>
+          </a:xfrm>
+          <a:prstGeom prst="rect">
+            <a:avLst/>
+          </a:prstGeom>
+          <a:noFill/>
+        </p:spPr>
+        <p:txBody>
+          <a:bodyPr wrap="square" rtlCol="0">
+            <a:spAutoFit/>
+          </a:bodyPr>
+          <a:lstStyle/>
+          <a:p>
+            <a:r>
+              <a:rPr lang="zh-CN" altLang="en-US" sz="3200" dirty="0">
+                <a:solidFill>
+                  <a:schemeClr val="bg1"/>
+                </a:solidFill>
+                <a:latin typeface="微软雅黑" panose="020B0503020204020204" pitchFamily="34" charset="-122"/>
+                <a:ea typeface="微软雅黑" panose="020B0503020204020204" pitchFamily="34" charset="-122"/>
+              </a:rPr>
+              <a:t>高并发性</a:t>
+            </a:r>
+            <a:endParaRPr lang="zh-CN" sz="3200" dirty="0">
+              <a:solidFill>
+                <a:schemeClr val="bg1"/>
+              </a:solidFill>
+              <a:latin typeface="微软雅黑" panose="020B0503020204020204" pitchFamily="34" charset="-122"/>
+              <a:ea typeface="微软雅黑" panose="020B0503020204020204" pitchFamily="34" charset="-122"/>
+            </a:endParaRPr>
+          </a:p>
+        </p:txBody>
+      </p:sp>
+      <p:sp>
+        <p:nvSpPr>
+          <p:cNvPr id="35" name="TextBox 17">
+            <a:extLst>
+              <a:ext uri="{FF2B5EF4-FFF2-40B4-BE49-F238E27FC236}">
+                <a16:creationId xmlns:a16="http://schemas.microsoft.com/office/drawing/2014/main" id="{676B26DE-C0FC-D316-661A-CD337768AEC5}"/>
+              </a:ext>
+            </a:extLst>
+          </p:cNvPr>
+          <p:cNvSpPr txBox="1"/>
+          <p:nvPr>
+            <p:custDataLst>
+              <p:tags r:id="rId3"/>
+            </p:custDataLst>
+          </p:nvPr>
+        </p:nvSpPr>
+        <p:spPr>
+          <a:xfrm>
+            <a:off x="6240667" y="2831984"/>
+            <a:ext cx="1961223" cy="584775"/>
+          </a:xfrm>
+          <a:prstGeom prst="rect">
+            <a:avLst/>
+          </a:prstGeom>
+          <a:noFill/>
+        </p:spPr>
+        <p:txBody>
+          <a:bodyPr wrap="square" rtlCol="0">
+            <a:spAutoFit/>
+          </a:bodyPr>
+          <a:lstStyle/>
+          <a:p>
+            <a:r>
+              <a:rPr lang="zh-CN" altLang="en-US" sz="3200" dirty="0">
+                <a:solidFill>
+                  <a:schemeClr val="bg1"/>
+                </a:solidFill>
+                <a:latin typeface="微软雅黑" panose="020B0503020204020204" pitchFamily="34" charset="-122"/>
+                <a:ea typeface="微软雅黑" panose="020B0503020204020204" pitchFamily="34" charset="-122"/>
+              </a:rPr>
+              <a:t>强兼容性</a:t>
+            </a:r>
+            <a:endParaRPr lang="zh-CN" sz="3200" dirty="0">
+              <a:solidFill>
+                <a:schemeClr val="bg1"/>
+              </a:solidFill>
+              <a:latin typeface="微软雅黑" panose="020B0503020204020204" pitchFamily="34" charset="-122"/>
+              <a:ea typeface="微软雅黑" panose="020B0503020204020204" pitchFamily="34" charset="-122"/>
+            </a:endParaRPr>
+          </a:p>
+        </p:txBody>
+      </p:sp>
+      <p:sp>
+        <p:nvSpPr>
+          <p:cNvPr id="36" name="TextBox 17">
+            <a:extLst>
+              <a:ext uri="{FF2B5EF4-FFF2-40B4-BE49-F238E27FC236}">
+                <a16:creationId xmlns:a16="http://schemas.microsoft.com/office/drawing/2014/main" id="{1E51C10D-437C-D59C-38C4-D216ACADB310}"/>
+              </a:ext>
+            </a:extLst>
+          </p:cNvPr>
+          <p:cNvSpPr txBox="1"/>
+          <p:nvPr>
+            <p:custDataLst>
+              <p:tags r:id="rId4"/>
+            </p:custDataLst>
+          </p:nvPr>
+        </p:nvSpPr>
+        <p:spPr>
+          <a:xfrm>
+            <a:off x="9247103" y="2831984"/>
+            <a:ext cx="1965841" cy="584775"/>
+          </a:xfrm>
+          <a:prstGeom prst="rect">
+            <a:avLst/>
+          </a:prstGeom>
+          <a:noFill/>
+        </p:spPr>
+        <p:txBody>
+          <a:bodyPr wrap="square" rtlCol="0">
+            <a:spAutoFit/>
+          </a:bodyPr>
+          <a:lstStyle/>
+          <a:p>
+            <a:r>
+              <a:rPr lang="zh-CN" altLang="en-US" sz="3200" dirty="0">
+                <a:solidFill>
+                  <a:schemeClr val="bg1"/>
+                </a:solidFill>
+                <a:latin typeface="微软雅黑" panose="020B0503020204020204" pitchFamily="34" charset="-122"/>
+                <a:ea typeface="微软雅黑" panose="020B0503020204020204" pitchFamily="34" charset="-122"/>
+              </a:rPr>
+              <a:t>高性价比</a:t>
+            </a:r>
+            <a:endParaRPr lang="zh-CN" sz="3200" dirty="0">
+              <a:solidFill>
+                <a:schemeClr val="bg1"/>
+              </a:solidFill>
+              <a:latin typeface="微软雅黑" panose="020B0503020204020204" pitchFamily="34" charset="-122"/>
+              <a:ea typeface="微软雅黑" panose="020B0503020204020204" pitchFamily="34" charset="-122"/>
+            </a:endParaRPr>
+          </a:p>
+        </p:txBody>
+      </p:sp>
+      <p:sp>
+        <p:nvSpPr>
+          <p:cNvPr id="37" name="文本框 36">
+            <a:extLst>
+              <a:ext uri="{FF2B5EF4-FFF2-40B4-BE49-F238E27FC236}">
+                <a16:creationId xmlns:a16="http://schemas.microsoft.com/office/drawing/2014/main" id="{41D3911A-7F1B-39FB-B08C-647E55F3904C}"/>
+              </a:ext>
+            </a:extLst>
+          </p:cNvPr>
+          <p:cNvSpPr txBox="1"/>
+          <p:nvPr/>
+        </p:nvSpPr>
+        <p:spPr>
+          <a:xfrm>
+            <a:off x="230908" y="3546764"/>
+            <a:ext cx="2761674" cy="1675330"/>
+          </a:xfrm>
+          <a:prstGeom prst="rect">
+            <a:avLst/>
+          </a:prstGeom>
+          <a:noFill/>
+        </p:spPr>
+        <p:txBody>
+          <a:bodyPr wrap="square" rtlCol="0">
+            <a:spAutoFit/>
+          </a:bodyPr>
+          <a:lstStyle/>
+          <a:p>
+            <a:pPr>
+              <a:lnSpc>
+                <a:spcPct val="150000"/>
+              </a:lnSpc>
+            </a:pPr>
+            <a:r>
+              <a:rPr lang="zh-CN" altLang="en-US" sz="1400" dirty="0">
+                <a:solidFill>
+                  <a:schemeClr val="bg1"/>
+                </a:solidFill>
+              </a:rPr>
+              <a:t>自研</a:t>
+            </a:r>
+            <a:r>
+              <a:rPr lang="en-US" altLang="zh-CN" sz="1400" dirty="0">
+                <a:solidFill>
+                  <a:schemeClr val="bg1"/>
+                </a:solidFill>
+              </a:rPr>
+              <a:t>RDMA</a:t>
+            </a:r>
+            <a:r>
+              <a:rPr lang="zh-CN" altLang="en-US" sz="1400" dirty="0">
+                <a:solidFill>
+                  <a:schemeClr val="bg1"/>
+                </a:solidFill>
+              </a:rPr>
+              <a:t>网络协议</a:t>
+            </a:r>
+            <a:r>
+              <a:rPr lang="en-US" altLang="zh-CN" sz="1400" dirty="0">
+                <a:solidFill>
+                  <a:schemeClr val="bg1"/>
+                </a:solidFill>
+              </a:rPr>
+              <a:t>HP4</a:t>
+            </a:r>
+          </a:p>
+          <a:p>
+            <a:pPr>
+              <a:lnSpc>
+                <a:spcPct val="150000"/>
+              </a:lnSpc>
+            </a:pPr>
+            <a:r>
+              <a:rPr lang="zh-CN" altLang="en-US" sz="1400" dirty="0">
+                <a:solidFill>
+                  <a:schemeClr val="bg1"/>
+                </a:solidFill>
+              </a:rPr>
+              <a:t>支撑万卡规模集群互联</a:t>
+            </a:r>
+            <a:endParaRPr lang="en-US" altLang="zh-CN" sz="1400" dirty="0">
+              <a:solidFill>
+                <a:schemeClr val="bg1"/>
+              </a:solidFill>
+            </a:endParaRPr>
+          </a:p>
+          <a:p>
+            <a:pPr>
+              <a:lnSpc>
+                <a:spcPct val="150000"/>
+              </a:lnSpc>
+            </a:pPr>
+            <a:r>
+              <a:rPr lang="zh-CN" altLang="en-US" sz="1400" dirty="0">
+                <a:solidFill>
+                  <a:schemeClr val="bg1"/>
+                </a:solidFill>
+              </a:rPr>
+              <a:t>自研高性能流调度方案</a:t>
+            </a:r>
+            <a:r>
+              <a:rPr lang="en-US" altLang="zh-CN" sz="1400" dirty="0">
+                <a:solidFill>
+                  <a:schemeClr val="bg1"/>
+                </a:solidFill>
+              </a:rPr>
+              <a:t>QCLIMB</a:t>
+            </a:r>
+          </a:p>
+          <a:p>
+            <a:pPr>
+              <a:lnSpc>
+                <a:spcPct val="150000"/>
+              </a:lnSpc>
+            </a:pPr>
+            <a:r>
+              <a:rPr lang="zh-CN" altLang="en-US" sz="1400" dirty="0">
+                <a:solidFill>
+                  <a:schemeClr val="bg1"/>
+                </a:solidFill>
+              </a:rPr>
+              <a:t>自研高性能传输控制方案</a:t>
+            </a:r>
+            <a:r>
+              <a:rPr lang="en-US" altLang="zh-CN" sz="1400" dirty="0">
+                <a:solidFill>
+                  <a:schemeClr val="bg1"/>
+                </a:solidFill>
+              </a:rPr>
+              <a:t>PPT</a:t>
+            </a:r>
+          </a:p>
+          <a:p>
+            <a:pPr>
+              <a:lnSpc>
+                <a:spcPct val="150000"/>
+              </a:lnSpc>
+            </a:pPr>
+            <a:r>
+              <a:rPr lang="zh-CN" altLang="en-US" sz="1400" dirty="0">
+                <a:solidFill>
+                  <a:schemeClr val="bg1"/>
+                </a:solidFill>
+              </a:rPr>
+              <a:t>相关技术被领域</a:t>
+            </a:r>
+            <a:r>
+              <a:rPr lang="en-US" altLang="zh-CN" sz="1400" dirty="0">
+                <a:solidFill>
+                  <a:schemeClr val="bg1"/>
+                </a:solidFill>
+              </a:rPr>
+              <a:t>TOP</a:t>
+            </a:r>
+            <a:r>
+              <a:rPr lang="zh-CN" altLang="en-US" sz="1400" dirty="0">
+                <a:solidFill>
+                  <a:schemeClr val="bg1"/>
+                </a:solidFill>
+              </a:rPr>
+              <a:t>会议收录</a:t>
+            </a:r>
+          </a:p>
+        </p:txBody>
+      </p:sp>
+      <p:sp>
+        <p:nvSpPr>
+          <p:cNvPr id="39" name="文本框 38">
+            <a:extLst>
+              <a:ext uri="{FF2B5EF4-FFF2-40B4-BE49-F238E27FC236}">
+                <a16:creationId xmlns:a16="http://schemas.microsoft.com/office/drawing/2014/main" id="{DA197F2A-B5F4-31EE-D12F-0D2631429E8F}"/>
+              </a:ext>
+            </a:extLst>
+          </p:cNvPr>
+          <p:cNvSpPr txBox="1"/>
+          <p:nvPr/>
+        </p:nvSpPr>
+        <p:spPr>
+          <a:xfrm>
+            <a:off x="3255817" y="3569855"/>
+            <a:ext cx="2761674" cy="1675330"/>
+          </a:xfrm>
+          <a:prstGeom prst="rect">
+            <a:avLst/>
+          </a:prstGeom>
+          <a:noFill/>
+        </p:spPr>
+        <p:txBody>
+          <a:bodyPr wrap="square" rtlCol="0">
+            <a:spAutoFit/>
+          </a:bodyPr>
+          <a:lstStyle/>
+          <a:p>
+            <a:pPr>
+              <a:lnSpc>
+                <a:spcPct val="150000"/>
+              </a:lnSpc>
+            </a:pPr>
+            <a:r>
+              <a:rPr lang="zh-CN" altLang="en-US" sz="1400" dirty="0">
+                <a:solidFill>
+                  <a:schemeClr val="bg1"/>
+                </a:solidFill>
+              </a:rPr>
+              <a:t>自研单卡</a:t>
+            </a:r>
+            <a:r>
+              <a:rPr lang="en-US" altLang="zh-CN" sz="1400" dirty="0">
+                <a:solidFill>
+                  <a:schemeClr val="bg1"/>
+                </a:solidFill>
+              </a:rPr>
+              <a:t>100K</a:t>
+            </a:r>
+            <a:r>
+              <a:rPr lang="zh-CN" altLang="en-US" sz="1400" dirty="0">
+                <a:solidFill>
+                  <a:schemeClr val="bg1"/>
+                </a:solidFill>
+              </a:rPr>
+              <a:t>高并发连接方案</a:t>
+            </a:r>
+            <a:endParaRPr lang="en-US" altLang="zh-CN" sz="1400" dirty="0">
+              <a:solidFill>
+                <a:schemeClr val="bg1"/>
+              </a:solidFill>
+            </a:endParaRPr>
+          </a:p>
+          <a:p>
+            <a:pPr>
+              <a:lnSpc>
+                <a:spcPct val="150000"/>
+              </a:lnSpc>
+            </a:pPr>
+            <a:r>
+              <a:rPr lang="zh-CN" altLang="en-US" sz="1400" dirty="0">
+                <a:solidFill>
+                  <a:schemeClr val="bg1"/>
+                </a:solidFill>
+              </a:rPr>
+              <a:t>软硬结合的并发调度机制</a:t>
+            </a:r>
+            <a:endParaRPr lang="en-US" altLang="zh-CN" sz="1400" dirty="0">
+              <a:solidFill>
+                <a:schemeClr val="bg1"/>
+              </a:solidFill>
+            </a:endParaRPr>
+          </a:p>
+          <a:p>
+            <a:pPr>
+              <a:lnSpc>
+                <a:spcPct val="150000"/>
+              </a:lnSpc>
+            </a:pPr>
+            <a:r>
+              <a:rPr lang="zh-CN" altLang="en-US" sz="1400" dirty="0">
+                <a:solidFill>
+                  <a:schemeClr val="bg1"/>
+                </a:solidFill>
+              </a:rPr>
+              <a:t>软件：基于</a:t>
+            </a:r>
+            <a:r>
+              <a:rPr lang="en-US" altLang="zh-CN" sz="1400" dirty="0">
+                <a:solidFill>
+                  <a:schemeClr val="bg1"/>
+                </a:solidFill>
+              </a:rPr>
+              <a:t>P4</a:t>
+            </a:r>
+            <a:r>
+              <a:rPr lang="zh-CN" altLang="en-US" sz="1400" dirty="0">
+                <a:solidFill>
+                  <a:schemeClr val="bg1"/>
+                </a:solidFill>
+              </a:rPr>
+              <a:t>的高并发流聚合</a:t>
+            </a:r>
+            <a:endParaRPr lang="en-US" altLang="zh-CN" sz="1400" dirty="0">
+              <a:solidFill>
+                <a:schemeClr val="bg1"/>
+              </a:solidFill>
+            </a:endParaRPr>
+          </a:p>
+          <a:p>
+            <a:pPr>
+              <a:lnSpc>
+                <a:spcPct val="150000"/>
+              </a:lnSpc>
+            </a:pPr>
+            <a:r>
+              <a:rPr lang="zh-CN" altLang="en-US" sz="1400" dirty="0">
+                <a:solidFill>
+                  <a:schemeClr val="bg1"/>
+                </a:solidFill>
+              </a:rPr>
+              <a:t>硬件：基于状态压缩的连接维护</a:t>
+            </a:r>
+            <a:endParaRPr lang="en-US" altLang="zh-CN" sz="1400" dirty="0">
+              <a:solidFill>
+                <a:schemeClr val="bg1"/>
+              </a:solidFill>
+            </a:endParaRPr>
+          </a:p>
+          <a:p>
+            <a:pPr>
+              <a:lnSpc>
+                <a:spcPct val="150000"/>
+              </a:lnSpc>
+            </a:pPr>
+            <a:endParaRPr lang="en-US" altLang="zh-CN" sz="1400" dirty="0">
+              <a:solidFill>
+                <a:schemeClr val="bg1"/>
+              </a:solidFill>
+            </a:endParaRPr>
+          </a:p>
+        </p:txBody>
+      </p:sp>
+      <p:sp>
+        <p:nvSpPr>
+          <p:cNvPr id="40" name="文本框 39">
+            <a:extLst>
+              <a:ext uri="{FF2B5EF4-FFF2-40B4-BE49-F238E27FC236}">
+                <a16:creationId xmlns:a16="http://schemas.microsoft.com/office/drawing/2014/main" id="{6E8B2637-C936-7687-1B3D-3958FC0B948B}"/>
+              </a:ext>
+            </a:extLst>
+          </p:cNvPr>
+          <p:cNvSpPr txBox="1"/>
+          <p:nvPr/>
+        </p:nvSpPr>
+        <p:spPr>
+          <a:xfrm>
+            <a:off x="6234544" y="3574473"/>
+            <a:ext cx="2761674" cy="1352165"/>
+          </a:xfrm>
+          <a:prstGeom prst="rect">
+            <a:avLst/>
+          </a:prstGeom>
+          <a:noFill/>
+        </p:spPr>
+        <p:txBody>
+          <a:bodyPr wrap="square" rtlCol="0">
+            <a:spAutoFit/>
+          </a:bodyPr>
+          <a:lstStyle/>
+          <a:p>
+            <a:pPr>
+              <a:lnSpc>
+                <a:spcPct val="150000"/>
+              </a:lnSpc>
+            </a:pPr>
+            <a:r>
+              <a:rPr lang="zh-CN" altLang="en-US" sz="1400" dirty="0">
+                <a:solidFill>
+                  <a:schemeClr val="bg1"/>
+                </a:solidFill>
+              </a:rPr>
+              <a:t>兼容国产操作系统</a:t>
+            </a:r>
+            <a:endParaRPr lang="en-US" altLang="zh-CN" sz="1400" dirty="0">
+              <a:solidFill>
+                <a:schemeClr val="bg1"/>
+              </a:solidFill>
+            </a:endParaRPr>
+          </a:p>
+          <a:p>
+            <a:pPr>
+              <a:lnSpc>
+                <a:spcPct val="150000"/>
+              </a:lnSpc>
+            </a:pPr>
+            <a:r>
+              <a:rPr lang="zh-CN" altLang="en-US" sz="1400" dirty="0">
+                <a:solidFill>
+                  <a:schemeClr val="bg1"/>
+                </a:solidFill>
+              </a:rPr>
+              <a:t>适配国产</a:t>
+            </a:r>
+            <a:r>
+              <a:rPr lang="en-US" altLang="zh-CN" sz="1400" dirty="0">
+                <a:solidFill>
+                  <a:schemeClr val="bg1"/>
+                </a:solidFill>
+              </a:rPr>
+              <a:t>CPU</a:t>
+            </a:r>
+            <a:r>
+              <a:rPr lang="zh-CN" altLang="en-US" sz="1400" dirty="0">
+                <a:solidFill>
+                  <a:schemeClr val="bg1"/>
+                </a:solidFill>
+              </a:rPr>
+              <a:t>体系</a:t>
+            </a:r>
+            <a:endParaRPr lang="en-US" altLang="zh-CN" sz="1400" dirty="0">
+              <a:solidFill>
+                <a:schemeClr val="bg1"/>
+              </a:solidFill>
+            </a:endParaRPr>
+          </a:p>
+          <a:p>
+            <a:pPr>
+              <a:lnSpc>
+                <a:spcPct val="150000"/>
+              </a:lnSpc>
+            </a:pPr>
+            <a:r>
+              <a:rPr lang="zh-CN" altLang="en-US" sz="1400" dirty="0">
+                <a:solidFill>
+                  <a:schemeClr val="bg1"/>
+                </a:solidFill>
+              </a:rPr>
+              <a:t>加速国产</a:t>
+            </a:r>
+            <a:r>
+              <a:rPr lang="en-US" altLang="zh-CN" sz="1400" dirty="0">
+                <a:solidFill>
+                  <a:schemeClr val="bg1"/>
+                </a:solidFill>
+              </a:rPr>
+              <a:t>GPU</a:t>
+            </a:r>
+            <a:r>
+              <a:rPr lang="zh-CN" altLang="en-US" sz="1400" dirty="0">
+                <a:solidFill>
+                  <a:schemeClr val="bg1"/>
+                </a:solidFill>
+              </a:rPr>
+              <a:t>训练速度</a:t>
+            </a:r>
+            <a:endParaRPr lang="en-US" altLang="zh-CN" sz="1400" dirty="0">
+              <a:solidFill>
+                <a:schemeClr val="bg1"/>
+              </a:solidFill>
+            </a:endParaRPr>
+          </a:p>
+          <a:p>
+            <a:pPr>
+              <a:lnSpc>
+                <a:spcPct val="150000"/>
+              </a:lnSpc>
+            </a:pPr>
+            <a:r>
+              <a:rPr lang="zh-CN" altLang="en-US" sz="1400" dirty="0">
+                <a:solidFill>
+                  <a:schemeClr val="bg1"/>
+                </a:solidFill>
+              </a:rPr>
+              <a:t>支撑国产信创体系架构</a:t>
+            </a:r>
+            <a:endParaRPr lang="en-US" altLang="zh-CN" sz="1400" dirty="0">
+              <a:solidFill>
+                <a:schemeClr val="bg1"/>
+              </a:solidFill>
+            </a:endParaRPr>
+          </a:p>
+        </p:txBody>
+      </p:sp>
+      <p:sp>
+        <p:nvSpPr>
+          <p:cNvPr id="41" name="文本框 40">
+            <a:extLst>
+              <a:ext uri="{FF2B5EF4-FFF2-40B4-BE49-F238E27FC236}">
+                <a16:creationId xmlns:a16="http://schemas.microsoft.com/office/drawing/2014/main" id="{1EAB519D-7272-B2DA-BC09-54CCADADFA28}"/>
+              </a:ext>
+            </a:extLst>
+          </p:cNvPr>
+          <p:cNvSpPr txBox="1"/>
+          <p:nvPr/>
+        </p:nvSpPr>
+        <p:spPr>
+          <a:xfrm>
+            <a:off x="9296399" y="3588328"/>
+            <a:ext cx="2761674" cy="1029000"/>
+          </a:xfrm>
+          <a:prstGeom prst="rect">
+            <a:avLst/>
+          </a:prstGeom>
+          <a:noFill/>
+        </p:spPr>
+        <p:txBody>
+          <a:bodyPr wrap="square" rtlCol="0">
+            <a:spAutoFit/>
+          </a:bodyPr>
+          <a:lstStyle/>
+          <a:p>
+            <a:pPr>
+              <a:lnSpc>
+                <a:spcPct val="150000"/>
+              </a:lnSpc>
+            </a:pPr>
+            <a:r>
+              <a:rPr lang="zh-CN" altLang="en-US" sz="1400" dirty="0">
+                <a:solidFill>
+                  <a:schemeClr val="bg1"/>
+                </a:solidFill>
+              </a:rPr>
+              <a:t>即插即用</a:t>
+            </a:r>
+            <a:endParaRPr lang="en-US" altLang="zh-CN" sz="1400" dirty="0">
+              <a:solidFill>
+                <a:schemeClr val="bg1"/>
+              </a:solidFill>
+            </a:endParaRPr>
+          </a:p>
+          <a:p>
+            <a:pPr>
+              <a:lnSpc>
+                <a:spcPct val="150000"/>
+              </a:lnSpc>
+            </a:pPr>
+            <a:r>
+              <a:rPr lang="zh-CN" altLang="en-US" sz="1400" dirty="0">
+                <a:solidFill>
+                  <a:schemeClr val="bg1"/>
+                </a:solidFill>
+              </a:rPr>
+              <a:t>支持开放以太网，无需专用设备</a:t>
+            </a:r>
+            <a:endParaRPr lang="en-US" altLang="zh-CN" sz="1400" dirty="0">
+              <a:solidFill>
+                <a:schemeClr val="bg1"/>
+              </a:solidFill>
+            </a:endParaRPr>
+          </a:p>
+          <a:p>
+            <a:pPr>
+              <a:lnSpc>
+                <a:spcPct val="150000"/>
+              </a:lnSpc>
+            </a:pPr>
+            <a:r>
+              <a:rPr lang="zh-CN" altLang="en-US" sz="1400" dirty="0">
+                <a:solidFill>
+                  <a:schemeClr val="bg1"/>
+                </a:solidFill>
+              </a:rPr>
+              <a:t>降低</a:t>
+            </a:r>
+            <a:r>
+              <a:rPr lang="en-US" altLang="zh-CN" sz="1400" dirty="0">
+                <a:solidFill>
+                  <a:schemeClr val="bg1"/>
+                </a:solidFill>
+              </a:rPr>
+              <a:t>86%</a:t>
+            </a:r>
+            <a:r>
+              <a:rPr lang="zh-CN" altLang="en-US" sz="1400" dirty="0">
+                <a:solidFill>
+                  <a:schemeClr val="bg1"/>
+                </a:solidFill>
+              </a:rPr>
+              <a:t>的组网成本</a:t>
+            </a:r>
+            <a:endParaRPr lang="en-US" altLang="zh-CN" sz="1400" dirty="0">
+              <a:solidFill>
+                <a:schemeClr val="bg1"/>
+              </a:solidFill>
+            </a:endParaRPr>
+          </a:p>
+        </p:txBody>
+      </p:sp>
+    </p:spTree>
+    <p:extLst>
+      <p:ext uri="{BB962C8B-B14F-4D97-AF65-F5344CB8AC3E}">
+        <p14:creationId xmlns:p14="http://schemas.microsoft.com/office/powerpoint/2010/main" val="3829967532"/>
+      </p:ext>
+    </p:extLst>
+  </p:cSld>
+  <p:clrMapOvr>
+    <a:masterClrMapping/>
+  </p:clrMapOvr>
+</p:sld>
+</file>
+
+<file path=ppt/slides/slide4.xml><?xml version="1.0" encoding="utf-8"?>
+<p:sld xmlns:a="http://schemas.openxmlformats.org/drawingml/2006/main" xmlns:r="http://schemas.openxmlformats.org/officeDocument/2006/relationships" xmlns:p="http://schemas.openxmlformats.org/presentationml/2006/main">
+  <p:cSld>
+    <p:bg>
+      <p:bgPr>
+        <a:solidFill>
+          <a:schemeClr val="tx1"/>
+        </a:solidFill>
+        <a:effectLst/>
+      </p:bgPr>
+    </p:bg>
+    <p:spTree>
+      <p:nvGrpSpPr>
+        <p:cNvPr id="1" name=""/>
+        <p:cNvGrpSpPr/>
+        <p:nvPr/>
+      </p:nvGrpSpPr>
+      <p:grpSpPr>
+        <a:xfrm>
+          <a:off x="0" y="0"/>
+          <a:ext cx="0" cy="0"/>
+          <a:chOff x="0" y="0"/>
+          <a:chExt cx="0" cy="0"/>
+        </a:xfrm>
+      </p:grpSpPr>
+      <p:sp>
+        <p:nvSpPr>
+          <p:cNvPr id="2" name="标题 1">
+            <a:extLst>
+              <a:ext uri="{FF2B5EF4-FFF2-40B4-BE49-F238E27FC236}">
+                <a16:creationId xmlns:a16="http://schemas.microsoft.com/office/drawing/2014/main" id="{C56627A0-0BE9-2E9B-803A-2CCC5E4819E5}"/>
+              </a:ext>
+            </a:extLst>
+          </p:cNvPr>
+          <p:cNvSpPr>
+            <a:spLocks noGrp="1"/>
+          </p:cNvSpPr>
+          <p:nvPr>
+            <p:ph type="title"/>
+          </p:nvPr>
+        </p:nvSpPr>
+        <p:spPr/>
+        <p:txBody>
+          <a:bodyPr/>
+          <a:lstStyle/>
+          <a:p>
+            <a:endParaRPr lang="zh-CN" altLang="en-US"/>
+          </a:p>
+        </p:txBody>
+      </p:sp>
+      <p:sp>
+        <p:nvSpPr>
+          <p:cNvPr id="3" name="内容占位符 2">
+            <a:extLst>
+              <a:ext uri="{FF2B5EF4-FFF2-40B4-BE49-F238E27FC236}">
+                <a16:creationId xmlns:a16="http://schemas.microsoft.com/office/drawing/2014/main" id="{960EA3B2-7A47-C442-3F94-334BE80B4CB4}"/>
+              </a:ext>
+            </a:extLst>
+          </p:cNvPr>
+          <p:cNvSpPr>
+            <a:spLocks noGrp="1"/>
+          </p:cNvSpPr>
+          <p:nvPr>
+            <p:ph idx="1"/>
+          </p:nvPr>
+        </p:nvSpPr>
+        <p:spPr/>
+        <p:txBody>
+          <a:bodyPr/>
+          <a:lstStyle/>
+          <a:p>
+            <a:endParaRPr lang="zh-CN" altLang="en-US"/>
+          </a:p>
+        </p:txBody>
+      </p:sp>
+      <p:sp>
+        <p:nvSpPr>
+          <p:cNvPr id="4" name="矩形 3">
+            <a:extLst>
+              <a:ext uri="{FF2B5EF4-FFF2-40B4-BE49-F238E27FC236}">
+                <a16:creationId xmlns:a16="http://schemas.microsoft.com/office/drawing/2014/main" id="{D867D1F3-3505-967D-FF60-7D689C3DE606}"/>
+              </a:ext>
+            </a:extLst>
+          </p:cNvPr>
+          <p:cNvSpPr/>
+          <p:nvPr/>
+        </p:nvSpPr>
+        <p:spPr>
+          <a:xfrm>
+            <a:off x="0" y="0"/>
+            <a:ext cx="12192000" cy="6858000"/>
+          </a:xfrm>
+          <a:prstGeom prst="rect">
+            <a:avLst/>
+          </a:prstGeom>
+          <a:gradFill flip="none" rotWithShape="1">
+            <a:gsLst>
+              <a:gs pos="0">
+                <a:schemeClr val="tx1"/>
+              </a:gs>
+              <a:gs pos="66000">
+                <a:schemeClr val="tx1">
+                  <a:lumMod val="85000"/>
+                  <a:lumOff val="15000"/>
+                </a:schemeClr>
+              </a:gs>
+              <a:gs pos="100000">
+                <a:srgbClr val="262626"/>
+              </a:gs>
+              <a:gs pos="58000">
+                <a:schemeClr val="tx1">
+                  <a:lumMod val="85000"/>
+                  <a:lumOff val="15000"/>
+                </a:schemeClr>
+              </a:gs>
+              <a:gs pos="69000">
+                <a:schemeClr val="tx1">
+                  <a:lumMod val="85000"/>
+                  <a:lumOff val="15000"/>
+                </a:schemeClr>
+              </a:gs>
+            </a:gsLst>
+            <a:lin ang="13500000" scaled="1"/>
+            <a:tileRect/>
+          </a:gradFill>
+          <a:ln>
+            <a:noFill/>
+          </a:ln>
+        </p:spPr>
+        <p:style>
+          <a:lnRef idx="2">
+            <a:schemeClr val="accent1">
+              <a:shade val="15000"/>
+            </a:schemeClr>
+          </a:lnRef>
+          <a:fillRef idx="1">
+            <a:schemeClr val="accent1"/>
+          </a:fillRef>
+          <a:effectRef idx="0">
+            <a:schemeClr val="accent1"/>
+          </a:effectRef>
+          <a:fontRef idx="minor">
+            <a:schemeClr val="lt1"/>
+          </a:fontRef>
+        </p:style>
+        <p:txBody>
+          <a:bodyPr rtlCol="0" anchor="ctr"/>
+          <a:lstStyle/>
+          <a:p>
+            <a:pPr algn="ctr"/>
+            <a:endParaRPr lang="zh-CN" altLang="en-US"/>
+          </a:p>
+        </p:txBody>
+      </p:sp>
+      <p:sp>
+        <p:nvSpPr>
+          <p:cNvPr id="5" name="文本框 4">
+            <a:extLst>
+              <a:ext uri="{FF2B5EF4-FFF2-40B4-BE49-F238E27FC236}">
+                <a16:creationId xmlns:a16="http://schemas.microsoft.com/office/drawing/2014/main" id="{F87B0B25-7BB4-8E4F-1401-982B10AC6658}"/>
+              </a:ext>
+            </a:extLst>
+          </p:cNvPr>
+          <p:cNvSpPr txBox="1"/>
+          <p:nvPr/>
+        </p:nvSpPr>
+        <p:spPr>
+          <a:xfrm>
+            <a:off x="-138546" y="1208064"/>
+            <a:ext cx="12191999" cy="825419"/>
+          </a:xfrm>
+          <a:prstGeom prst="rect">
+            <a:avLst/>
+          </a:prstGeom>
+          <a:noFill/>
+        </p:spPr>
+        <p:txBody>
+          <a:bodyPr wrap="square" rtlCol="0">
+            <a:spAutoFit/>
+          </a:bodyPr>
+          <a:lstStyle/>
+          <a:p>
+            <a:pPr algn="ctr">
+              <a:lnSpc>
+                <a:spcPct val="150000"/>
+              </a:lnSpc>
+            </a:pPr>
+            <a:r>
+              <a:rPr lang="zh-CN" altLang="en-US" sz="3600" dirty="0">
+                <a:solidFill>
+                  <a:schemeClr val="bg1"/>
+                </a:solidFill>
+                <a:latin typeface="微软雅黑" panose="020B0503020204020204" pitchFamily="34" charset="-122"/>
+                <a:ea typeface="微软雅黑" panose="020B0503020204020204" pitchFamily="34" charset="-122"/>
+              </a:rPr>
+              <a:t>赶超</a:t>
+            </a:r>
+            <a:r>
+              <a:rPr lang="en-US" altLang="zh-CN" sz="3600" dirty="0">
+                <a:solidFill>
+                  <a:schemeClr val="bg1"/>
+                </a:solidFill>
+                <a:latin typeface="微软雅黑" panose="020B0503020204020204" pitchFamily="34" charset="-122"/>
+                <a:ea typeface="微软雅黑" panose="020B0503020204020204" pitchFamily="34" charset="-122"/>
+              </a:rPr>
+              <a:t>CX-5</a:t>
+            </a:r>
+            <a:r>
+              <a:rPr lang="zh-CN" altLang="en-US" sz="3600" dirty="0">
+                <a:solidFill>
+                  <a:schemeClr val="bg1"/>
+                </a:solidFill>
+                <a:latin typeface="微软雅黑" panose="020B0503020204020204" pitchFamily="34" charset="-122"/>
+                <a:ea typeface="微软雅黑" panose="020B0503020204020204" pitchFamily="34" charset="-122"/>
+              </a:rPr>
+              <a:t>网卡，性能全面领先</a:t>
+            </a:r>
+            <a:endParaRPr lang="en-US" altLang="zh-CN" sz="3600" dirty="0">
+              <a:solidFill>
+                <a:schemeClr val="bg1"/>
+              </a:solidFill>
+              <a:latin typeface="微软雅黑" panose="020B0503020204020204" pitchFamily="34" charset="-122"/>
+              <a:ea typeface="微软雅黑" panose="020B0503020204020204" pitchFamily="34" charset="-122"/>
+            </a:endParaRPr>
+          </a:p>
+        </p:txBody>
+      </p:sp>
+      <p:sp>
+        <p:nvSpPr>
+          <p:cNvPr id="6" name="矩形 5">
+            <a:extLst>
+              <a:ext uri="{FF2B5EF4-FFF2-40B4-BE49-F238E27FC236}">
+                <a16:creationId xmlns:a16="http://schemas.microsoft.com/office/drawing/2014/main" id="{18A778BE-AA70-89F6-BD03-DA7F3F3116E6}"/>
+              </a:ext>
+            </a:extLst>
+          </p:cNvPr>
+          <p:cNvSpPr/>
+          <p:nvPr/>
+        </p:nvSpPr>
+        <p:spPr>
+          <a:xfrm>
+            <a:off x="563418" y="2706255"/>
+            <a:ext cx="5467927" cy="3925454"/>
+          </a:xfrm>
+          <a:prstGeom prst="rect">
+            <a:avLst/>
+          </a:prstGeom>
+          <a:gradFill>
+            <a:gsLst>
+              <a:gs pos="0">
+                <a:schemeClr val="tx2">
+                  <a:lumMod val="50000"/>
+                </a:schemeClr>
+              </a:gs>
+              <a:gs pos="100000">
+                <a:schemeClr val="tx1">
+                  <a:lumMod val="85000"/>
+                  <a:lumOff val="15000"/>
+                </a:schemeClr>
+              </a:gs>
+              <a:gs pos="93580">
+                <a:srgbClr val="262626"/>
+              </a:gs>
+              <a:gs pos="100000">
+                <a:schemeClr val="tx1">
+                  <a:lumMod val="85000"/>
+                  <a:lumOff val="15000"/>
+                </a:schemeClr>
+              </a:gs>
+              <a:gs pos="97000">
+                <a:schemeClr val="tx2">
+                  <a:lumMod val="75000"/>
+                </a:schemeClr>
+              </a:gs>
+            </a:gsLst>
+            <a:lin ang="16200000" scaled="1"/>
+          </a:gradFill>
+          <a:ln>
+            <a:noFill/>
+          </a:ln>
+        </p:spPr>
+        <p:style>
+          <a:lnRef idx="2">
+            <a:schemeClr val="accent1">
+              <a:shade val="15000"/>
+            </a:schemeClr>
+          </a:lnRef>
+          <a:fillRef idx="1">
+            <a:schemeClr val="accent1"/>
+          </a:fillRef>
+          <a:effectRef idx="0">
+            <a:schemeClr val="accent1"/>
+          </a:effectRef>
+          <a:fontRef idx="minor">
+            <a:schemeClr val="lt1"/>
+          </a:fontRef>
+        </p:style>
+        <p:txBody>
+          <a:bodyPr rtlCol="0" anchor="ctr"/>
+          <a:lstStyle/>
+          <a:p>
+            <a:pPr algn="ctr"/>
+            <a:endParaRPr lang="zh-CN" altLang="en-US"/>
+          </a:p>
+        </p:txBody>
+      </p:sp>
+      <p:sp>
+        <p:nvSpPr>
+          <p:cNvPr id="7" name="矩形 6">
+            <a:extLst>
+              <a:ext uri="{FF2B5EF4-FFF2-40B4-BE49-F238E27FC236}">
+                <a16:creationId xmlns:a16="http://schemas.microsoft.com/office/drawing/2014/main" id="{F468D7C1-5B24-6515-8EAC-D0DBAD5CAC7E}"/>
+              </a:ext>
+            </a:extLst>
+          </p:cNvPr>
+          <p:cNvSpPr/>
+          <p:nvPr/>
+        </p:nvSpPr>
+        <p:spPr>
+          <a:xfrm>
+            <a:off x="535709" y="2715491"/>
+            <a:ext cx="5495636" cy="517236"/>
+          </a:xfrm>
+          <a:prstGeom prst="rect">
+            <a:avLst/>
+          </a:prstGeom>
+          <a:solidFill>
+            <a:schemeClr val="tx2">
+              <a:lumMod val="75000"/>
+            </a:schemeClr>
+          </a:solidFill>
+          <a:ln>
+            <a:noFill/>
+          </a:ln>
+        </p:spPr>
+        <p:style>
+          <a:lnRef idx="2">
+            <a:schemeClr val="accent1">
+              <a:shade val="15000"/>
+            </a:schemeClr>
+          </a:lnRef>
+          <a:fillRef idx="1">
+            <a:schemeClr val="accent1"/>
+          </a:fillRef>
+          <a:effectRef idx="0">
+            <a:schemeClr val="accent1"/>
+          </a:effectRef>
+          <a:fontRef idx="minor">
+            <a:schemeClr val="lt1"/>
+          </a:fontRef>
+        </p:style>
+        <p:txBody>
+          <a:bodyPr rtlCol="0" anchor="ctr"/>
+          <a:lstStyle/>
+          <a:p>
+            <a:r>
+              <a:rPr lang="en-US" altLang="zh-CN" sz="2400" dirty="0">
+                <a:latin typeface="微软雅黑" panose="020B0503020204020204" pitchFamily="34" charset="-122"/>
+                <a:ea typeface="微软雅黑" panose="020B0503020204020204" pitchFamily="34" charset="-122"/>
+              </a:rPr>
+              <a:t>           </a:t>
+            </a:r>
+            <a:r>
+              <a:rPr lang="zh-CN" altLang="en-US" sz="2400" dirty="0">
+                <a:latin typeface="微软雅黑" panose="020B0503020204020204" pitchFamily="34" charset="-122"/>
+                <a:ea typeface="微软雅黑" panose="020B0503020204020204" pitchFamily="34" charset="-122"/>
+              </a:rPr>
+              <a:t>凌波 智能网卡</a:t>
+            </a:r>
+          </a:p>
+        </p:txBody>
+      </p:sp>
+      <p:pic>
+        <p:nvPicPr>
+          <p:cNvPr id="8" name="图片 7" descr="微信图片_20231220161213">
+            <a:extLst>
+              <a:ext uri="{FF2B5EF4-FFF2-40B4-BE49-F238E27FC236}">
+                <a16:creationId xmlns:a16="http://schemas.microsoft.com/office/drawing/2014/main" id="{CA1A6E68-9D31-B7FB-8DC6-70A1C706025D}"/>
+              </a:ext>
+            </a:extLst>
+          </p:cNvPr>
+          <p:cNvPicPr>
+            <a:picLocks noChangeAspect="1"/>
+          </p:cNvPicPr>
+          <p:nvPr/>
+        </p:nvPicPr>
+        <p:blipFill>
+          <a:blip r:embed="rId19"/>
+          <a:stretch>
+            <a:fillRect/>
+          </a:stretch>
+        </p:blipFill>
+        <p:spPr>
+          <a:xfrm>
+            <a:off x="4137066" y="2048782"/>
+            <a:ext cx="1607952" cy="1400595"/>
+          </a:xfrm>
+          <a:prstGeom prst="rect">
+            <a:avLst/>
+          </a:prstGeom>
+          <a:effectLst>
+            <a:outerShdw blurRad="50800" dist="38100" dir="2700000" algn="tl" rotWithShape="0">
+              <a:prstClr val="black">
+                <a:alpha val="40000"/>
+              </a:prstClr>
+            </a:outerShdw>
+          </a:effectLst>
+        </p:spPr>
+      </p:pic>
+      <p:sp>
+        <p:nvSpPr>
+          <p:cNvPr id="9" name="矩形 8">
+            <a:extLst>
+              <a:ext uri="{FF2B5EF4-FFF2-40B4-BE49-F238E27FC236}">
+                <a16:creationId xmlns:a16="http://schemas.microsoft.com/office/drawing/2014/main" id="{04CBAA74-B542-5894-B3B7-64C94F9E7D50}"/>
+              </a:ext>
+            </a:extLst>
+          </p:cNvPr>
+          <p:cNvSpPr/>
+          <p:nvPr/>
+        </p:nvSpPr>
+        <p:spPr>
+          <a:xfrm>
+            <a:off x="6211454" y="2701637"/>
+            <a:ext cx="5518728" cy="3925454"/>
+          </a:xfrm>
+          <a:prstGeom prst="rect">
+            <a:avLst/>
+          </a:prstGeom>
+          <a:gradFill flip="none" rotWithShape="1">
+            <a:gsLst>
+              <a:gs pos="0">
+                <a:schemeClr val="bg1">
+                  <a:lumMod val="50000"/>
+                </a:schemeClr>
+              </a:gs>
+              <a:gs pos="100000">
+                <a:schemeClr val="tx1">
+                  <a:lumMod val="85000"/>
+                  <a:lumOff val="15000"/>
+                </a:schemeClr>
+              </a:gs>
+              <a:gs pos="73000">
+                <a:srgbClr val="262626"/>
+              </a:gs>
+              <a:gs pos="100000">
+                <a:schemeClr val="tx1">
+                  <a:lumMod val="85000"/>
+                  <a:lumOff val="15000"/>
+                </a:schemeClr>
+              </a:gs>
+              <a:gs pos="0">
+                <a:schemeClr val="tx1">
+                  <a:lumMod val="95000"/>
+                  <a:lumOff val="5000"/>
+                </a:schemeClr>
+              </a:gs>
+            </a:gsLst>
+            <a:lin ang="13500000" scaled="1"/>
+            <a:tileRect/>
+          </a:gradFill>
+          <a:ln>
+            <a:noFill/>
+          </a:ln>
+        </p:spPr>
+        <p:style>
+          <a:lnRef idx="2">
+            <a:schemeClr val="accent1">
+              <a:shade val="15000"/>
+            </a:schemeClr>
+          </a:lnRef>
+          <a:fillRef idx="1">
+            <a:schemeClr val="accent1"/>
+          </a:fillRef>
+          <a:effectRef idx="0">
+            <a:schemeClr val="accent1"/>
+          </a:effectRef>
+          <a:fontRef idx="minor">
+            <a:schemeClr val="lt1"/>
+          </a:fontRef>
+        </p:style>
+        <p:txBody>
+          <a:bodyPr rtlCol="0" anchor="ctr"/>
+          <a:lstStyle/>
+          <a:p>
+            <a:pPr algn="ctr"/>
+            <a:endParaRPr lang="zh-CN" altLang="en-US"/>
+          </a:p>
+        </p:txBody>
+      </p:sp>
+      <p:sp>
+        <p:nvSpPr>
+          <p:cNvPr id="10" name="矩形 9">
+            <a:extLst>
+              <a:ext uri="{FF2B5EF4-FFF2-40B4-BE49-F238E27FC236}">
+                <a16:creationId xmlns:a16="http://schemas.microsoft.com/office/drawing/2014/main" id="{3678A54B-0F9B-CFC8-A956-A8A0BC0A414E}"/>
+              </a:ext>
+            </a:extLst>
+          </p:cNvPr>
+          <p:cNvSpPr/>
+          <p:nvPr/>
+        </p:nvSpPr>
+        <p:spPr>
+          <a:xfrm>
+            <a:off x="6202216" y="2710873"/>
+            <a:ext cx="5537201" cy="517236"/>
+          </a:xfrm>
+          <a:prstGeom prst="rect">
+            <a:avLst/>
+          </a:prstGeom>
+          <a:solidFill>
+            <a:schemeClr val="tx1">
+              <a:lumMod val="75000"/>
+              <a:lumOff val="25000"/>
+            </a:schemeClr>
+          </a:solidFill>
+          <a:ln>
+            <a:noFill/>
+          </a:ln>
+        </p:spPr>
+        <p:style>
+          <a:lnRef idx="2">
+            <a:schemeClr val="accent1">
+              <a:shade val="15000"/>
+            </a:schemeClr>
+          </a:lnRef>
+          <a:fillRef idx="1">
+            <a:schemeClr val="accent1"/>
+          </a:fillRef>
+          <a:effectRef idx="0">
+            <a:schemeClr val="accent1"/>
+          </a:effectRef>
+          <a:fontRef idx="minor">
+            <a:schemeClr val="lt1"/>
+          </a:fontRef>
+        </p:style>
+        <p:txBody>
+          <a:bodyPr rtlCol="0" anchor="ctr"/>
+          <a:lstStyle/>
+          <a:p>
+            <a:r>
+              <a:rPr lang="en-US" altLang="zh-CN" sz="2400" dirty="0">
+                <a:latin typeface="微软雅黑" panose="020B0503020204020204" pitchFamily="34" charset="-122"/>
+                <a:ea typeface="微软雅黑" panose="020B0503020204020204" pitchFamily="34" charset="-122"/>
+              </a:rPr>
+              <a:t>     </a:t>
+            </a:r>
+            <a:r>
+              <a:rPr lang="zh-CN" altLang="en-US" sz="2400" dirty="0">
+                <a:latin typeface="微软雅黑" panose="020B0503020204020204" pitchFamily="34" charset="-122"/>
+                <a:ea typeface="微软雅黑" panose="020B0503020204020204" pitchFamily="34" charset="-122"/>
+              </a:rPr>
+              <a:t>英伟达</a:t>
+            </a:r>
+            <a:r>
+              <a:rPr lang="en-US" altLang="zh-CN" sz="2400" dirty="0">
+                <a:latin typeface="微软雅黑" panose="020B0503020204020204" pitchFamily="34" charset="-122"/>
+                <a:ea typeface="微软雅黑" panose="020B0503020204020204" pitchFamily="34" charset="-122"/>
+              </a:rPr>
+              <a:t>CX-5</a:t>
+            </a:r>
+            <a:r>
+              <a:rPr lang="zh-CN" altLang="en-US" sz="2400" dirty="0">
+                <a:latin typeface="微软雅黑" panose="020B0503020204020204" pitchFamily="34" charset="-122"/>
+                <a:ea typeface="微软雅黑" panose="020B0503020204020204" pitchFamily="34" charset="-122"/>
+              </a:rPr>
+              <a:t> 智能网卡</a:t>
+            </a:r>
+          </a:p>
+        </p:txBody>
+      </p:sp>
+      <p:pic>
+        <p:nvPicPr>
+          <p:cNvPr id="14" name="图片 13">
+            <a:extLst>
+              <a:ext uri="{FF2B5EF4-FFF2-40B4-BE49-F238E27FC236}">
+                <a16:creationId xmlns:a16="http://schemas.microsoft.com/office/drawing/2014/main" id="{75A69DBD-165A-85AC-310E-B2589A068B17}"/>
+              </a:ext>
+            </a:extLst>
+          </p:cNvPr>
+          <p:cNvPicPr>
+            <a:picLocks noChangeAspect="1"/>
+          </p:cNvPicPr>
+          <p:nvPr/>
+        </p:nvPicPr>
+        <p:blipFill>
+          <a:blip r:embed="rId20" cstate="print">
+            <a:extLst>
+              <a:ext uri="{28A0092B-C50C-407E-A947-70E740481C1C}">
+                <a14:useLocalDpi xmlns:a14="http://schemas.microsoft.com/office/drawing/2010/main" val="0"/>
+              </a:ext>
+            </a:extLst>
+          </a:blip>
+          <a:stretch>
+            <a:fillRect/>
+          </a:stretch>
+        </p:blipFill>
+        <p:spPr>
+          <a:xfrm>
+            <a:off x="9776217" y="2244435"/>
+            <a:ext cx="2099117" cy="1028532"/>
+          </a:xfrm>
+          <a:prstGeom prst="rect">
+            <a:avLst/>
+          </a:prstGeom>
+        </p:spPr>
+      </p:pic>
+      <p:cxnSp>
+        <p:nvCxnSpPr>
+          <p:cNvPr id="18" name="直接连接符 17">
+            <a:extLst>
+              <a:ext uri="{FF2B5EF4-FFF2-40B4-BE49-F238E27FC236}">
+                <a16:creationId xmlns:a16="http://schemas.microsoft.com/office/drawing/2014/main" id="{D399FAF7-349B-CF41-D426-C204C9A94F38}"/>
+              </a:ext>
+            </a:extLst>
+          </p:cNvPr>
+          <p:cNvCxnSpPr>
+            <a:cxnSpLocks/>
+          </p:cNvCxnSpPr>
+          <p:nvPr/>
+        </p:nvCxnSpPr>
+        <p:spPr>
+          <a:xfrm>
+            <a:off x="1020619" y="4015509"/>
+            <a:ext cx="4590472" cy="0"/>
+          </a:xfrm>
+          <a:prstGeom prst="line">
+            <a:avLst/>
+          </a:prstGeom>
+          <a:ln w="19050">
+            <a:solidFill>
+              <a:schemeClr val="bg2">
+                <a:lumMod val="25000"/>
+              </a:schemeClr>
+            </a:solidFill>
+          </a:ln>
+        </p:spPr>
+        <p:style>
+          <a:lnRef idx="1">
+            <a:schemeClr val="accent1"/>
+          </a:lnRef>
+          <a:fillRef idx="0">
+            <a:schemeClr val="accent1"/>
+          </a:fillRef>
+          <a:effectRef idx="0">
+            <a:schemeClr val="accent1"/>
+          </a:effectRef>
+          <a:fontRef idx="minor">
+            <a:schemeClr val="tx1"/>
+          </a:fontRef>
+        </p:style>
+      </p:cxnSp>
+      <p:cxnSp>
+        <p:nvCxnSpPr>
+          <p:cNvPr id="20" name="直接连接符 19">
+            <a:extLst>
+              <a:ext uri="{FF2B5EF4-FFF2-40B4-BE49-F238E27FC236}">
+                <a16:creationId xmlns:a16="http://schemas.microsoft.com/office/drawing/2014/main" id="{15FE89EC-8284-DEB5-7DAF-44EC07F1809E}"/>
+              </a:ext>
+            </a:extLst>
+          </p:cNvPr>
+          <p:cNvCxnSpPr>
+            <a:cxnSpLocks/>
+          </p:cNvCxnSpPr>
+          <p:nvPr/>
+        </p:nvCxnSpPr>
+        <p:spPr>
+          <a:xfrm>
+            <a:off x="1020619" y="4703618"/>
+            <a:ext cx="4590472" cy="0"/>
+          </a:xfrm>
+          <a:prstGeom prst="line">
+            <a:avLst/>
+          </a:prstGeom>
+          <a:ln w="19050">
+            <a:solidFill>
+              <a:schemeClr val="bg2">
+                <a:lumMod val="25000"/>
+              </a:schemeClr>
+            </a:solidFill>
+          </a:ln>
+        </p:spPr>
+        <p:style>
+          <a:lnRef idx="1">
+            <a:schemeClr val="accent1"/>
+          </a:lnRef>
+          <a:fillRef idx="0">
+            <a:schemeClr val="accent1"/>
+          </a:fillRef>
+          <a:effectRef idx="0">
+            <a:schemeClr val="accent1"/>
+          </a:effectRef>
+          <a:fontRef idx="minor">
+            <a:schemeClr val="tx1"/>
+          </a:fontRef>
+        </p:style>
+      </p:cxnSp>
+      <p:cxnSp>
+        <p:nvCxnSpPr>
+          <p:cNvPr id="21" name="直接连接符 20">
+            <a:extLst>
+              <a:ext uri="{FF2B5EF4-FFF2-40B4-BE49-F238E27FC236}">
+                <a16:creationId xmlns:a16="http://schemas.microsoft.com/office/drawing/2014/main" id="{648DDD89-58FC-A2E1-DDED-5B2E481884A1}"/>
+              </a:ext>
+            </a:extLst>
+          </p:cNvPr>
+          <p:cNvCxnSpPr>
+            <a:cxnSpLocks/>
+          </p:cNvCxnSpPr>
+          <p:nvPr/>
+        </p:nvCxnSpPr>
+        <p:spPr>
+          <a:xfrm>
+            <a:off x="1020619" y="5410200"/>
+            <a:ext cx="4590472" cy="0"/>
+          </a:xfrm>
+          <a:prstGeom prst="line">
+            <a:avLst/>
+          </a:prstGeom>
+          <a:ln w="19050">
+            <a:solidFill>
+              <a:schemeClr val="bg2">
+                <a:lumMod val="25000"/>
+              </a:schemeClr>
+            </a:solidFill>
+          </a:ln>
+        </p:spPr>
+        <p:style>
+          <a:lnRef idx="1">
+            <a:schemeClr val="accent1"/>
+          </a:lnRef>
+          <a:fillRef idx="0">
+            <a:schemeClr val="accent1"/>
+          </a:fillRef>
+          <a:effectRef idx="0">
+            <a:schemeClr val="accent1"/>
+          </a:effectRef>
+          <a:fontRef idx="minor">
+            <a:schemeClr val="tx1"/>
+          </a:fontRef>
+        </p:style>
+      </p:cxnSp>
+      <p:cxnSp>
+        <p:nvCxnSpPr>
+          <p:cNvPr id="22" name="直接连接符 21">
+            <a:extLst>
+              <a:ext uri="{FF2B5EF4-FFF2-40B4-BE49-F238E27FC236}">
+                <a16:creationId xmlns:a16="http://schemas.microsoft.com/office/drawing/2014/main" id="{C3C706C3-1937-C505-99FD-D968E46CDD80}"/>
+              </a:ext>
+            </a:extLst>
+          </p:cNvPr>
+          <p:cNvCxnSpPr>
+            <a:cxnSpLocks/>
+          </p:cNvCxnSpPr>
+          <p:nvPr/>
+        </p:nvCxnSpPr>
+        <p:spPr>
+          <a:xfrm>
+            <a:off x="1020619" y="6112163"/>
+            <a:ext cx="4590472" cy="0"/>
+          </a:xfrm>
+          <a:prstGeom prst="line">
+            <a:avLst/>
+          </a:prstGeom>
+          <a:ln w="19050">
+            <a:solidFill>
+              <a:schemeClr val="bg2">
+                <a:lumMod val="25000"/>
+              </a:schemeClr>
+            </a:solidFill>
+          </a:ln>
+        </p:spPr>
+        <p:style>
+          <a:lnRef idx="1">
+            <a:schemeClr val="accent1"/>
+          </a:lnRef>
+          <a:fillRef idx="0">
+            <a:schemeClr val="accent1"/>
+          </a:fillRef>
+          <a:effectRef idx="0">
+            <a:schemeClr val="accent1"/>
+          </a:effectRef>
+          <a:fontRef idx="minor">
+            <a:schemeClr val="tx1"/>
+          </a:fontRef>
+        </p:style>
+      </p:cxnSp>
+      <p:cxnSp>
+        <p:nvCxnSpPr>
+          <p:cNvPr id="23" name="直接连接符 22">
+            <a:extLst>
+              <a:ext uri="{FF2B5EF4-FFF2-40B4-BE49-F238E27FC236}">
+                <a16:creationId xmlns:a16="http://schemas.microsoft.com/office/drawing/2014/main" id="{92F425D7-7338-28EB-BA9A-38E7C9D0E1A7}"/>
+              </a:ext>
+            </a:extLst>
+          </p:cNvPr>
+          <p:cNvCxnSpPr>
+            <a:cxnSpLocks/>
+          </p:cNvCxnSpPr>
+          <p:nvPr/>
+        </p:nvCxnSpPr>
+        <p:spPr>
+          <a:xfrm>
+            <a:off x="6659419" y="4038600"/>
+            <a:ext cx="4590472" cy="0"/>
+          </a:xfrm>
+          <a:prstGeom prst="line">
+            <a:avLst/>
+          </a:prstGeom>
+          <a:ln w="19050">
+            <a:solidFill>
+              <a:schemeClr val="bg2">
+                <a:lumMod val="25000"/>
+              </a:schemeClr>
+            </a:solidFill>
+          </a:ln>
+        </p:spPr>
+        <p:style>
+          <a:lnRef idx="1">
+            <a:schemeClr val="accent1"/>
+          </a:lnRef>
+          <a:fillRef idx="0">
+            <a:schemeClr val="accent1"/>
+          </a:fillRef>
+          <a:effectRef idx="0">
+            <a:schemeClr val="accent1"/>
+          </a:effectRef>
+          <a:fontRef idx="minor">
+            <a:schemeClr val="tx1"/>
+          </a:fontRef>
+        </p:style>
+      </p:cxnSp>
+      <p:cxnSp>
+        <p:nvCxnSpPr>
+          <p:cNvPr id="24" name="直接连接符 23">
+            <a:extLst>
+              <a:ext uri="{FF2B5EF4-FFF2-40B4-BE49-F238E27FC236}">
+                <a16:creationId xmlns:a16="http://schemas.microsoft.com/office/drawing/2014/main" id="{51A8DA33-39F4-AE3E-6A66-20584A283957}"/>
+              </a:ext>
+            </a:extLst>
+          </p:cNvPr>
+          <p:cNvCxnSpPr>
+            <a:cxnSpLocks/>
+          </p:cNvCxnSpPr>
+          <p:nvPr/>
+        </p:nvCxnSpPr>
+        <p:spPr>
+          <a:xfrm>
+            <a:off x="6659419" y="4726709"/>
+            <a:ext cx="4590472" cy="0"/>
+          </a:xfrm>
+          <a:prstGeom prst="line">
+            <a:avLst/>
+          </a:prstGeom>
+          <a:ln w="19050">
+            <a:solidFill>
+              <a:schemeClr val="bg2">
+                <a:lumMod val="25000"/>
+              </a:schemeClr>
+            </a:solidFill>
+          </a:ln>
+        </p:spPr>
+        <p:style>
+          <a:lnRef idx="1">
+            <a:schemeClr val="accent1"/>
+          </a:lnRef>
+          <a:fillRef idx="0">
+            <a:schemeClr val="accent1"/>
+          </a:fillRef>
+          <a:effectRef idx="0">
+            <a:schemeClr val="accent1"/>
+          </a:effectRef>
+          <a:fontRef idx="minor">
+            <a:schemeClr val="tx1"/>
+          </a:fontRef>
+        </p:style>
+      </p:cxnSp>
+      <p:cxnSp>
+        <p:nvCxnSpPr>
+          <p:cNvPr id="25" name="直接连接符 24">
+            <a:extLst>
+              <a:ext uri="{FF2B5EF4-FFF2-40B4-BE49-F238E27FC236}">
+                <a16:creationId xmlns:a16="http://schemas.microsoft.com/office/drawing/2014/main" id="{D7536B49-1334-E342-DF9F-B79FC378B185}"/>
+              </a:ext>
+            </a:extLst>
+          </p:cNvPr>
+          <p:cNvCxnSpPr>
+            <a:cxnSpLocks/>
+          </p:cNvCxnSpPr>
+          <p:nvPr/>
+        </p:nvCxnSpPr>
+        <p:spPr>
+          <a:xfrm>
+            <a:off x="6659419" y="5433291"/>
+            <a:ext cx="4590472" cy="0"/>
+          </a:xfrm>
+          <a:prstGeom prst="line">
+            <a:avLst/>
+          </a:prstGeom>
+          <a:ln w="19050">
+            <a:solidFill>
+              <a:schemeClr val="bg2">
+                <a:lumMod val="25000"/>
+              </a:schemeClr>
+            </a:solidFill>
+          </a:ln>
+        </p:spPr>
+        <p:style>
+          <a:lnRef idx="1">
+            <a:schemeClr val="accent1"/>
+          </a:lnRef>
+          <a:fillRef idx="0">
+            <a:schemeClr val="accent1"/>
+          </a:fillRef>
+          <a:effectRef idx="0">
+            <a:schemeClr val="accent1"/>
+          </a:effectRef>
+          <a:fontRef idx="minor">
+            <a:schemeClr val="tx1"/>
+          </a:fontRef>
+        </p:style>
+      </p:cxnSp>
+      <p:cxnSp>
+        <p:nvCxnSpPr>
+          <p:cNvPr id="26" name="直接连接符 25">
+            <a:extLst>
+              <a:ext uri="{FF2B5EF4-FFF2-40B4-BE49-F238E27FC236}">
+                <a16:creationId xmlns:a16="http://schemas.microsoft.com/office/drawing/2014/main" id="{E13E782F-CB45-4BD8-C8E7-5A9A35B0B638}"/>
+              </a:ext>
+            </a:extLst>
+          </p:cNvPr>
+          <p:cNvCxnSpPr>
+            <a:cxnSpLocks/>
+          </p:cNvCxnSpPr>
+          <p:nvPr/>
+        </p:nvCxnSpPr>
+        <p:spPr>
+          <a:xfrm>
+            <a:off x="6659419" y="6135254"/>
+            <a:ext cx="4590472" cy="0"/>
+          </a:xfrm>
+          <a:prstGeom prst="line">
+            <a:avLst/>
+          </a:prstGeom>
+          <a:ln w="19050">
+            <a:solidFill>
+              <a:schemeClr val="bg2">
+                <a:lumMod val="25000"/>
+              </a:schemeClr>
+            </a:solidFill>
+          </a:ln>
+        </p:spPr>
+        <p:style>
+          <a:lnRef idx="1">
+            <a:schemeClr val="accent1"/>
+          </a:lnRef>
+          <a:fillRef idx="0">
+            <a:schemeClr val="accent1"/>
+          </a:fillRef>
+          <a:effectRef idx="0">
+            <a:schemeClr val="accent1"/>
+          </a:effectRef>
+          <a:fontRef idx="minor">
+            <a:schemeClr val="tx1"/>
+          </a:fontRef>
+        </p:style>
+      </p:cxnSp>
+      <p:sp>
+        <p:nvSpPr>
+          <p:cNvPr id="27" name="TextBox 17">
+            <a:extLst>
+              <a:ext uri="{FF2B5EF4-FFF2-40B4-BE49-F238E27FC236}">
+                <a16:creationId xmlns:a16="http://schemas.microsoft.com/office/drawing/2014/main" id="{7AE6B843-E86D-88FB-95D2-96E37816C489}"/>
+              </a:ext>
+            </a:extLst>
+          </p:cNvPr>
+          <p:cNvSpPr txBox="1"/>
+          <p:nvPr>
+            <p:custDataLst>
+              <p:tags r:id="rId1"/>
+            </p:custDataLst>
+          </p:nvPr>
+        </p:nvSpPr>
+        <p:spPr>
+          <a:xfrm>
+            <a:off x="985176" y="3626311"/>
+            <a:ext cx="1961224" cy="338554"/>
+          </a:xfrm>
+          <a:prstGeom prst="rect">
+            <a:avLst/>
+          </a:prstGeom>
+          <a:noFill/>
+        </p:spPr>
+        <p:txBody>
+          <a:bodyPr wrap="square" rtlCol="0">
+            <a:spAutoFit/>
+          </a:bodyPr>
+          <a:lstStyle/>
+          <a:p>
+            <a:r>
+              <a:rPr lang="zh-CN" altLang="en-US" sz="1600" dirty="0">
+                <a:solidFill>
+                  <a:schemeClr val="bg1">
+                    <a:lumMod val="75000"/>
+                  </a:schemeClr>
+                </a:solidFill>
+                <a:latin typeface="微软雅黑" panose="020B0503020204020204" pitchFamily="34" charset="-122"/>
+                <a:ea typeface="微软雅黑" panose="020B0503020204020204" pitchFamily="34" charset="-122"/>
+              </a:rPr>
+              <a:t>吞吐</a:t>
+            </a:r>
+            <a:endParaRPr lang="zh-CN" sz="1600" dirty="0">
+              <a:solidFill>
+                <a:schemeClr val="bg1">
+                  <a:lumMod val="75000"/>
+                </a:schemeClr>
+              </a:solidFill>
+              <a:latin typeface="微软雅黑" panose="020B0503020204020204" pitchFamily="34" charset="-122"/>
+              <a:ea typeface="微软雅黑" panose="020B0503020204020204" pitchFamily="34" charset="-122"/>
+            </a:endParaRPr>
+          </a:p>
+        </p:txBody>
+      </p:sp>
+      <p:sp>
+        <p:nvSpPr>
+          <p:cNvPr id="28" name="TextBox 17">
+            <a:extLst>
+              <a:ext uri="{FF2B5EF4-FFF2-40B4-BE49-F238E27FC236}">
+                <a16:creationId xmlns:a16="http://schemas.microsoft.com/office/drawing/2014/main" id="{FE549CA0-BCA2-0C50-EB76-1A442A8701A3}"/>
+              </a:ext>
+            </a:extLst>
+          </p:cNvPr>
+          <p:cNvSpPr txBox="1"/>
+          <p:nvPr>
+            <p:custDataLst>
+              <p:tags r:id="rId2"/>
+            </p:custDataLst>
+          </p:nvPr>
+        </p:nvSpPr>
+        <p:spPr>
+          <a:xfrm>
+            <a:off x="980558" y="4342129"/>
+            <a:ext cx="1961224" cy="338554"/>
+          </a:xfrm>
+          <a:prstGeom prst="rect">
+            <a:avLst/>
+          </a:prstGeom>
+          <a:noFill/>
+        </p:spPr>
+        <p:txBody>
+          <a:bodyPr wrap="square" rtlCol="0">
+            <a:spAutoFit/>
+          </a:bodyPr>
+          <a:lstStyle/>
+          <a:p>
+            <a:r>
+              <a:rPr lang="zh-CN" altLang="en-US" sz="1600" dirty="0">
+                <a:solidFill>
+                  <a:schemeClr val="bg1">
+                    <a:lumMod val="75000"/>
+                  </a:schemeClr>
+                </a:solidFill>
+                <a:latin typeface="微软雅黑" panose="020B0503020204020204" pitchFamily="34" charset="-122"/>
+                <a:ea typeface="微软雅黑" panose="020B0503020204020204" pitchFamily="34" charset="-122"/>
+              </a:rPr>
+              <a:t>时延</a:t>
+            </a:r>
+            <a:endParaRPr lang="zh-CN" sz="1600" dirty="0">
+              <a:solidFill>
+                <a:schemeClr val="bg1">
+                  <a:lumMod val="75000"/>
+                </a:schemeClr>
+              </a:solidFill>
+              <a:latin typeface="微软雅黑" panose="020B0503020204020204" pitchFamily="34" charset="-122"/>
+              <a:ea typeface="微软雅黑" panose="020B0503020204020204" pitchFamily="34" charset="-122"/>
+            </a:endParaRPr>
+          </a:p>
+        </p:txBody>
+      </p:sp>
+      <p:sp>
+        <p:nvSpPr>
+          <p:cNvPr id="29" name="TextBox 17">
+            <a:extLst>
+              <a:ext uri="{FF2B5EF4-FFF2-40B4-BE49-F238E27FC236}">
+                <a16:creationId xmlns:a16="http://schemas.microsoft.com/office/drawing/2014/main" id="{8ED71B1F-1E0B-78A6-9E9F-DCFE642E505D}"/>
+              </a:ext>
+            </a:extLst>
+          </p:cNvPr>
+          <p:cNvSpPr txBox="1"/>
+          <p:nvPr>
+            <p:custDataLst>
+              <p:tags r:id="rId3"/>
+            </p:custDataLst>
+          </p:nvPr>
+        </p:nvSpPr>
+        <p:spPr>
+          <a:xfrm>
+            <a:off x="971322" y="5062566"/>
+            <a:ext cx="1961224" cy="338554"/>
+          </a:xfrm>
+          <a:prstGeom prst="rect">
+            <a:avLst/>
+          </a:prstGeom>
+          <a:noFill/>
+        </p:spPr>
+        <p:txBody>
+          <a:bodyPr wrap="square" rtlCol="0">
+            <a:spAutoFit/>
+          </a:bodyPr>
+          <a:lstStyle/>
+          <a:p>
+            <a:r>
+              <a:rPr lang="zh-CN" altLang="en-US" sz="1600" dirty="0">
+                <a:solidFill>
+                  <a:schemeClr val="bg1">
+                    <a:lumMod val="75000"/>
+                  </a:schemeClr>
+                </a:solidFill>
+                <a:latin typeface="微软雅黑" panose="020B0503020204020204" pitchFamily="34" charset="-122"/>
+                <a:ea typeface="微软雅黑" panose="020B0503020204020204" pitchFamily="34" charset="-122"/>
+              </a:rPr>
+              <a:t>并发支持</a:t>
+            </a:r>
+            <a:endParaRPr lang="zh-CN" sz="1600" dirty="0">
+              <a:solidFill>
+                <a:schemeClr val="bg1">
+                  <a:lumMod val="75000"/>
+                </a:schemeClr>
+              </a:solidFill>
+              <a:latin typeface="微软雅黑" panose="020B0503020204020204" pitchFamily="34" charset="-122"/>
+              <a:ea typeface="微软雅黑" panose="020B0503020204020204" pitchFamily="34" charset="-122"/>
+            </a:endParaRPr>
+          </a:p>
+        </p:txBody>
+      </p:sp>
+      <p:sp>
+        <p:nvSpPr>
+          <p:cNvPr id="30" name="TextBox 17">
+            <a:extLst>
+              <a:ext uri="{FF2B5EF4-FFF2-40B4-BE49-F238E27FC236}">
+                <a16:creationId xmlns:a16="http://schemas.microsoft.com/office/drawing/2014/main" id="{685E52A0-A491-327D-842A-F68BCAE2A2E7}"/>
+              </a:ext>
+            </a:extLst>
+          </p:cNvPr>
+          <p:cNvSpPr txBox="1"/>
+          <p:nvPr>
+            <p:custDataLst>
+              <p:tags r:id="rId4"/>
+            </p:custDataLst>
+          </p:nvPr>
+        </p:nvSpPr>
+        <p:spPr>
+          <a:xfrm>
+            <a:off x="980558" y="5736820"/>
+            <a:ext cx="1961224" cy="338554"/>
+          </a:xfrm>
+          <a:prstGeom prst="rect">
+            <a:avLst/>
+          </a:prstGeom>
+          <a:noFill/>
+        </p:spPr>
+        <p:txBody>
+          <a:bodyPr wrap="square" rtlCol="0">
+            <a:spAutoFit/>
+          </a:bodyPr>
+          <a:lstStyle/>
+          <a:p>
+            <a:r>
+              <a:rPr lang="zh-CN" altLang="en-US" sz="1600" dirty="0">
+                <a:solidFill>
+                  <a:schemeClr val="bg1">
+                    <a:lumMod val="75000"/>
+                  </a:schemeClr>
+                </a:solidFill>
+                <a:latin typeface="微软雅黑" panose="020B0503020204020204" pitchFamily="34" charset="-122"/>
+                <a:ea typeface="微软雅黑" panose="020B0503020204020204" pitchFamily="34" charset="-122"/>
+              </a:rPr>
+              <a:t>集群支撑</a:t>
+            </a:r>
+            <a:endParaRPr lang="zh-CN" sz="1600" dirty="0">
+              <a:solidFill>
+                <a:schemeClr val="bg1">
+                  <a:lumMod val="75000"/>
+                </a:schemeClr>
+              </a:solidFill>
+              <a:latin typeface="微软雅黑" panose="020B0503020204020204" pitchFamily="34" charset="-122"/>
+              <a:ea typeface="微软雅黑" panose="020B0503020204020204" pitchFamily="34" charset="-122"/>
+            </a:endParaRPr>
+          </a:p>
+        </p:txBody>
+      </p:sp>
+      <p:sp>
+        <p:nvSpPr>
+          <p:cNvPr id="31" name="TextBox 17">
+            <a:extLst>
+              <a:ext uri="{FF2B5EF4-FFF2-40B4-BE49-F238E27FC236}">
+                <a16:creationId xmlns:a16="http://schemas.microsoft.com/office/drawing/2014/main" id="{D8585431-486B-66B5-702B-42A37C59DC43}"/>
+              </a:ext>
+            </a:extLst>
+          </p:cNvPr>
+          <p:cNvSpPr txBox="1"/>
+          <p:nvPr>
+            <p:custDataLst>
+              <p:tags r:id="rId5"/>
+            </p:custDataLst>
+          </p:nvPr>
+        </p:nvSpPr>
+        <p:spPr>
+          <a:xfrm>
+            <a:off x="6633212" y="3658639"/>
+            <a:ext cx="1961224" cy="338554"/>
+          </a:xfrm>
+          <a:prstGeom prst="rect">
+            <a:avLst/>
+          </a:prstGeom>
+          <a:noFill/>
+        </p:spPr>
+        <p:txBody>
+          <a:bodyPr wrap="square" rtlCol="0">
+            <a:spAutoFit/>
+          </a:bodyPr>
+          <a:lstStyle/>
+          <a:p>
+            <a:r>
+              <a:rPr lang="zh-CN" altLang="en-US" sz="1600" dirty="0">
+                <a:solidFill>
+                  <a:schemeClr val="bg1">
+                    <a:lumMod val="75000"/>
+                  </a:schemeClr>
+                </a:solidFill>
+                <a:latin typeface="微软雅黑" panose="020B0503020204020204" pitchFamily="34" charset="-122"/>
+                <a:ea typeface="微软雅黑" panose="020B0503020204020204" pitchFamily="34" charset="-122"/>
+              </a:rPr>
+              <a:t>吞吐</a:t>
+            </a:r>
+            <a:endParaRPr lang="zh-CN" sz="1600" dirty="0">
+              <a:solidFill>
+                <a:schemeClr val="bg1">
+                  <a:lumMod val="75000"/>
+                </a:schemeClr>
+              </a:solidFill>
+              <a:latin typeface="微软雅黑" panose="020B0503020204020204" pitchFamily="34" charset="-122"/>
+              <a:ea typeface="微软雅黑" panose="020B0503020204020204" pitchFamily="34" charset="-122"/>
+            </a:endParaRPr>
+          </a:p>
+        </p:txBody>
+      </p:sp>
+      <p:sp>
+        <p:nvSpPr>
+          <p:cNvPr id="32" name="TextBox 17">
+            <a:extLst>
+              <a:ext uri="{FF2B5EF4-FFF2-40B4-BE49-F238E27FC236}">
+                <a16:creationId xmlns:a16="http://schemas.microsoft.com/office/drawing/2014/main" id="{7F0ABAFC-E373-B4FC-A961-C3F52B898F4A}"/>
+              </a:ext>
+            </a:extLst>
+          </p:cNvPr>
+          <p:cNvSpPr txBox="1"/>
+          <p:nvPr>
+            <p:custDataLst>
+              <p:tags r:id="rId6"/>
+            </p:custDataLst>
+          </p:nvPr>
+        </p:nvSpPr>
+        <p:spPr>
+          <a:xfrm>
+            <a:off x="6628594" y="4374457"/>
+            <a:ext cx="1961224" cy="338554"/>
+          </a:xfrm>
+          <a:prstGeom prst="rect">
+            <a:avLst/>
+          </a:prstGeom>
+          <a:noFill/>
+        </p:spPr>
+        <p:txBody>
+          <a:bodyPr wrap="square" rtlCol="0">
+            <a:spAutoFit/>
+          </a:bodyPr>
+          <a:lstStyle/>
+          <a:p>
+            <a:r>
+              <a:rPr lang="zh-CN" altLang="en-US" sz="1600" dirty="0">
+                <a:solidFill>
+                  <a:schemeClr val="bg1">
+                    <a:lumMod val="75000"/>
+                  </a:schemeClr>
+                </a:solidFill>
+                <a:latin typeface="微软雅黑" panose="020B0503020204020204" pitchFamily="34" charset="-122"/>
+                <a:ea typeface="微软雅黑" panose="020B0503020204020204" pitchFamily="34" charset="-122"/>
+              </a:rPr>
+              <a:t>时延</a:t>
+            </a:r>
+            <a:endParaRPr lang="zh-CN" sz="1600" dirty="0">
+              <a:solidFill>
+                <a:schemeClr val="bg1">
+                  <a:lumMod val="75000"/>
+                </a:schemeClr>
+              </a:solidFill>
+              <a:latin typeface="微软雅黑" panose="020B0503020204020204" pitchFamily="34" charset="-122"/>
+              <a:ea typeface="微软雅黑" panose="020B0503020204020204" pitchFamily="34" charset="-122"/>
+            </a:endParaRPr>
+          </a:p>
+        </p:txBody>
+      </p:sp>
+      <p:sp>
+        <p:nvSpPr>
+          <p:cNvPr id="33" name="TextBox 17">
+            <a:extLst>
+              <a:ext uri="{FF2B5EF4-FFF2-40B4-BE49-F238E27FC236}">
+                <a16:creationId xmlns:a16="http://schemas.microsoft.com/office/drawing/2014/main" id="{054272CF-CA9D-6C94-37F4-F34341ECC336}"/>
+              </a:ext>
+            </a:extLst>
+          </p:cNvPr>
+          <p:cNvSpPr txBox="1"/>
+          <p:nvPr>
+            <p:custDataLst>
+              <p:tags r:id="rId7"/>
+            </p:custDataLst>
+          </p:nvPr>
+        </p:nvSpPr>
+        <p:spPr>
+          <a:xfrm>
+            <a:off x="6619358" y="5094894"/>
+            <a:ext cx="1961224" cy="338554"/>
+          </a:xfrm>
+          <a:prstGeom prst="rect">
+            <a:avLst/>
+          </a:prstGeom>
+          <a:noFill/>
+        </p:spPr>
+        <p:txBody>
+          <a:bodyPr wrap="square" rtlCol="0">
+            <a:spAutoFit/>
+          </a:bodyPr>
+          <a:lstStyle/>
+          <a:p>
+            <a:r>
+              <a:rPr lang="zh-CN" altLang="en-US" sz="1600" dirty="0">
+                <a:solidFill>
+                  <a:schemeClr val="bg1">
+                    <a:lumMod val="75000"/>
+                  </a:schemeClr>
+                </a:solidFill>
+                <a:latin typeface="微软雅黑" panose="020B0503020204020204" pitchFamily="34" charset="-122"/>
+                <a:ea typeface="微软雅黑" panose="020B0503020204020204" pitchFamily="34" charset="-122"/>
+              </a:rPr>
+              <a:t>并发支持</a:t>
+            </a:r>
+            <a:endParaRPr lang="zh-CN" sz="1600" dirty="0">
+              <a:solidFill>
+                <a:schemeClr val="bg1">
+                  <a:lumMod val="75000"/>
+                </a:schemeClr>
+              </a:solidFill>
+              <a:latin typeface="微软雅黑" panose="020B0503020204020204" pitchFamily="34" charset="-122"/>
+              <a:ea typeface="微软雅黑" panose="020B0503020204020204" pitchFamily="34" charset="-122"/>
+            </a:endParaRPr>
+          </a:p>
+        </p:txBody>
+      </p:sp>
+      <p:sp>
+        <p:nvSpPr>
+          <p:cNvPr id="34" name="TextBox 17">
+            <a:extLst>
+              <a:ext uri="{FF2B5EF4-FFF2-40B4-BE49-F238E27FC236}">
+                <a16:creationId xmlns:a16="http://schemas.microsoft.com/office/drawing/2014/main" id="{D9F21E8C-F841-85E9-25D4-EF551DE3FB3C}"/>
+              </a:ext>
+            </a:extLst>
+          </p:cNvPr>
+          <p:cNvSpPr txBox="1"/>
+          <p:nvPr>
+            <p:custDataLst>
+              <p:tags r:id="rId8"/>
+            </p:custDataLst>
+          </p:nvPr>
+        </p:nvSpPr>
+        <p:spPr>
+          <a:xfrm>
+            <a:off x="6628594" y="5769148"/>
+            <a:ext cx="1961224" cy="338554"/>
+          </a:xfrm>
+          <a:prstGeom prst="rect">
+            <a:avLst/>
+          </a:prstGeom>
+          <a:noFill/>
+        </p:spPr>
+        <p:txBody>
+          <a:bodyPr wrap="square" rtlCol="0">
+            <a:spAutoFit/>
+          </a:bodyPr>
+          <a:lstStyle/>
+          <a:p>
+            <a:r>
+              <a:rPr lang="zh-CN" altLang="en-US" sz="1600" dirty="0">
+                <a:solidFill>
+                  <a:schemeClr val="bg1">
+                    <a:lumMod val="75000"/>
+                  </a:schemeClr>
+                </a:solidFill>
+                <a:latin typeface="微软雅黑" panose="020B0503020204020204" pitchFamily="34" charset="-122"/>
+                <a:ea typeface="微软雅黑" panose="020B0503020204020204" pitchFamily="34" charset="-122"/>
+              </a:rPr>
+              <a:t>集群支撑</a:t>
+            </a:r>
+            <a:endParaRPr lang="zh-CN" sz="1600" dirty="0">
+              <a:solidFill>
+                <a:schemeClr val="bg1">
+                  <a:lumMod val="75000"/>
+                </a:schemeClr>
+              </a:solidFill>
+              <a:latin typeface="微软雅黑" panose="020B0503020204020204" pitchFamily="34" charset="-122"/>
+              <a:ea typeface="微软雅黑" panose="020B0503020204020204" pitchFamily="34" charset="-122"/>
+            </a:endParaRPr>
+          </a:p>
+        </p:txBody>
+      </p:sp>
+      <p:sp>
+        <p:nvSpPr>
+          <p:cNvPr id="35" name="TextBox 17">
+            <a:extLst>
+              <a:ext uri="{FF2B5EF4-FFF2-40B4-BE49-F238E27FC236}">
+                <a16:creationId xmlns:a16="http://schemas.microsoft.com/office/drawing/2014/main" id="{D35C74ED-2D6A-FAB8-80FF-5ABF6BB43153}"/>
+              </a:ext>
+            </a:extLst>
+          </p:cNvPr>
+          <p:cNvSpPr txBox="1"/>
+          <p:nvPr>
+            <p:custDataLst>
+              <p:tags r:id="rId9"/>
+            </p:custDataLst>
+          </p:nvPr>
+        </p:nvSpPr>
+        <p:spPr>
+          <a:xfrm>
+            <a:off x="4134776" y="3529330"/>
+            <a:ext cx="1961224" cy="461665"/>
+          </a:xfrm>
+          <a:prstGeom prst="rect">
+            <a:avLst/>
+          </a:prstGeom>
+          <a:noFill/>
+        </p:spPr>
+        <p:txBody>
+          <a:bodyPr wrap="square" rtlCol="0">
+            <a:spAutoFit/>
+          </a:bodyPr>
+          <a:lstStyle/>
+          <a:p>
+            <a:r>
+              <a:rPr lang="en-US" altLang="zh-CN" sz="2400" dirty="0">
+                <a:solidFill>
+                  <a:schemeClr val="accent4">
+                    <a:lumMod val="75000"/>
+                  </a:schemeClr>
+                </a:solidFill>
+                <a:latin typeface="微软雅黑" panose="020B0503020204020204" pitchFamily="34" charset="-122"/>
+                <a:ea typeface="微软雅黑" panose="020B0503020204020204" pitchFamily="34" charset="-122"/>
+              </a:rPr>
+              <a:t>200Gb/s</a:t>
+            </a:r>
+            <a:endParaRPr lang="zh-CN" sz="2400" dirty="0">
+              <a:solidFill>
+                <a:schemeClr val="accent4">
+                  <a:lumMod val="75000"/>
+                </a:schemeClr>
+              </a:solidFill>
+              <a:latin typeface="微软雅黑" panose="020B0503020204020204" pitchFamily="34" charset="-122"/>
+              <a:ea typeface="微软雅黑" panose="020B0503020204020204" pitchFamily="34" charset="-122"/>
+            </a:endParaRPr>
+          </a:p>
+        </p:txBody>
+      </p:sp>
+      <p:sp>
+        <p:nvSpPr>
+          <p:cNvPr id="36" name="TextBox 17">
+            <a:extLst>
+              <a:ext uri="{FF2B5EF4-FFF2-40B4-BE49-F238E27FC236}">
+                <a16:creationId xmlns:a16="http://schemas.microsoft.com/office/drawing/2014/main" id="{01D76736-EE69-3009-2215-FE05A5AB3EC8}"/>
+              </a:ext>
+            </a:extLst>
+          </p:cNvPr>
+          <p:cNvSpPr txBox="1"/>
+          <p:nvPr>
+            <p:custDataLst>
+              <p:tags r:id="rId10"/>
+            </p:custDataLst>
+          </p:nvPr>
+        </p:nvSpPr>
+        <p:spPr>
+          <a:xfrm>
+            <a:off x="4134776" y="4282094"/>
+            <a:ext cx="1961224" cy="461665"/>
+          </a:xfrm>
+          <a:prstGeom prst="rect">
+            <a:avLst/>
+          </a:prstGeom>
+          <a:noFill/>
+        </p:spPr>
+        <p:txBody>
+          <a:bodyPr wrap="square" rtlCol="0">
+            <a:spAutoFit/>
+          </a:bodyPr>
+          <a:lstStyle/>
+          <a:p>
+            <a:r>
+              <a:rPr lang="en-US" altLang="zh-CN" sz="2400" dirty="0">
+                <a:solidFill>
+                  <a:schemeClr val="accent4">
+                    <a:lumMod val="75000"/>
+                  </a:schemeClr>
+                </a:solidFill>
+                <a:latin typeface="微软雅黑" panose="020B0503020204020204" pitchFamily="34" charset="-122"/>
+                <a:ea typeface="微软雅黑" panose="020B0503020204020204" pitchFamily="34" charset="-122"/>
+              </a:rPr>
+              <a:t>500ns</a:t>
+            </a:r>
+            <a:endParaRPr lang="zh-CN" sz="2400" dirty="0">
+              <a:solidFill>
+                <a:schemeClr val="accent4">
+                  <a:lumMod val="75000"/>
+                </a:schemeClr>
+              </a:solidFill>
+              <a:latin typeface="微软雅黑" panose="020B0503020204020204" pitchFamily="34" charset="-122"/>
+              <a:ea typeface="微软雅黑" panose="020B0503020204020204" pitchFamily="34" charset="-122"/>
+            </a:endParaRPr>
+          </a:p>
+        </p:txBody>
+      </p:sp>
+      <p:sp>
+        <p:nvSpPr>
+          <p:cNvPr id="37" name="TextBox 17">
+            <a:extLst>
+              <a:ext uri="{FF2B5EF4-FFF2-40B4-BE49-F238E27FC236}">
+                <a16:creationId xmlns:a16="http://schemas.microsoft.com/office/drawing/2014/main" id="{6740B0C2-133B-68FC-DA81-BA2928B1EEEA}"/>
+              </a:ext>
+            </a:extLst>
+          </p:cNvPr>
+          <p:cNvSpPr txBox="1"/>
+          <p:nvPr>
+            <p:custDataLst>
+              <p:tags r:id="rId11"/>
+            </p:custDataLst>
+          </p:nvPr>
+        </p:nvSpPr>
+        <p:spPr>
+          <a:xfrm>
+            <a:off x="4134776" y="5002530"/>
+            <a:ext cx="1961224" cy="461665"/>
+          </a:xfrm>
+          <a:prstGeom prst="rect">
+            <a:avLst/>
+          </a:prstGeom>
+          <a:noFill/>
+        </p:spPr>
+        <p:txBody>
+          <a:bodyPr wrap="square" rtlCol="0">
+            <a:spAutoFit/>
+          </a:bodyPr>
+          <a:lstStyle/>
+          <a:p>
+            <a:r>
+              <a:rPr lang="zh-CN" altLang="en-US" sz="2400" dirty="0">
+                <a:solidFill>
+                  <a:schemeClr val="accent4">
+                    <a:lumMod val="75000"/>
+                  </a:schemeClr>
+                </a:solidFill>
+                <a:latin typeface="微软雅黑" panose="020B0503020204020204" pitchFamily="34" charset="-122"/>
+                <a:ea typeface="微软雅黑" panose="020B0503020204020204" pitchFamily="34" charset="-122"/>
+              </a:rPr>
+              <a:t>单卡</a:t>
+            </a:r>
+            <a:r>
+              <a:rPr lang="en-US" altLang="zh-CN" sz="2400" dirty="0">
+                <a:solidFill>
+                  <a:schemeClr val="accent4">
+                    <a:lumMod val="75000"/>
+                  </a:schemeClr>
+                </a:solidFill>
+                <a:latin typeface="微软雅黑" panose="020B0503020204020204" pitchFamily="34" charset="-122"/>
+                <a:ea typeface="微软雅黑" panose="020B0503020204020204" pitchFamily="34" charset="-122"/>
+              </a:rPr>
+              <a:t>100K</a:t>
+            </a:r>
+            <a:endParaRPr lang="zh-CN" sz="2400" dirty="0">
+              <a:solidFill>
+                <a:schemeClr val="accent4">
+                  <a:lumMod val="75000"/>
+                </a:schemeClr>
+              </a:solidFill>
+              <a:latin typeface="微软雅黑" panose="020B0503020204020204" pitchFamily="34" charset="-122"/>
+              <a:ea typeface="微软雅黑" panose="020B0503020204020204" pitchFamily="34" charset="-122"/>
+            </a:endParaRPr>
+          </a:p>
+        </p:txBody>
+      </p:sp>
+      <p:sp>
+        <p:nvSpPr>
+          <p:cNvPr id="38" name="TextBox 17">
+            <a:extLst>
+              <a:ext uri="{FF2B5EF4-FFF2-40B4-BE49-F238E27FC236}">
+                <a16:creationId xmlns:a16="http://schemas.microsoft.com/office/drawing/2014/main" id="{3813074D-62DD-44DF-592C-C8F58EBD5A3B}"/>
+              </a:ext>
+            </a:extLst>
+          </p:cNvPr>
+          <p:cNvSpPr txBox="1"/>
+          <p:nvPr>
+            <p:custDataLst>
+              <p:tags r:id="rId12"/>
+            </p:custDataLst>
+          </p:nvPr>
+        </p:nvSpPr>
+        <p:spPr>
+          <a:xfrm>
+            <a:off x="4134776" y="5695257"/>
+            <a:ext cx="1961224" cy="461665"/>
+          </a:xfrm>
+          <a:prstGeom prst="rect">
+            <a:avLst/>
+          </a:prstGeom>
+          <a:noFill/>
+        </p:spPr>
+        <p:txBody>
+          <a:bodyPr wrap="square" rtlCol="0">
+            <a:spAutoFit/>
+          </a:bodyPr>
+          <a:lstStyle/>
+          <a:p>
+            <a:r>
+              <a:rPr lang="zh-CN" altLang="en-US" sz="2400" dirty="0">
+                <a:solidFill>
+                  <a:schemeClr val="accent4">
+                    <a:lumMod val="75000"/>
+                  </a:schemeClr>
+                </a:solidFill>
+                <a:latin typeface="微软雅黑" panose="020B0503020204020204" pitchFamily="34" charset="-122"/>
+                <a:ea typeface="微软雅黑" panose="020B0503020204020204" pitchFamily="34" charset="-122"/>
+              </a:rPr>
+              <a:t>万卡集群</a:t>
+            </a:r>
+            <a:endParaRPr lang="zh-CN" sz="2400" dirty="0">
+              <a:solidFill>
+                <a:schemeClr val="accent4">
+                  <a:lumMod val="75000"/>
+                </a:schemeClr>
+              </a:solidFill>
+              <a:latin typeface="微软雅黑" panose="020B0503020204020204" pitchFamily="34" charset="-122"/>
+              <a:ea typeface="微软雅黑" panose="020B0503020204020204" pitchFamily="34" charset="-122"/>
+            </a:endParaRPr>
+          </a:p>
+        </p:txBody>
+      </p:sp>
+      <p:sp>
+        <p:nvSpPr>
+          <p:cNvPr id="40" name="TextBox 17">
+            <a:extLst>
+              <a:ext uri="{FF2B5EF4-FFF2-40B4-BE49-F238E27FC236}">
+                <a16:creationId xmlns:a16="http://schemas.microsoft.com/office/drawing/2014/main" id="{887E6C20-BCBC-6C62-21A2-571243763C09}"/>
+              </a:ext>
+            </a:extLst>
+          </p:cNvPr>
+          <p:cNvSpPr txBox="1"/>
+          <p:nvPr>
+            <p:custDataLst>
+              <p:tags r:id="rId13"/>
+            </p:custDataLst>
+          </p:nvPr>
+        </p:nvSpPr>
+        <p:spPr>
+          <a:xfrm>
+            <a:off x="9801285" y="3506239"/>
+            <a:ext cx="1961224" cy="461665"/>
+          </a:xfrm>
+          <a:prstGeom prst="rect">
+            <a:avLst/>
+          </a:prstGeom>
+          <a:noFill/>
+        </p:spPr>
+        <p:txBody>
+          <a:bodyPr wrap="square" rtlCol="0">
+            <a:spAutoFit/>
+          </a:bodyPr>
+          <a:lstStyle/>
+          <a:p>
+            <a:r>
+              <a:rPr lang="en-US" altLang="zh-CN" sz="2400" dirty="0">
+                <a:solidFill>
+                  <a:schemeClr val="accent4">
+                    <a:lumMod val="75000"/>
+                  </a:schemeClr>
+                </a:solidFill>
+                <a:latin typeface="微软雅黑" panose="020B0503020204020204" pitchFamily="34" charset="-122"/>
+                <a:ea typeface="微软雅黑" panose="020B0503020204020204" pitchFamily="34" charset="-122"/>
+              </a:rPr>
+              <a:t>200Gb/s</a:t>
+            </a:r>
+            <a:endParaRPr lang="zh-CN" sz="2400" dirty="0">
+              <a:solidFill>
+                <a:schemeClr val="accent4">
+                  <a:lumMod val="75000"/>
+                </a:schemeClr>
+              </a:solidFill>
+              <a:latin typeface="微软雅黑" panose="020B0503020204020204" pitchFamily="34" charset="-122"/>
+              <a:ea typeface="微软雅黑" panose="020B0503020204020204" pitchFamily="34" charset="-122"/>
+            </a:endParaRPr>
+          </a:p>
+        </p:txBody>
+      </p:sp>
+      <p:sp>
+        <p:nvSpPr>
+          <p:cNvPr id="41" name="TextBox 17">
+            <a:extLst>
+              <a:ext uri="{FF2B5EF4-FFF2-40B4-BE49-F238E27FC236}">
+                <a16:creationId xmlns:a16="http://schemas.microsoft.com/office/drawing/2014/main" id="{7A19AEEC-A4B5-82B0-230D-027947F55F53}"/>
+              </a:ext>
+            </a:extLst>
+          </p:cNvPr>
+          <p:cNvSpPr txBox="1"/>
+          <p:nvPr>
+            <p:custDataLst>
+              <p:tags r:id="rId14"/>
+            </p:custDataLst>
+          </p:nvPr>
+        </p:nvSpPr>
+        <p:spPr>
+          <a:xfrm>
+            <a:off x="9801285" y="4259003"/>
+            <a:ext cx="1961224" cy="461665"/>
+          </a:xfrm>
+          <a:prstGeom prst="rect">
+            <a:avLst/>
+          </a:prstGeom>
+          <a:noFill/>
+        </p:spPr>
+        <p:txBody>
+          <a:bodyPr wrap="square" rtlCol="0">
+            <a:spAutoFit/>
+          </a:bodyPr>
+          <a:lstStyle/>
+          <a:p>
+            <a:r>
+              <a:rPr lang="en-US" altLang="zh-CN" sz="2400" dirty="0">
+                <a:solidFill>
+                  <a:schemeClr val="accent4">
+                    <a:lumMod val="75000"/>
+                  </a:schemeClr>
+                </a:solidFill>
+                <a:latin typeface="微软雅黑" panose="020B0503020204020204" pitchFamily="34" charset="-122"/>
+                <a:ea typeface="微软雅黑" panose="020B0503020204020204" pitchFamily="34" charset="-122"/>
+              </a:rPr>
+              <a:t>500ns</a:t>
+            </a:r>
+            <a:endParaRPr lang="zh-CN" sz="2400" dirty="0">
+              <a:solidFill>
+                <a:schemeClr val="accent4">
+                  <a:lumMod val="75000"/>
+                </a:schemeClr>
+              </a:solidFill>
+              <a:latin typeface="微软雅黑" panose="020B0503020204020204" pitchFamily="34" charset="-122"/>
+              <a:ea typeface="微软雅黑" panose="020B0503020204020204" pitchFamily="34" charset="-122"/>
+            </a:endParaRPr>
+          </a:p>
+        </p:txBody>
+      </p:sp>
+      <p:sp>
+        <p:nvSpPr>
+          <p:cNvPr id="42" name="TextBox 17">
+            <a:extLst>
+              <a:ext uri="{FF2B5EF4-FFF2-40B4-BE49-F238E27FC236}">
+                <a16:creationId xmlns:a16="http://schemas.microsoft.com/office/drawing/2014/main" id="{5D15AD91-083B-E688-21E7-9184CB3F5300}"/>
+              </a:ext>
+            </a:extLst>
+          </p:cNvPr>
+          <p:cNvSpPr txBox="1"/>
+          <p:nvPr>
+            <p:custDataLst>
+              <p:tags r:id="rId15"/>
+            </p:custDataLst>
+          </p:nvPr>
+        </p:nvSpPr>
+        <p:spPr>
+          <a:xfrm>
+            <a:off x="9801285" y="4979439"/>
+            <a:ext cx="1961224" cy="461665"/>
+          </a:xfrm>
+          <a:prstGeom prst="rect">
+            <a:avLst/>
+          </a:prstGeom>
+          <a:noFill/>
+        </p:spPr>
+        <p:txBody>
+          <a:bodyPr wrap="square" rtlCol="0">
+            <a:spAutoFit/>
+          </a:bodyPr>
+          <a:lstStyle/>
+          <a:p>
+            <a:r>
+              <a:rPr lang="zh-CN" altLang="en-US" sz="2400" dirty="0">
+                <a:solidFill>
+                  <a:schemeClr val="accent4">
+                    <a:lumMod val="75000"/>
+                  </a:schemeClr>
+                </a:solidFill>
+                <a:latin typeface="微软雅黑" panose="020B0503020204020204" pitchFamily="34" charset="-122"/>
+                <a:ea typeface="微软雅黑" panose="020B0503020204020204" pitchFamily="34" charset="-122"/>
+              </a:rPr>
+              <a:t>单卡</a:t>
+            </a:r>
+            <a:r>
+              <a:rPr lang="en-US" altLang="zh-CN" sz="2400" dirty="0">
+                <a:solidFill>
+                  <a:schemeClr val="accent4">
+                    <a:lumMod val="75000"/>
+                  </a:schemeClr>
+                </a:solidFill>
+                <a:latin typeface="微软雅黑" panose="020B0503020204020204" pitchFamily="34" charset="-122"/>
+                <a:ea typeface="微软雅黑" panose="020B0503020204020204" pitchFamily="34" charset="-122"/>
+              </a:rPr>
+              <a:t>256</a:t>
+            </a:r>
+            <a:endParaRPr lang="zh-CN" sz="2400" dirty="0">
+              <a:solidFill>
+                <a:schemeClr val="accent4">
+                  <a:lumMod val="75000"/>
+                </a:schemeClr>
+              </a:solidFill>
+              <a:latin typeface="微软雅黑" panose="020B0503020204020204" pitchFamily="34" charset="-122"/>
+              <a:ea typeface="微软雅黑" panose="020B0503020204020204" pitchFamily="34" charset="-122"/>
+            </a:endParaRPr>
+          </a:p>
+        </p:txBody>
+      </p:sp>
+      <p:sp>
+        <p:nvSpPr>
+          <p:cNvPr id="43" name="TextBox 17">
+            <a:extLst>
+              <a:ext uri="{FF2B5EF4-FFF2-40B4-BE49-F238E27FC236}">
+                <a16:creationId xmlns:a16="http://schemas.microsoft.com/office/drawing/2014/main" id="{B20F20AE-FB9E-7D16-77A8-470D2EE969F4}"/>
+              </a:ext>
+            </a:extLst>
+          </p:cNvPr>
+          <p:cNvSpPr txBox="1"/>
+          <p:nvPr>
+            <p:custDataLst>
+              <p:tags r:id="rId16"/>
+            </p:custDataLst>
+          </p:nvPr>
+        </p:nvSpPr>
+        <p:spPr>
+          <a:xfrm>
+            <a:off x="9801285" y="5672166"/>
+            <a:ext cx="1961224" cy="461665"/>
+          </a:xfrm>
+          <a:prstGeom prst="rect">
+            <a:avLst/>
+          </a:prstGeom>
+          <a:noFill/>
+        </p:spPr>
+        <p:txBody>
+          <a:bodyPr wrap="square" rtlCol="0">
+            <a:spAutoFit/>
+          </a:bodyPr>
+          <a:lstStyle/>
+          <a:p>
+            <a:r>
+              <a:rPr lang="zh-CN" altLang="en-US" sz="2400" dirty="0">
+                <a:solidFill>
+                  <a:schemeClr val="accent4">
+                    <a:lumMod val="75000"/>
+                  </a:schemeClr>
+                </a:solidFill>
+                <a:latin typeface="微软雅黑" panose="020B0503020204020204" pitchFamily="34" charset="-122"/>
+                <a:ea typeface="微软雅黑" panose="020B0503020204020204" pitchFamily="34" charset="-122"/>
+              </a:rPr>
+              <a:t>千卡集群</a:t>
+            </a:r>
+            <a:endParaRPr lang="zh-CN" sz="2400" dirty="0">
+              <a:solidFill>
+                <a:schemeClr val="accent4">
+                  <a:lumMod val="75000"/>
+                </a:schemeClr>
+              </a:solidFill>
+              <a:latin typeface="微软雅黑" panose="020B0503020204020204" pitchFamily="34" charset="-122"/>
+              <a:ea typeface="微软雅黑" panose="020B0503020204020204" pitchFamily="34" charset="-122"/>
+            </a:endParaRPr>
+          </a:p>
+        </p:txBody>
+      </p:sp>
+    </p:spTree>
+    <p:extLst>
+      <p:ext uri="{BB962C8B-B14F-4D97-AF65-F5344CB8AC3E}">
+        <p14:creationId xmlns:p14="http://schemas.microsoft.com/office/powerpoint/2010/main" val="3829509868"/>
+      </p:ext>
+    </p:extLst>
+  </p:cSld>
+  <p:clrMapOvr>
+    <a:masterClrMapping/>
+  </p:clrMapOvr>
+</p:sld>
+</file>
+
+<file path=ppt/slides/slide5.xml><?xml version="1.0" encoding="utf-8"?>
 <p:sld xmlns:a="http://schemas.openxmlformats.org/drawingml/2006/main" xmlns:r="http://schemas.openxmlformats.org/officeDocument/2006/relationships" xmlns:p="http://schemas.openxmlformats.org/presentationml/2006/main">
   <p:cSld>
     <p:spTree>
@@ -3632,43 +7356,127 @@
       </p:grpSpPr>
       <p:sp>
         <p:nvSpPr>
-          <p:cNvPr id="2" name="标题 1">
-            <a:extLst>
-              <a:ext uri="{FF2B5EF4-FFF2-40B4-BE49-F238E27FC236}">
-                <a16:creationId xmlns:a16="http://schemas.microsoft.com/office/drawing/2014/main" id="{30E0C244-79CF-1C55-F3A9-1B70ADD9C474}"/>
-              </a:ext>
-            </a:extLst>
-          </p:cNvPr>
-          <p:cNvSpPr>
-            <a:spLocks noGrp="1"/>
-          </p:cNvSpPr>
-          <p:nvPr>
-            <p:ph type="ctrTitle"/>
-          </p:nvPr>
-        </p:nvSpPr>
-        <p:spPr>
-          <a:xfrm>
-            <a:off x="854696" y="3429000"/>
-            <a:ext cx="10872247" cy="282804"/>
-          </a:xfrm>
-        </p:spPr>
-        <p:txBody>
-          <a:bodyPr>
-            <a:noAutofit/>
-          </a:bodyPr>
-          <a:lstStyle/>
-          <a:p>
-            <a:r>
-              <a:rPr lang="zh-CN" altLang="en-US" sz="3600" b="1" dirty="0"/>
-              <a:t>一个吞吐的柱状图，展示我们可以实现更高的吞吐</a:t>
-            </a:r>
-          </a:p>
-        </p:txBody>
-      </p:sp>
+          <p:cNvPr id="4" name="矩形 3">
+            <a:extLst>
+              <a:ext uri="{FF2B5EF4-FFF2-40B4-BE49-F238E27FC236}">
+                <a16:creationId xmlns:a16="http://schemas.microsoft.com/office/drawing/2014/main" id="{CF24AF9B-C218-5378-5AC8-B6326F5B69F4}"/>
+              </a:ext>
+            </a:extLst>
+          </p:cNvPr>
+          <p:cNvSpPr/>
+          <p:nvPr/>
+        </p:nvSpPr>
+        <p:spPr>
+          <a:xfrm>
+            <a:off x="0" y="0"/>
+            <a:ext cx="12192000" cy="6858000"/>
+          </a:xfrm>
+          <a:prstGeom prst="rect">
+            <a:avLst/>
+          </a:prstGeom>
+          <a:gradFill flip="none" rotWithShape="1">
+            <a:gsLst>
+              <a:gs pos="0">
+                <a:schemeClr val="tx1"/>
+              </a:gs>
+              <a:gs pos="100000">
+                <a:schemeClr val="tx1">
+                  <a:lumMod val="85000"/>
+                  <a:lumOff val="15000"/>
+                </a:schemeClr>
+              </a:gs>
+              <a:gs pos="93580">
+                <a:srgbClr val="262626"/>
+              </a:gs>
+              <a:gs pos="100000">
+                <a:schemeClr val="tx1">
+                  <a:lumMod val="85000"/>
+                  <a:lumOff val="15000"/>
+                </a:schemeClr>
+              </a:gs>
+              <a:gs pos="97000">
+                <a:schemeClr val="tx1">
+                  <a:lumMod val="85000"/>
+                  <a:lumOff val="15000"/>
+                </a:schemeClr>
+              </a:gs>
+            </a:gsLst>
+            <a:lin ang="16200000" scaled="1"/>
+            <a:tileRect/>
+          </a:gradFill>
+          <a:ln>
+            <a:noFill/>
+          </a:ln>
+        </p:spPr>
+        <p:style>
+          <a:lnRef idx="2">
+            <a:schemeClr val="accent1">
+              <a:shade val="15000"/>
+            </a:schemeClr>
+          </a:lnRef>
+          <a:fillRef idx="1">
+            <a:schemeClr val="accent1"/>
+          </a:fillRef>
+          <a:effectRef idx="0">
+            <a:schemeClr val="accent1"/>
+          </a:effectRef>
+          <a:fontRef idx="minor">
+            <a:schemeClr val="lt1"/>
+          </a:fontRef>
+        </p:style>
+        <p:txBody>
+          <a:bodyPr rtlCol="0" anchor="ctr"/>
+          <a:lstStyle/>
+          <a:p>
+            <a:pPr algn="ctr"/>
+            <a:endParaRPr lang="zh-CN" altLang="en-US" dirty="0">
+              <a:solidFill>
+                <a:srgbClr val="1B1B1B"/>
+              </a:solidFill>
+            </a:endParaRPr>
+          </a:p>
+        </p:txBody>
+      </p:sp>
+      <p:pic>
+        <p:nvPicPr>
+          <p:cNvPr id="18" name="图片 17">
+            <a:extLst>
+              <a:ext uri="{FF2B5EF4-FFF2-40B4-BE49-F238E27FC236}">
+                <a16:creationId xmlns:a16="http://schemas.microsoft.com/office/drawing/2014/main" id="{0F87B2DD-056A-7CAD-0B62-CFE90F1BF9FE}"/>
+              </a:ext>
+            </a:extLst>
+          </p:cNvPr>
+          <p:cNvPicPr>
+            <a:picLocks noChangeAspect="1"/>
+          </p:cNvPicPr>
+          <p:nvPr/>
+        </p:nvPicPr>
+        <p:blipFill>
+          <a:blip r:embed="rId3">
+            <a:extLst>
+              <a:ext uri="{28A0092B-C50C-407E-A947-70E740481C1C}">
+                <a14:useLocalDpi xmlns:a14="http://schemas.microsoft.com/office/drawing/2010/main" val="0"/>
+              </a:ext>
+            </a:extLst>
+          </a:blip>
+          <a:stretch>
+            <a:fillRect/>
+          </a:stretch>
+        </p:blipFill>
+        <p:spPr>
+          <a:xfrm>
+            <a:off x="1494434" y="2510737"/>
+            <a:ext cx="9136620" cy="4347263"/>
+          </a:xfrm>
+          <a:prstGeom prst="rect">
+            <a:avLst/>
+          </a:prstGeom>
+        </p:spPr>
+      </p:pic>
     </p:spTree>
     <p:extLst>
       <p:ext uri="{BB962C8B-B14F-4D97-AF65-F5344CB8AC3E}">
-        <p14:creationId xmlns:p14="http://schemas.microsoft.com/office/powerpoint/2010/main" val="309949081"/>
+        <p14:creationId xmlns:p14="http://schemas.microsoft.com/office/powerpoint/2010/main" val="853884359"/>
       </p:ext>
     </p:extLst>
   </p:cSld>
@@ -3678,92 +7486,124 @@
 </p:sld>
 </file>
 
-<file path=ppt/slides/slide4.xml><?xml version="1.0" encoding="utf-8"?>
-<p:sld xmlns:a="http://schemas.openxmlformats.org/drawingml/2006/main" xmlns:r="http://schemas.openxmlformats.org/officeDocument/2006/relationships" xmlns:p="http://schemas.openxmlformats.org/presentationml/2006/main">
-  <p:cSld>
-    <p:spTree>
-      <p:nvGrpSpPr>
-        <p:cNvPr id="1" name=""/>
-        <p:cNvGrpSpPr/>
-        <p:nvPr/>
-      </p:nvGrpSpPr>
-      <p:grpSpPr>
-        <a:xfrm>
-          <a:off x="0" y="0"/>
-          <a:ext cx="0" cy="0"/>
-          <a:chOff x="0" y="0"/>
-          <a:chExt cx="0" cy="0"/>
-        </a:xfrm>
-      </p:grpSpPr>
-      <p:sp>
-        <p:nvSpPr>
-          <p:cNvPr id="2" name="标题 1">
-            <a:extLst>
-              <a:ext uri="{FF2B5EF4-FFF2-40B4-BE49-F238E27FC236}">
-                <a16:creationId xmlns:a16="http://schemas.microsoft.com/office/drawing/2014/main" id="{30E0C244-79CF-1C55-F3A9-1B70ADD9C474}"/>
-              </a:ext>
-            </a:extLst>
-          </p:cNvPr>
-          <p:cNvSpPr>
-            <a:spLocks noGrp="1"/>
-          </p:cNvSpPr>
-          <p:nvPr>
-            <p:ph type="ctrTitle"/>
-          </p:nvPr>
-        </p:nvSpPr>
-        <p:spPr>
-          <a:xfrm>
-            <a:off x="854696" y="3429000"/>
-            <a:ext cx="11239894" cy="282804"/>
-          </a:xfrm>
-        </p:spPr>
-        <p:txBody>
-          <a:bodyPr>
-            <a:noAutofit/>
-          </a:bodyPr>
-          <a:lstStyle/>
-          <a:p>
-            <a:r>
-              <a:rPr lang="zh-CN" altLang="en-US" sz="3600" b="1" dirty="0"/>
-              <a:t>一个时延和</a:t>
-            </a:r>
-            <a:r>
-              <a:rPr lang="en-US" altLang="zh-CN" sz="3600" b="1" dirty="0"/>
-              <a:t>CPU</a:t>
-            </a:r>
-            <a:r>
-              <a:rPr lang="zh-CN" altLang="en-US" sz="3600" b="1" dirty="0"/>
-              <a:t>的横板柱状图</a:t>
-            </a:r>
-            <a:br>
-              <a:rPr lang="en-US" altLang="zh-CN" sz="3600" b="1" dirty="0"/>
-            </a:br>
-            <a:r>
-              <a:rPr lang="zh-CN" altLang="en-US" sz="3600" b="1" dirty="0"/>
-              <a:t>展示我们可以实现更低的时延和</a:t>
-            </a:r>
-            <a:r>
-              <a:rPr lang="en-US" altLang="zh-CN" sz="3600" b="1" dirty="0"/>
-              <a:t>CPU</a:t>
-            </a:r>
-            <a:r>
-              <a:rPr lang="zh-CN" altLang="en-US" sz="3600" b="1" dirty="0"/>
-              <a:t>开销</a:t>
-            </a:r>
-          </a:p>
-        </p:txBody>
-      </p:sp>
-    </p:spTree>
-    <p:extLst>
-      <p:ext uri="{BB962C8B-B14F-4D97-AF65-F5344CB8AC3E}">
-        <p14:creationId xmlns:p14="http://schemas.microsoft.com/office/powerpoint/2010/main" val="1213476231"/>
-      </p:ext>
-    </p:extLst>
-  </p:cSld>
-  <p:clrMapOvr>
-    <a:masterClrMapping/>
-  </p:clrMapOvr>
-</p:sld>
+<file path=ppt/tags/tag1.xml><?xml version="1.0" encoding="utf-8"?>
+<p:tagLst xmlns:a="http://schemas.openxmlformats.org/drawingml/2006/main" xmlns:r="http://schemas.openxmlformats.org/officeDocument/2006/relationships" xmlns:p="http://schemas.openxmlformats.org/presentationml/2006/main">
+  <p:tag name="KSO_WM_DIAGRAM_VIRTUALLY_FRAME" val="{&quot;height&quot;:395.04393700787404,&quot;left&quot;:18.25,&quot;top&quot;:87.1,&quot;width&quot;:916.85}"/>
+</p:tagLst>
+</file>
+
+<file path=ppt/tags/tag10.xml><?xml version="1.0" encoding="utf-8"?>
+<p:tagLst xmlns:a="http://schemas.openxmlformats.org/drawingml/2006/main" xmlns:r="http://schemas.openxmlformats.org/officeDocument/2006/relationships" xmlns:p="http://schemas.openxmlformats.org/presentationml/2006/main">
+  <p:tag name="KSO_WM_DIAGRAM_VIRTUALLY_FRAME" val="{&quot;height&quot;:395.04393700787404,&quot;left&quot;:18.25,&quot;top&quot;:87.1,&quot;width&quot;:916.85}"/>
+</p:tagLst>
+</file>
+
+<file path=ppt/tags/tag11.xml><?xml version="1.0" encoding="utf-8"?>
+<p:tagLst xmlns:a="http://schemas.openxmlformats.org/drawingml/2006/main" xmlns:r="http://schemas.openxmlformats.org/officeDocument/2006/relationships" xmlns:p="http://schemas.openxmlformats.org/presentationml/2006/main">
+  <p:tag name="KSO_WM_DIAGRAM_VIRTUALLY_FRAME" val="{&quot;height&quot;:395.04393700787404,&quot;left&quot;:18.25,&quot;top&quot;:87.1,&quot;width&quot;:916.85}"/>
+</p:tagLst>
+</file>
+
+<file path=ppt/tags/tag12.xml><?xml version="1.0" encoding="utf-8"?>
+<p:tagLst xmlns:a="http://schemas.openxmlformats.org/drawingml/2006/main" xmlns:r="http://schemas.openxmlformats.org/officeDocument/2006/relationships" xmlns:p="http://schemas.openxmlformats.org/presentationml/2006/main">
+  <p:tag name="KSO_WM_DIAGRAM_VIRTUALLY_FRAME" val="{&quot;height&quot;:395.04393700787404,&quot;left&quot;:18.25,&quot;top&quot;:87.1,&quot;width&quot;:916.85}"/>
+</p:tagLst>
+</file>
+
+<file path=ppt/tags/tag13.xml><?xml version="1.0" encoding="utf-8"?>
+<p:tagLst xmlns:a="http://schemas.openxmlformats.org/drawingml/2006/main" xmlns:r="http://schemas.openxmlformats.org/officeDocument/2006/relationships" xmlns:p="http://schemas.openxmlformats.org/presentationml/2006/main">
+  <p:tag name="KSO_WM_DIAGRAM_VIRTUALLY_FRAME" val="{&quot;height&quot;:395.04393700787404,&quot;left&quot;:18.25,&quot;top&quot;:87.1,&quot;width&quot;:916.85}"/>
+</p:tagLst>
+</file>
+
+<file path=ppt/tags/tag14.xml><?xml version="1.0" encoding="utf-8"?>
+<p:tagLst xmlns:a="http://schemas.openxmlformats.org/drawingml/2006/main" xmlns:r="http://schemas.openxmlformats.org/officeDocument/2006/relationships" xmlns:p="http://schemas.openxmlformats.org/presentationml/2006/main">
+  <p:tag name="KSO_WM_DIAGRAM_VIRTUALLY_FRAME" val="{&quot;height&quot;:395.04393700787404,&quot;left&quot;:18.25,&quot;top&quot;:87.1,&quot;width&quot;:916.85}"/>
+</p:tagLst>
+</file>
+
+<file path=ppt/tags/tag15.xml><?xml version="1.0" encoding="utf-8"?>
+<p:tagLst xmlns:a="http://schemas.openxmlformats.org/drawingml/2006/main" xmlns:r="http://schemas.openxmlformats.org/officeDocument/2006/relationships" xmlns:p="http://schemas.openxmlformats.org/presentationml/2006/main">
+  <p:tag name="KSO_WM_DIAGRAM_VIRTUALLY_FRAME" val="{&quot;height&quot;:395.04393700787404,&quot;left&quot;:18.25,&quot;top&quot;:87.1,&quot;width&quot;:916.85}"/>
+</p:tagLst>
+</file>
+
+<file path=ppt/tags/tag16.xml><?xml version="1.0" encoding="utf-8"?>
+<p:tagLst xmlns:a="http://schemas.openxmlformats.org/drawingml/2006/main" xmlns:r="http://schemas.openxmlformats.org/officeDocument/2006/relationships" xmlns:p="http://schemas.openxmlformats.org/presentationml/2006/main">
+  <p:tag name="KSO_WM_DIAGRAM_VIRTUALLY_FRAME" val="{&quot;height&quot;:395.04393700787404,&quot;left&quot;:18.25,&quot;top&quot;:87.1,&quot;width&quot;:916.85}"/>
+</p:tagLst>
+</file>
+
+<file path=ppt/tags/tag17.xml><?xml version="1.0" encoding="utf-8"?>
+<p:tagLst xmlns:a="http://schemas.openxmlformats.org/drawingml/2006/main" xmlns:r="http://schemas.openxmlformats.org/officeDocument/2006/relationships" xmlns:p="http://schemas.openxmlformats.org/presentationml/2006/main">
+  <p:tag name="KSO_WM_DIAGRAM_VIRTUALLY_FRAME" val="{&quot;height&quot;:395.04393700787404,&quot;left&quot;:18.25,&quot;top&quot;:87.1,&quot;width&quot;:916.85}"/>
+</p:tagLst>
+</file>
+
+<file path=ppt/tags/tag18.xml><?xml version="1.0" encoding="utf-8"?>
+<p:tagLst xmlns:a="http://schemas.openxmlformats.org/drawingml/2006/main" xmlns:r="http://schemas.openxmlformats.org/officeDocument/2006/relationships" xmlns:p="http://schemas.openxmlformats.org/presentationml/2006/main">
+  <p:tag name="KSO_WM_DIAGRAM_VIRTUALLY_FRAME" val="{&quot;height&quot;:395.04393700787404,&quot;left&quot;:18.25,&quot;top&quot;:87.1,&quot;width&quot;:916.85}"/>
+</p:tagLst>
+</file>
+
+<file path=ppt/tags/tag19.xml><?xml version="1.0" encoding="utf-8"?>
+<p:tagLst xmlns:a="http://schemas.openxmlformats.org/drawingml/2006/main" xmlns:r="http://schemas.openxmlformats.org/officeDocument/2006/relationships" xmlns:p="http://schemas.openxmlformats.org/presentationml/2006/main">
+  <p:tag name="KSO_WM_DIAGRAM_VIRTUALLY_FRAME" val="{&quot;height&quot;:395.04393700787404,&quot;left&quot;:18.25,&quot;top&quot;:87.1,&quot;width&quot;:916.85}"/>
+</p:tagLst>
+</file>
+
+<file path=ppt/tags/tag2.xml><?xml version="1.0" encoding="utf-8"?>
+<p:tagLst xmlns:a="http://schemas.openxmlformats.org/drawingml/2006/main" xmlns:r="http://schemas.openxmlformats.org/officeDocument/2006/relationships" xmlns:p="http://schemas.openxmlformats.org/presentationml/2006/main">
+  <p:tag name="KSO_WM_DIAGRAM_VIRTUALLY_FRAME" val="{&quot;height&quot;:395.04393700787404,&quot;left&quot;:18.25,&quot;top&quot;:87.1,&quot;width&quot;:916.85}"/>
+</p:tagLst>
+</file>
+
+<file path=ppt/tags/tag20.xml><?xml version="1.0" encoding="utf-8"?>
+<p:tagLst xmlns:a="http://schemas.openxmlformats.org/drawingml/2006/main" xmlns:r="http://schemas.openxmlformats.org/officeDocument/2006/relationships" xmlns:p="http://schemas.openxmlformats.org/presentationml/2006/main">
+  <p:tag name="KSO_WM_DIAGRAM_VIRTUALLY_FRAME" val="{&quot;height&quot;:395.04393700787404,&quot;left&quot;:18.25,&quot;top&quot;:87.1,&quot;width&quot;:916.85}"/>
+</p:tagLst>
+</file>
+
+<file path=ppt/tags/tag3.xml><?xml version="1.0" encoding="utf-8"?>
+<p:tagLst xmlns:a="http://schemas.openxmlformats.org/drawingml/2006/main" xmlns:r="http://schemas.openxmlformats.org/officeDocument/2006/relationships" xmlns:p="http://schemas.openxmlformats.org/presentationml/2006/main">
+  <p:tag name="KSO_WM_DIAGRAM_VIRTUALLY_FRAME" val="{&quot;height&quot;:395.04393700787404,&quot;left&quot;:18.25,&quot;top&quot;:87.1,&quot;width&quot;:916.85}"/>
+</p:tagLst>
+</file>
+
+<file path=ppt/tags/tag4.xml><?xml version="1.0" encoding="utf-8"?>
+<p:tagLst xmlns:a="http://schemas.openxmlformats.org/drawingml/2006/main" xmlns:r="http://schemas.openxmlformats.org/officeDocument/2006/relationships" xmlns:p="http://schemas.openxmlformats.org/presentationml/2006/main">
+  <p:tag name="KSO_WM_DIAGRAM_VIRTUALLY_FRAME" val="{&quot;height&quot;:395.04393700787404,&quot;left&quot;:18.25,&quot;top&quot;:87.1,&quot;width&quot;:916.85}"/>
+</p:tagLst>
+</file>
+
+<file path=ppt/tags/tag5.xml><?xml version="1.0" encoding="utf-8"?>
+<p:tagLst xmlns:a="http://schemas.openxmlformats.org/drawingml/2006/main" xmlns:r="http://schemas.openxmlformats.org/officeDocument/2006/relationships" xmlns:p="http://schemas.openxmlformats.org/presentationml/2006/main">
+  <p:tag name="KSO_WM_DIAGRAM_VIRTUALLY_FRAME" val="{&quot;height&quot;:395.04393700787404,&quot;left&quot;:18.25,&quot;top&quot;:87.1,&quot;width&quot;:916.85}"/>
+</p:tagLst>
+</file>
+
+<file path=ppt/tags/tag6.xml><?xml version="1.0" encoding="utf-8"?>
+<p:tagLst xmlns:a="http://schemas.openxmlformats.org/drawingml/2006/main" xmlns:r="http://schemas.openxmlformats.org/officeDocument/2006/relationships" xmlns:p="http://schemas.openxmlformats.org/presentationml/2006/main">
+  <p:tag name="KSO_WM_DIAGRAM_VIRTUALLY_FRAME" val="{&quot;height&quot;:395.04393700787404,&quot;left&quot;:18.25,&quot;top&quot;:87.1,&quot;width&quot;:916.85}"/>
+</p:tagLst>
+</file>
+
+<file path=ppt/tags/tag7.xml><?xml version="1.0" encoding="utf-8"?>
+<p:tagLst xmlns:a="http://schemas.openxmlformats.org/drawingml/2006/main" xmlns:r="http://schemas.openxmlformats.org/officeDocument/2006/relationships" xmlns:p="http://schemas.openxmlformats.org/presentationml/2006/main">
+  <p:tag name="KSO_WM_DIAGRAM_VIRTUALLY_FRAME" val="{&quot;height&quot;:395.04393700787404,&quot;left&quot;:18.25,&quot;top&quot;:87.1,&quot;width&quot;:916.85}"/>
+</p:tagLst>
+</file>
+
+<file path=ppt/tags/tag8.xml><?xml version="1.0" encoding="utf-8"?>
+<p:tagLst xmlns:a="http://schemas.openxmlformats.org/drawingml/2006/main" xmlns:r="http://schemas.openxmlformats.org/officeDocument/2006/relationships" xmlns:p="http://schemas.openxmlformats.org/presentationml/2006/main">
+  <p:tag name="KSO_WM_DIAGRAM_VIRTUALLY_FRAME" val="{&quot;height&quot;:395.04393700787404,&quot;left&quot;:18.25,&quot;top&quot;:87.1,&quot;width&quot;:916.85}"/>
+</p:tagLst>
+</file>
+
+<file path=ppt/tags/tag9.xml><?xml version="1.0" encoding="utf-8"?>
+<p:tagLst xmlns:a="http://schemas.openxmlformats.org/drawingml/2006/main" xmlns:r="http://schemas.openxmlformats.org/officeDocument/2006/relationships" xmlns:p="http://schemas.openxmlformats.org/presentationml/2006/main">
+  <p:tag name="KSO_WM_DIAGRAM_VIRTUALLY_FRAME" val="{&quot;height&quot;:395.04393700787404,&quot;left&quot;:18.25,&quot;top&quot;:87.1,&quot;width&quot;:916.85}"/>
+</p:tagLst>
 </file>
 
 <file path=ppt/theme/theme1.xml><?xml version="1.0" encoding="utf-8"?>
@@ -4059,4 +7899,299 @@
     </a:ext>
   </a:extLst>
 </a:theme>
+</file>
+
+<file path=ppt/theme/theme2.xml><?xml version="1.0" encoding="utf-8"?>
+<a:theme xmlns:a="http://schemas.openxmlformats.org/drawingml/2006/main" name="Office 主题​​">
+  <a:themeElements>
+    <a:clrScheme name="Office">
+      <a:dk1>
+        <a:sysClr val="windowText" lastClr="000000"/>
+      </a:dk1>
+      <a:lt1>
+        <a:sysClr val="window" lastClr="FFFFFF"/>
+      </a:lt1>
+      <a:dk2>
+        <a:srgbClr val="44546A"/>
+      </a:dk2>
+      <a:lt2>
+        <a:srgbClr val="E7E6E6"/>
+      </a:lt2>
+      <a:accent1>
+        <a:srgbClr val="4472C4"/>
+      </a:accent1>
+      <a:accent2>
+        <a:srgbClr val="ED7D31"/>
+      </a:accent2>
+      <a:accent3>
+        <a:srgbClr val="A5A5A5"/>
+      </a:accent3>
+      <a:accent4>
+        <a:srgbClr val="FFC000"/>
+      </a:accent4>
+      <a:accent5>
+        <a:srgbClr val="5B9BD5"/>
+      </a:accent5>
+      <a:accent6>
+        <a:srgbClr val="70AD47"/>
+      </a:accent6>
+      <a:hlink>
+        <a:srgbClr val="0563C1"/>
+      </a:hlink>
+      <a:folHlink>
+        <a:srgbClr val="954F72"/>
+      </a:folHlink>
+    </a:clrScheme>
+    <a:fontScheme name="Office">
+      <a:majorFont>
+        <a:latin typeface="等线 Light" panose="020F0302020204030204"/>
+        <a:ea typeface=""/>
+        <a:cs typeface=""/>
+        <a:font script="Jpan" typeface="游ゴシック Light"/>
+        <a:font script="Hang" typeface="맑은 고딕"/>
+        <a:font script="Hans" typeface="等线 Light"/>
+        <a:font script="Hant" typeface="新細明體"/>
+        <a:font script="Arab" typeface="Times New Roman"/>
+        <a:font script="Hebr" typeface="Times New Roman"/>
+        <a:font script="Thai" typeface="Angsana New"/>
+        <a:font script="Ethi" typeface="Nyala"/>
+        <a:font script="Beng" typeface="Vrinda"/>
+        <a:font script="Gujr" typeface="Shruti"/>
+        <a:font script="Khmr" typeface="MoolBoran"/>
+        <a:font script="Knda" typeface="Tunga"/>
+        <a:font script="Guru" typeface="Raavi"/>
+        <a:font script="Cans" typeface="Euphemia"/>
+        <a:font script="Cher" typeface="Plantagenet Cherokee"/>
+        <a:font script="Yiii" typeface="Microsoft Yi Baiti"/>
+        <a:font script="Tibt" typeface="Microsoft Himalaya"/>
+        <a:font script="Thaa" typeface="MV Boli"/>
+        <a:font script="Deva" typeface="Mangal"/>
+        <a:font script="Telu" typeface="Gautami"/>
+        <a:font script="Taml" typeface="Latha"/>
+        <a:font script="Syrc" typeface="Estrangelo Edessa"/>
+        <a:font script="Orya" typeface="Kalinga"/>
+        <a:font script="Mlym" typeface="Kartika"/>
+        <a:font script="Laoo" typeface="DokChampa"/>
+        <a:font script="Sinh" typeface="Iskoola Pota"/>
+        <a:font script="Mong" typeface="Mongolian Baiti"/>
+        <a:font script="Viet" typeface="Times New Roman"/>
+        <a:font script="Uigh" typeface="Microsoft Uighur"/>
+        <a:font script="Geor" typeface="Sylfaen"/>
+        <a:font script="Armn" typeface="Arial"/>
+        <a:font script="Bugi" typeface="Leelawadee UI"/>
+        <a:font script="Bopo" typeface="Microsoft JhengHei"/>
+        <a:font script="Java" typeface="Javanese Text"/>
+        <a:font script="Lisu" typeface="Segoe UI"/>
+        <a:font script="Mymr" typeface="Myanmar Text"/>
+        <a:font script="Nkoo" typeface="Ebrima"/>
+        <a:font script="Olck" typeface="Nirmala UI"/>
+        <a:font script="Osma" typeface="Ebrima"/>
+        <a:font script="Phag" typeface="Phagspa"/>
+        <a:font script="Syrn" typeface="Estrangelo Edessa"/>
+        <a:font script="Syrj" typeface="Estrangelo Edessa"/>
+        <a:font script="Syre" typeface="Estrangelo Edessa"/>
+        <a:font script="Sora" typeface="Nirmala UI"/>
+        <a:font script="Tale" typeface="Microsoft Tai Le"/>
+        <a:font script="Talu" typeface="Microsoft New Tai Lue"/>
+        <a:font script="Tfng" typeface="Ebrima"/>
+      </a:majorFont>
+      <a:minorFont>
+        <a:latin typeface="等线" panose="020F0502020204030204"/>
+        <a:ea typeface=""/>
+        <a:cs typeface=""/>
+        <a:font script="Jpan" typeface="游ゴシック"/>
+        <a:font script="Hang" typeface="맑은 고딕"/>
+        <a:font script="Hans" typeface="等线"/>
+        <a:font script="Hant" typeface="新細明體"/>
+        <a:font script="Arab" typeface="Arial"/>
+        <a:font script="Hebr" typeface="Arial"/>
+        <a:font script="Thai" typeface="Cordia New"/>
+        <a:font script="Ethi" typeface="Nyala"/>
+        <a:font script="Beng" typeface="Vrinda"/>
+        <a:font script="Gujr" typeface="Shruti"/>
+        <a:font script="Khmr" typeface="DaunPenh"/>
+        <a:font script="Knda" typeface="Tunga"/>
+        <a:font script="Guru" typeface="Raavi"/>
+        <a:font script="Cans" typeface="Euphemia"/>
+        <a:font script="Cher" typeface="Plantagenet Cherokee"/>
+        <a:font script="Yiii" typeface="Microsoft Yi Baiti"/>
+        <a:font script="Tibt" typeface="Microsoft Himalaya"/>
+        <a:font script="Thaa" typeface="MV Boli"/>
+        <a:font script="Deva" typeface="Mangal"/>
+        <a:font script="Telu" typeface="Gautami"/>
+        <a:font script="Taml" typeface="Latha"/>
+        <a:font script="Syrc" typeface="Estrangelo Edessa"/>
+        <a:font script="Orya" typeface="Kalinga"/>
+        <a:font script="Mlym" typeface="Kartika"/>
+        <a:font script="Laoo" typeface="DokChampa"/>
+        <a:font script="Sinh" typeface="Iskoola Pota"/>
+        <a:font script="Mong" typeface="Mongolian Baiti"/>
+        <a:font script="Viet" typeface="Arial"/>
+        <a:font script="Uigh" typeface="Microsoft Uighur"/>
+        <a:font script="Geor" typeface="Sylfaen"/>
+        <a:font script="Armn" typeface="Arial"/>
+        <a:font script="Bugi" typeface="Leelawadee UI"/>
+        <a:font script="Bopo" typeface="Microsoft JhengHei"/>
+        <a:font script="Java" typeface="Javanese Text"/>
+        <a:font script="Lisu" typeface="Segoe UI"/>
+        <a:font script="Mymr" typeface="Myanmar Text"/>
+        <a:font script="Nkoo" typeface="Ebrima"/>
+        <a:font script="Olck" typeface="Nirmala UI"/>
+        <a:font script="Osma" typeface="Ebrima"/>
+        <a:font script="Phag" typeface="Phagspa"/>
+        <a:font script="Syrn" typeface="Estrangelo Edessa"/>
+        <a:font script="Syrj" typeface="Estrangelo Edessa"/>
+        <a:font script="Syre" typeface="Estrangelo Edessa"/>
+        <a:font script="Sora" typeface="Nirmala UI"/>
+        <a:font script="Tale" typeface="Microsoft Tai Le"/>
+        <a:font script="Talu" typeface="Microsoft New Tai Lue"/>
+        <a:font script="Tfng" typeface="Ebrima"/>
+      </a:minorFont>
+    </a:fontScheme>
+    <a:fmtScheme name="Office">
+      <a:fillStyleLst>
+        <a:solidFill>
+          <a:schemeClr val="phClr"/>
+        </a:solidFill>
+        <a:gradFill rotWithShape="1">
+          <a:gsLst>
+            <a:gs pos="0">
+              <a:schemeClr val="phClr">
+                <a:lumMod val="110000"/>
+                <a:satMod val="105000"/>
+                <a:tint val="67000"/>
+              </a:schemeClr>
+            </a:gs>
+            <a:gs pos="50000">
+              <a:schemeClr val="phClr">
+                <a:lumMod val="105000"/>
+                <a:satMod val="103000"/>
+                <a:tint val="73000"/>
+              </a:schemeClr>
+            </a:gs>
+            <a:gs pos="100000">
+              <a:schemeClr val="phClr">
+                <a:lumMod val="105000"/>
+                <a:satMod val="109000"/>
+                <a:tint val="81000"/>
+              </a:schemeClr>
+            </a:gs>
+          </a:gsLst>
+          <a:lin ang="5400000" scaled="0"/>
+        </a:gradFill>
+        <a:gradFill rotWithShape="1">
+          <a:gsLst>
+            <a:gs pos="0">
+              <a:schemeClr val="phClr">
+                <a:satMod val="103000"/>
+                <a:lumMod val="102000"/>
+                <a:tint val="94000"/>
+              </a:schemeClr>
+            </a:gs>
+            <a:gs pos="50000">
+              <a:schemeClr val="phClr">
+                <a:satMod val="110000"/>
+                <a:lumMod val="100000"/>
+                <a:shade val="100000"/>
+              </a:schemeClr>
+            </a:gs>
+            <a:gs pos="100000">
+              <a:schemeClr val="phClr">
+                <a:lumMod val="99000"/>
+                <a:satMod val="120000"/>
+                <a:shade val="78000"/>
+              </a:schemeClr>
+            </a:gs>
+          </a:gsLst>
+          <a:lin ang="5400000" scaled="0"/>
+        </a:gradFill>
+      </a:fillStyleLst>
+      <a:lnStyleLst>
+        <a:ln w="6350" cap="flat" cmpd="sng" algn="ctr">
+          <a:solidFill>
+            <a:schemeClr val="phClr"/>
+          </a:solidFill>
+          <a:prstDash val="solid"/>
+          <a:miter lim="800000"/>
+        </a:ln>
+        <a:ln w="12700" cap="flat" cmpd="sng" algn="ctr">
+          <a:solidFill>
+            <a:schemeClr val="phClr"/>
+          </a:solidFill>
+          <a:prstDash val="solid"/>
+          <a:miter lim="800000"/>
+        </a:ln>
+        <a:ln w="19050" cap="flat" cmpd="sng" algn="ctr">
+          <a:solidFill>
+            <a:schemeClr val="phClr"/>
+          </a:solidFill>
+          <a:prstDash val="solid"/>
+          <a:miter lim="800000"/>
+        </a:ln>
+      </a:lnStyleLst>
+      <a:effectStyleLst>
+        <a:effectStyle>
+          <a:effectLst/>
+        </a:effectStyle>
+        <a:effectStyle>
+          <a:effectLst/>
+        </a:effectStyle>
+        <a:effectStyle>
+          <a:effectLst>
+            <a:outerShdw blurRad="57150" dist="19050" dir="5400000" algn="ctr" rotWithShape="0">
+              <a:srgbClr val="000000">
+                <a:alpha val="63000"/>
+              </a:srgbClr>
+            </a:outerShdw>
+          </a:effectLst>
+        </a:effectStyle>
+      </a:effectStyleLst>
+      <a:bgFillStyleLst>
+        <a:solidFill>
+          <a:schemeClr val="phClr"/>
+        </a:solidFill>
+        <a:solidFill>
+          <a:schemeClr val="phClr">
+            <a:tint val="95000"/>
+            <a:satMod val="170000"/>
+          </a:schemeClr>
+        </a:solidFill>
+        <a:gradFill rotWithShape="1">
+          <a:gsLst>
+            <a:gs pos="0">
+              <a:schemeClr val="phClr">
+                <a:tint val="93000"/>
+                <a:satMod val="150000"/>
+                <a:shade val="98000"/>
+                <a:lumMod val="102000"/>
+              </a:schemeClr>
+            </a:gs>
+            <a:gs pos="50000">
+              <a:schemeClr val="phClr">
+                <a:tint val="98000"/>
+                <a:satMod val="130000"/>
+                <a:shade val="90000"/>
+                <a:lumMod val="103000"/>
+              </a:schemeClr>
+            </a:gs>
+            <a:gs pos="100000">
+              <a:schemeClr val="phClr">
+                <a:shade val="63000"/>
+                <a:satMod val="120000"/>
+              </a:schemeClr>
+            </a:gs>
+          </a:gsLst>
+          <a:lin ang="5400000" scaled="0"/>
+        </a:gradFill>
+      </a:bgFillStyleLst>
+    </a:fmtScheme>
+  </a:themeElements>
+  <a:objectDefaults/>
+  <a:extraClrSchemeLst/>
+  <a:extLst>
+    <a:ext uri="{05A4C25C-085E-4340-85A3-A5531E510DB2}">
+      <thm15:themeFamily xmlns:thm15="http://schemas.microsoft.com/office/thememl/2012/main" name="Office Theme" id="{62F939B6-93AF-4DB8-9C6B-D6C7DFDC589F}" vid="{4A3C46E8-61CC-4603-A589-7422A47A8E4A}"/>
+    </a:ext>
+  </a:extLst>
+</a:theme>
 </file>
--- a/解决方案PPT.pptx
+++ b/解决方案PPT.pptx
@@ -5,14 +5,17 @@
     <p:sldMasterId id="2147483648" r:id="rId1"/>
   </p:sldMasterIdLst>
   <p:notesMasterIdLst>
-    <p:notesMasterId r:id="rId7"/>
+    <p:notesMasterId r:id="rId10"/>
   </p:notesMasterIdLst>
   <p:sldIdLst>
     <p:sldId id="258" r:id="rId2"/>
     <p:sldId id="259" r:id="rId3"/>
     <p:sldId id="260" r:id="rId4"/>
     <p:sldId id="261" r:id="rId5"/>
-    <p:sldId id="262" r:id="rId6"/>
+    <p:sldId id="265" r:id="rId6"/>
+    <p:sldId id="266" r:id="rId7"/>
+    <p:sldId id="267" r:id="rId8"/>
+    <p:sldId id="262" r:id="rId9"/>
   </p:sldIdLst>
   <p:sldSz cx="12192000" cy="6858000"/>
   <p:notesSz cx="6858000" cy="9144000"/>
@@ -201,7 +204,7 @@
           <a:p>
             <a:fld id="{171361C1-56F3-4061-AC1E-AF7A61945EDA}" type="datetimeFigureOut">
               <a:rPr lang="zh-CN" altLang="en-US" smtClean="0"/>
-              <a:t>2024/8/19</a:t>
+              <a:t>2024/8/20</a:t>
             </a:fld>
             <a:endParaRPr lang="zh-CN" altLang="en-US"/>
           </a:p>
@@ -710,6 +713,258 @@
     </p:spTree>
     <p:extLst>
       <p:ext uri="{BB962C8B-B14F-4D97-AF65-F5344CB8AC3E}">
+        <p14:creationId xmlns:p14="http://schemas.microsoft.com/office/powerpoint/2010/main" val="2280787033"/>
+      </p:ext>
+    </p:extLst>
+  </p:cSld>
+  <p:clrMapOvr>
+    <a:masterClrMapping/>
+  </p:clrMapOvr>
+</p:notes>
+</file>
+
+<file path=ppt/notesSlides/notesSlide4.xml><?xml version="1.0" encoding="utf-8"?>
+<p:notes xmlns:a="http://schemas.openxmlformats.org/drawingml/2006/main" xmlns:r="http://schemas.openxmlformats.org/officeDocument/2006/relationships" xmlns:p="http://schemas.openxmlformats.org/presentationml/2006/main">
+  <p:cSld>
+    <p:spTree>
+      <p:nvGrpSpPr>
+        <p:cNvPr id="1" name=""/>
+        <p:cNvGrpSpPr/>
+        <p:nvPr/>
+      </p:nvGrpSpPr>
+      <p:grpSpPr>
+        <a:xfrm>
+          <a:off x="0" y="0"/>
+          <a:ext cx="0" cy="0"/>
+          <a:chOff x="0" y="0"/>
+          <a:chExt cx="0" cy="0"/>
+        </a:xfrm>
+      </p:grpSpPr>
+      <p:sp>
+        <p:nvSpPr>
+          <p:cNvPr id="2" name="幻灯片图像占位符 1"/>
+          <p:cNvSpPr>
+            <a:spLocks noGrp="1" noRot="1" noChangeAspect="1"/>
+          </p:cNvSpPr>
+          <p:nvPr>
+            <p:ph type="sldImg"/>
+          </p:nvPr>
+        </p:nvSpPr>
+        <p:spPr/>
+      </p:sp>
+      <p:sp>
+        <p:nvSpPr>
+          <p:cNvPr id="3" name="备注占位符 2"/>
+          <p:cNvSpPr>
+            <a:spLocks noGrp="1"/>
+          </p:cNvSpPr>
+          <p:nvPr>
+            <p:ph type="body" idx="1"/>
+          </p:nvPr>
+        </p:nvSpPr>
+        <p:spPr/>
+        <p:txBody>
+          <a:bodyPr/>
+          <a:lstStyle/>
+          <a:p>
+            <a:endParaRPr lang="zh-CN" altLang="en-US" dirty="0"/>
+          </a:p>
+        </p:txBody>
+      </p:sp>
+      <p:sp>
+        <p:nvSpPr>
+          <p:cNvPr id="4" name="灯片编号占位符 3"/>
+          <p:cNvSpPr>
+            <a:spLocks noGrp="1"/>
+          </p:cNvSpPr>
+          <p:nvPr>
+            <p:ph type="sldNum" sz="quarter" idx="5"/>
+          </p:nvPr>
+        </p:nvSpPr>
+        <p:spPr/>
+        <p:txBody>
+          <a:bodyPr/>
+          <a:lstStyle/>
+          <a:p>
+            <a:fld id="{E06C5FB5-0CF5-4885-A93D-4615B707AAC8}" type="slidenum">
+              <a:rPr lang="zh-CN" altLang="en-US" smtClean="0"/>
+              <a:t>6</a:t>
+            </a:fld>
+            <a:endParaRPr lang="zh-CN" altLang="en-US"/>
+          </a:p>
+        </p:txBody>
+      </p:sp>
+    </p:spTree>
+    <p:extLst>
+      <p:ext uri="{BB962C8B-B14F-4D97-AF65-F5344CB8AC3E}">
+        <p14:creationId xmlns:p14="http://schemas.microsoft.com/office/powerpoint/2010/main" val="1167129494"/>
+      </p:ext>
+    </p:extLst>
+  </p:cSld>
+  <p:clrMapOvr>
+    <a:masterClrMapping/>
+  </p:clrMapOvr>
+</p:notes>
+</file>
+
+<file path=ppt/notesSlides/notesSlide5.xml><?xml version="1.0" encoding="utf-8"?>
+<p:notes xmlns:a="http://schemas.openxmlformats.org/drawingml/2006/main" xmlns:r="http://schemas.openxmlformats.org/officeDocument/2006/relationships" xmlns:p="http://schemas.openxmlformats.org/presentationml/2006/main">
+  <p:cSld>
+    <p:spTree>
+      <p:nvGrpSpPr>
+        <p:cNvPr id="1" name=""/>
+        <p:cNvGrpSpPr/>
+        <p:nvPr/>
+      </p:nvGrpSpPr>
+      <p:grpSpPr>
+        <a:xfrm>
+          <a:off x="0" y="0"/>
+          <a:ext cx="0" cy="0"/>
+          <a:chOff x="0" y="0"/>
+          <a:chExt cx="0" cy="0"/>
+        </a:xfrm>
+      </p:grpSpPr>
+      <p:sp>
+        <p:nvSpPr>
+          <p:cNvPr id="2" name="幻灯片图像占位符 1"/>
+          <p:cNvSpPr>
+            <a:spLocks noGrp="1" noRot="1" noChangeAspect="1"/>
+          </p:cNvSpPr>
+          <p:nvPr>
+            <p:ph type="sldImg"/>
+          </p:nvPr>
+        </p:nvSpPr>
+        <p:spPr/>
+      </p:sp>
+      <p:sp>
+        <p:nvSpPr>
+          <p:cNvPr id="3" name="备注占位符 2"/>
+          <p:cNvSpPr>
+            <a:spLocks noGrp="1"/>
+          </p:cNvSpPr>
+          <p:nvPr>
+            <p:ph type="body" idx="1"/>
+          </p:nvPr>
+        </p:nvSpPr>
+        <p:spPr/>
+        <p:txBody>
+          <a:bodyPr/>
+          <a:lstStyle/>
+          <a:p>
+            <a:endParaRPr lang="zh-CN" altLang="en-US" dirty="0"/>
+          </a:p>
+        </p:txBody>
+      </p:sp>
+      <p:sp>
+        <p:nvSpPr>
+          <p:cNvPr id="4" name="灯片编号占位符 3"/>
+          <p:cNvSpPr>
+            <a:spLocks noGrp="1"/>
+          </p:cNvSpPr>
+          <p:nvPr>
+            <p:ph type="sldNum" sz="quarter" idx="5"/>
+          </p:nvPr>
+        </p:nvSpPr>
+        <p:spPr/>
+        <p:txBody>
+          <a:bodyPr/>
+          <a:lstStyle/>
+          <a:p>
+            <a:fld id="{E06C5FB5-0CF5-4885-A93D-4615B707AAC8}" type="slidenum">
+              <a:rPr lang="zh-CN" altLang="en-US" smtClean="0"/>
+              <a:t>7</a:t>
+            </a:fld>
+            <a:endParaRPr lang="zh-CN" altLang="en-US"/>
+          </a:p>
+        </p:txBody>
+      </p:sp>
+    </p:spTree>
+    <p:extLst>
+      <p:ext uri="{BB962C8B-B14F-4D97-AF65-F5344CB8AC3E}">
+        <p14:creationId xmlns:p14="http://schemas.microsoft.com/office/powerpoint/2010/main" val="1067977951"/>
+      </p:ext>
+    </p:extLst>
+  </p:cSld>
+  <p:clrMapOvr>
+    <a:masterClrMapping/>
+  </p:clrMapOvr>
+</p:notes>
+</file>
+
+<file path=ppt/notesSlides/notesSlide6.xml><?xml version="1.0" encoding="utf-8"?>
+<p:notes xmlns:a="http://schemas.openxmlformats.org/drawingml/2006/main" xmlns:r="http://schemas.openxmlformats.org/officeDocument/2006/relationships" xmlns:p="http://schemas.openxmlformats.org/presentationml/2006/main">
+  <p:cSld>
+    <p:spTree>
+      <p:nvGrpSpPr>
+        <p:cNvPr id="1" name=""/>
+        <p:cNvGrpSpPr/>
+        <p:nvPr/>
+      </p:nvGrpSpPr>
+      <p:grpSpPr>
+        <a:xfrm>
+          <a:off x="0" y="0"/>
+          <a:ext cx="0" cy="0"/>
+          <a:chOff x="0" y="0"/>
+          <a:chExt cx="0" cy="0"/>
+        </a:xfrm>
+      </p:grpSpPr>
+      <p:sp>
+        <p:nvSpPr>
+          <p:cNvPr id="2" name="幻灯片图像占位符 1"/>
+          <p:cNvSpPr>
+            <a:spLocks noGrp="1" noRot="1" noChangeAspect="1"/>
+          </p:cNvSpPr>
+          <p:nvPr>
+            <p:ph type="sldImg"/>
+          </p:nvPr>
+        </p:nvSpPr>
+        <p:spPr/>
+      </p:sp>
+      <p:sp>
+        <p:nvSpPr>
+          <p:cNvPr id="3" name="备注占位符 2"/>
+          <p:cNvSpPr>
+            <a:spLocks noGrp="1"/>
+          </p:cNvSpPr>
+          <p:nvPr>
+            <p:ph type="body" idx="1"/>
+          </p:nvPr>
+        </p:nvSpPr>
+        <p:spPr/>
+        <p:txBody>
+          <a:bodyPr/>
+          <a:lstStyle/>
+          <a:p>
+            <a:endParaRPr lang="zh-CN" altLang="en-US" dirty="0"/>
+          </a:p>
+        </p:txBody>
+      </p:sp>
+      <p:sp>
+        <p:nvSpPr>
+          <p:cNvPr id="4" name="灯片编号占位符 3"/>
+          <p:cNvSpPr>
+            <a:spLocks noGrp="1"/>
+          </p:cNvSpPr>
+          <p:nvPr>
+            <p:ph type="sldNum" sz="quarter" idx="5"/>
+          </p:nvPr>
+        </p:nvSpPr>
+        <p:spPr/>
+        <p:txBody>
+          <a:bodyPr/>
+          <a:lstStyle/>
+          <a:p>
+            <a:fld id="{E06C5FB5-0CF5-4885-A93D-4615B707AAC8}" type="slidenum">
+              <a:rPr lang="zh-CN" altLang="en-US" smtClean="0"/>
+              <a:t>8</a:t>
+            </a:fld>
+            <a:endParaRPr lang="zh-CN" altLang="en-US"/>
+          </a:p>
+        </p:txBody>
+      </p:sp>
+    </p:spTree>
+    <p:extLst>
+      <p:ext uri="{BB962C8B-B14F-4D97-AF65-F5344CB8AC3E}">
         <p14:creationId xmlns:p14="http://schemas.microsoft.com/office/powerpoint/2010/main" val="3559480254"/>
       </p:ext>
     </p:extLst>
@@ -867,7 +1122,7 @@
           <a:p>
             <a:fld id="{CBFD7785-C7D7-4342-BC4E-7AADEE66EF15}" type="datetimeFigureOut">
               <a:rPr lang="zh-CN" altLang="en-US" smtClean="0"/>
-              <a:t>2024/8/17</a:t>
+              <a:t>2024/8/20</a:t>
             </a:fld>
             <a:endParaRPr lang="zh-CN" altLang="en-US"/>
           </a:p>
@@ -1065,7 +1320,7 @@
           <a:p>
             <a:fld id="{CBFD7785-C7D7-4342-BC4E-7AADEE66EF15}" type="datetimeFigureOut">
               <a:rPr lang="zh-CN" altLang="en-US" smtClean="0"/>
-              <a:t>2024/8/17</a:t>
+              <a:t>2024/8/20</a:t>
             </a:fld>
             <a:endParaRPr lang="zh-CN" altLang="en-US"/>
           </a:p>
@@ -1273,7 +1528,7 @@
           <a:p>
             <a:fld id="{CBFD7785-C7D7-4342-BC4E-7AADEE66EF15}" type="datetimeFigureOut">
               <a:rPr lang="zh-CN" altLang="en-US" smtClean="0"/>
-              <a:t>2024/8/17</a:t>
+              <a:t>2024/8/20</a:t>
             </a:fld>
             <a:endParaRPr lang="zh-CN" altLang="en-US"/>
           </a:p>
@@ -1471,7 +1726,7 @@
           <a:p>
             <a:fld id="{CBFD7785-C7D7-4342-BC4E-7AADEE66EF15}" type="datetimeFigureOut">
               <a:rPr lang="zh-CN" altLang="en-US" smtClean="0"/>
-              <a:t>2024/8/17</a:t>
+              <a:t>2024/8/20</a:t>
             </a:fld>
             <a:endParaRPr lang="zh-CN" altLang="en-US"/>
           </a:p>
@@ -1746,7 +2001,7 @@
           <a:p>
             <a:fld id="{CBFD7785-C7D7-4342-BC4E-7AADEE66EF15}" type="datetimeFigureOut">
               <a:rPr lang="zh-CN" altLang="en-US" smtClean="0"/>
-              <a:t>2024/8/17</a:t>
+              <a:t>2024/8/20</a:t>
             </a:fld>
             <a:endParaRPr lang="zh-CN" altLang="en-US"/>
           </a:p>
@@ -2011,7 +2266,7 @@
           <a:p>
             <a:fld id="{CBFD7785-C7D7-4342-BC4E-7AADEE66EF15}" type="datetimeFigureOut">
               <a:rPr lang="zh-CN" altLang="en-US" smtClean="0"/>
-              <a:t>2024/8/17</a:t>
+              <a:t>2024/8/20</a:t>
             </a:fld>
             <a:endParaRPr lang="zh-CN" altLang="en-US"/>
           </a:p>
@@ -2423,7 +2678,7 @@
           <a:p>
             <a:fld id="{CBFD7785-C7D7-4342-BC4E-7AADEE66EF15}" type="datetimeFigureOut">
               <a:rPr lang="zh-CN" altLang="en-US" smtClean="0"/>
-              <a:t>2024/8/17</a:t>
+              <a:t>2024/8/20</a:t>
             </a:fld>
             <a:endParaRPr lang="zh-CN" altLang="en-US"/>
           </a:p>
@@ -2564,7 +2819,7 @@
           <a:p>
             <a:fld id="{CBFD7785-C7D7-4342-BC4E-7AADEE66EF15}" type="datetimeFigureOut">
               <a:rPr lang="zh-CN" altLang="en-US" smtClean="0"/>
-              <a:t>2024/8/17</a:t>
+              <a:t>2024/8/20</a:t>
             </a:fld>
             <a:endParaRPr lang="zh-CN" altLang="en-US"/>
           </a:p>
@@ -2677,7 +2932,7 @@
           <a:p>
             <a:fld id="{CBFD7785-C7D7-4342-BC4E-7AADEE66EF15}" type="datetimeFigureOut">
               <a:rPr lang="zh-CN" altLang="en-US" smtClean="0"/>
-              <a:t>2024/8/17</a:t>
+              <a:t>2024/8/20</a:t>
             </a:fld>
             <a:endParaRPr lang="zh-CN" altLang="en-US"/>
           </a:p>
@@ -2988,7 +3243,7 @@
           <a:p>
             <a:fld id="{CBFD7785-C7D7-4342-BC4E-7AADEE66EF15}" type="datetimeFigureOut">
               <a:rPr lang="zh-CN" altLang="en-US" smtClean="0"/>
-              <a:t>2024/8/17</a:t>
+              <a:t>2024/8/20</a:t>
             </a:fld>
             <a:endParaRPr lang="zh-CN" altLang="en-US"/>
           </a:p>
@@ -3276,7 +3531,7 @@
           <a:p>
             <a:fld id="{CBFD7785-C7D7-4342-BC4E-7AADEE66EF15}" type="datetimeFigureOut">
               <a:rPr lang="zh-CN" altLang="en-US" smtClean="0"/>
-              <a:t>2024/8/17</a:t>
+              <a:t>2024/8/20</a:t>
             </a:fld>
             <a:endParaRPr lang="zh-CN" altLang="en-US"/>
           </a:p>
@@ -3517,7 +3772,7 @@
           <a:p>
             <a:fld id="{CBFD7785-C7D7-4342-BC4E-7AADEE66EF15}" type="datetimeFigureOut">
               <a:rPr lang="zh-CN" altLang="en-US" smtClean="0"/>
-              <a:t>2024/8/17</a:t>
+              <a:t>2024/8/20</a:t>
             </a:fld>
             <a:endParaRPr lang="zh-CN" altLang="en-US"/>
           </a:p>
@@ -7439,10 +7694,2868 @@
       </p:sp>
       <p:pic>
         <p:nvPicPr>
-          <p:cNvPr id="18" name="图片 17">
-            <a:extLst>
-              <a:ext uri="{FF2B5EF4-FFF2-40B4-BE49-F238E27FC236}">
-                <a16:creationId xmlns:a16="http://schemas.microsoft.com/office/drawing/2014/main" id="{0F87B2DD-056A-7CAD-0B62-CFE90F1BF9FE}"/>
+          <p:cNvPr id="2" name="图片 1" descr="微信图片_20231220161213">
+            <a:extLst>
+              <a:ext uri="{FF2B5EF4-FFF2-40B4-BE49-F238E27FC236}">
+                <a16:creationId xmlns:a16="http://schemas.microsoft.com/office/drawing/2014/main" id="{C444E564-6B1E-C3AC-F2AE-08B87A8C1C0A}"/>
+              </a:ext>
+            </a:extLst>
+          </p:cNvPr>
+          <p:cNvPicPr>
+            <a:picLocks noChangeAspect="1"/>
+          </p:cNvPicPr>
+          <p:nvPr/>
+        </p:nvPicPr>
+        <p:blipFill>
+          <a:blip r:embed="rId3"/>
+          <a:stretch>
+            <a:fillRect/>
+          </a:stretch>
+        </p:blipFill>
+        <p:spPr>
+          <a:xfrm>
+            <a:off x="221955" y="1542104"/>
+            <a:ext cx="2946117" cy="2566195"/>
+          </a:xfrm>
+          <a:prstGeom prst="rect">
+            <a:avLst/>
+          </a:prstGeom>
+          <a:effectLst>
+            <a:outerShdw blurRad="50800" dist="38100" dir="2700000" algn="tl" rotWithShape="0">
+              <a:prstClr val="black">
+                <a:alpha val="40000"/>
+              </a:prstClr>
+            </a:outerShdw>
+          </a:effectLst>
+        </p:spPr>
+      </p:pic>
+      <p:sp>
+        <p:nvSpPr>
+          <p:cNvPr id="3" name="文本框 2">
+            <a:extLst>
+              <a:ext uri="{FF2B5EF4-FFF2-40B4-BE49-F238E27FC236}">
+                <a16:creationId xmlns:a16="http://schemas.microsoft.com/office/drawing/2014/main" id="{4DC789D1-C034-D9BF-748E-9426DD3ADE95}"/>
+              </a:ext>
+            </a:extLst>
+          </p:cNvPr>
+          <p:cNvSpPr txBox="1"/>
+          <p:nvPr/>
+        </p:nvSpPr>
+        <p:spPr>
+          <a:xfrm>
+            <a:off x="291223" y="3887256"/>
+            <a:ext cx="2918322" cy="825419"/>
+          </a:xfrm>
+          <a:prstGeom prst="rect">
+            <a:avLst/>
+          </a:prstGeom>
+          <a:noFill/>
+        </p:spPr>
+        <p:txBody>
+          <a:bodyPr wrap="square" rtlCol="0">
+            <a:spAutoFit/>
+          </a:bodyPr>
+          <a:lstStyle/>
+          <a:p>
+            <a:pPr algn="ctr">
+              <a:lnSpc>
+                <a:spcPct val="150000"/>
+              </a:lnSpc>
+            </a:pPr>
+            <a:r>
+              <a:rPr lang="zh-CN" altLang="en-US" sz="3600" dirty="0">
+                <a:solidFill>
+                  <a:srgbClr val="F14040"/>
+                </a:solidFill>
+                <a:latin typeface="微软雅黑" panose="020B0503020204020204" pitchFamily="34" charset="-122"/>
+                <a:ea typeface="微软雅黑" panose="020B0503020204020204" pitchFamily="34" charset="-122"/>
+              </a:rPr>
+              <a:t>卓越吞吐</a:t>
+            </a:r>
+            <a:endParaRPr lang="en-US" altLang="zh-CN" sz="3600" dirty="0">
+              <a:solidFill>
+                <a:srgbClr val="F14040"/>
+              </a:solidFill>
+              <a:latin typeface="微软雅黑" panose="020B0503020204020204" pitchFamily="34" charset="-122"/>
+              <a:ea typeface="微软雅黑" panose="020B0503020204020204" pitchFamily="34" charset="-122"/>
+            </a:endParaRPr>
+          </a:p>
+        </p:txBody>
+      </p:sp>
+      <p:pic>
+        <p:nvPicPr>
+          <p:cNvPr id="7" name="图片 6">
+            <a:extLst>
+              <a:ext uri="{FF2B5EF4-FFF2-40B4-BE49-F238E27FC236}">
+                <a16:creationId xmlns:a16="http://schemas.microsoft.com/office/drawing/2014/main" id="{6680D8A9-4AB4-35BC-034D-A935666FF14D}"/>
+              </a:ext>
+            </a:extLst>
+          </p:cNvPr>
+          <p:cNvPicPr>
+            <a:picLocks noChangeAspect="1"/>
+          </p:cNvPicPr>
+          <p:nvPr/>
+        </p:nvPicPr>
+        <p:blipFill>
+          <a:blip r:embed="rId4">
+            <a:extLst>
+              <a:ext uri="{28A0092B-C50C-407E-A947-70E740481C1C}">
+                <a14:useLocalDpi xmlns:a14="http://schemas.microsoft.com/office/drawing/2010/main" val="0"/>
+              </a:ext>
+            </a:extLst>
+          </a:blip>
+          <a:stretch>
+            <a:fillRect/>
+          </a:stretch>
+        </p:blipFill>
+        <p:spPr>
+          <a:xfrm>
+            <a:off x="4725973" y="1284960"/>
+            <a:ext cx="7093578" cy="3371092"/>
+          </a:xfrm>
+          <a:prstGeom prst="rect">
+            <a:avLst/>
+          </a:prstGeom>
+        </p:spPr>
+      </p:pic>
+      <p:sp>
+        <p:nvSpPr>
+          <p:cNvPr id="10" name="箭头: 燕尾形 9">
+            <a:extLst>
+              <a:ext uri="{FF2B5EF4-FFF2-40B4-BE49-F238E27FC236}">
+                <a16:creationId xmlns:a16="http://schemas.microsoft.com/office/drawing/2014/main" id="{770AB9DF-5887-E04E-5E1F-4F9111F0BA48}"/>
+              </a:ext>
+            </a:extLst>
+          </p:cNvPr>
+          <p:cNvSpPr/>
+          <p:nvPr/>
+        </p:nvSpPr>
+        <p:spPr>
+          <a:xfrm>
+            <a:off x="3297381" y="2022763"/>
+            <a:ext cx="1006764" cy="1570182"/>
+          </a:xfrm>
+          <a:prstGeom prst="notchedRightArrow">
+            <a:avLst/>
+          </a:prstGeom>
+          <a:gradFill flip="none" rotWithShape="1">
+            <a:gsLst>
+              <a:gs pos="0">
+                <a:srgbClr val="1B1B1B"/>
+              </a:gs>
+              <a:gs pos="71000">
+                <a:srgbClr val="F14040">
+                  <a:alpha val="91000"/>
+                </a:srgbClr>
+              </a:gs>
+              <a:gs pos="52000">
+                <a:srgbClr val="F14040">
+                  <a:alpha val="76000"/>
+                </a:srgbClr>
+              </a:gs>
+              <a:gs pos="93000">
+                <a:srgbClr val="F14040">
+                  <a:alpha val="88000"/>
+                </a:srgbClr>
+              </a:gs>
+              <a:gs pos="89000">
+                <a:srgbClr val="F14040"/>
+              </a:gs>
+            </a:gsLst>
+            <a:lin ang="0" scaled="1"/>
+            <a:tileRect/>
+          </a:gradFill>
+          <a:ln>
+            <a:noFill/>
+          </a:ln>
+        </p:spPr>
+        <p:style>
+          <a:lnRef idx="2">
+            <a:schemeClr val="accent1">
+              <a:shade val="15000"/>
+            </a:schemeClr>
+          </a:lnRef>
+          <a:fillRef idx="1">
+            <a:schemeClr val="accent1"/>
+          </a:fillRef>
+          <a:effectRef idx="0">
+            <a:schemeClr val="accent1"/>
+          </a:effectRef>
+          <a:fontRef idx="minor">
+            <a:schemeClr val="lt1"/>
+          </a:fontRef>
+        </p:style>
+        <p:txBody>
+          <a:bodyPr rtlCol="0" anchor="ctr"/>
+          <a:lstStyle/>
+          <a:p>
+            <a:pPr algn="ctr"/>
+            <a:endParaRPr lang="zh-CN" altLang="en-US"/>
+          </a:p>
+        </p:txBody>
+      </p:sp>
+      <p:sp>
+        <p:nvSpPr>
+          <p:cNvPr id="13" name="文本框 12">
+            <a:extLst>
+              <a:ext uri="{FF2B5EF4-FFF2-40B4-BE49-F238E27FC236}">
+                <a16:creationId xmlns:a16="http://schemas.microsoft.com/office/drawing/2014/main" id="{818638F4-F422-4395-272F-25FDCFDD0D5E}"/>
+              </a:ext>
+            </a:extLst>
+          </p:cNvPr>
+          <p:cNvSpPr txBox="1"/>
+          <p:nvPr/>
+        </p:nvSpPr>
+        <p:spPr>
+          <a:xfrm>
+            <a:off x="4710545" y="5033818"/>
+            <a:ext cx="5015346" cy="1156855"/>
+          </a:xfrm>
+          <a:prstGeom prst="rect">
+            <a:avLst/>
+          </a:prstGeom>
+          <a:noFill/>
+        </p:spPr>
+        <p:txBody>
+          <a:bodyPr wrap="square" rtlCol="0">
+            <a:spAutoFit/>
+          </a:bodyPr>
+          <a:lstStyle/>
+          <a:p>
+            <a:pPr>
+              <a:lnSpc>
+                <a:spcPct val="150000"/>
+              </a:lnSpc>
+            </a:pPr>
+            <a:r>
+              <a:rPr lang="zh-CN" altLang="en-US" sz="1600" dirty="0">
+                <a:solidFill>
+                  <a:schemeClr val="bg1"/>
+                </a:solidFill>
+                <a:latin typeface="微软雅黑" panose="020B0503020204020204" pitchFamily="34" charset="-122"/>
+                <a:ea typeface="微软雅黑" panose="020B0503020204020204" pitchFamily="34" charset="-122"/>
+              </a:rPr>
+              <a:t>测试条件</a:t>
+            </a:r>
+            <a:endParaRPr lang="en-US" altLang="zh-CN" sz="1600" dirty="0">
+              <a:solidFill>
+                <a:schemeClr val="bg1"/>
+              </a:solidFill>
+              <a:latin typeface="微软雅黑" panose="020B0503020204020204" pitchFamily="34" charset="-122"/>
+              <a:ea typeface="微软雅黑" panose="020B0503020204020204" pitchFamily="34" charset="-122"/>
+            </a:endParaRPr>
+          </a:p>
+          <a:p>
+            <a:pPr>
+              <a:lnSpc>
+                <a:spcPct val="150000"/>
+              </a:lnSpc>
+            </a:pPr>
+            <a:r>
+              <a:rPr lang="zh-CN" altLang="en-US" sz="1600" dirty="0">
+                <a:solidFill>
+                  <a:schemeClr val="bg1"/>
+                </a:solidFill>
+                <a:latin typeface="微软雅黑" panose="020B0503020204020204" pitchFamily="34" charset="-122"/>
+                <a:ea typeface="微软雅黑" panose="020B0503020204020204" pitchFamily="34" charset="-122"/>
+              </a:rPr>
+              <a:t>① </a:t>
+            </a:r>
+            <a:r>
+              <a:rPr lang="en-US" altLang="zh-CN" sz="1600" dirty="0">
+                <a:solidFill>
+                  <a:schemeClr val="accent4">
+                    <a:lumMod val="75000"/>
+                  </a:schemeClr>
+                </a:solidFill>
+                <a:latin typeface="微软雅黑" panose="020B0503020204020204" pitchFamily="34" charset="-122"/>
+                <a:ea typeface="微软雅黑" panose="020B0503020204020204" pitchFamily="34" charset="-122"/>
+              </a:rPr>
+              <a:t>1*100Gbps</a:t>
+            </a:r>
+            <a:r>
+              <a:rPr lang="zh-CN" altLang="en-US" sz="1600" dirty="0">
+                <a:solidFill>
+                  <a:schemeClr val="bg1"/>
+                </a:solidFill>
+                <a:latin typeface="微软雅黑" panose="020B0503020204020204" pitchFamily="34" charset="-122"/>
+                <a:ea typeface="微软雅黑" panose="020B0503020204020204" pitchFamily="34" charset="-122"/>
+              </a:rPr>
+              <a:t>端口        ② </a:t>
+            </a:r>
+            <a:r>
+              <a:rPr lang="zh-CN" altLang="en-US" sz="1600" dirty="0">
+                <a:solidFill>
+                  <a:schemeClr val="accent4">
+                    <a:lumMod val="75000"/>
+                  </a:schemeClr>
+                </a:solidFill>
+                <a:latin typeface="微软雅黑" panose="020B0503020204020204" pitchFamily="34" charset="-122"/>
+                <a:ea typeface="微软雅黑" panose="020B0503020204020204" pitchFamily="34" charset="-122"/>
+              </a:rPr>
+              <a:t>标准</a:t>
+            </a:r>
+            <a:r>
+              <a:rPr lang="zh-CN" altLang="en-US" sz="1600" dirty="0">
+                <a:solidFill>
+                  <a:schemeClr val="bg1"/>
+                </a:solidFill>
+                <a:latin typeface="微软雅黑" panose="020B0503020204020204" pitchFamily="34" charset="-122"/>
+                <a:ea typeface="微软雅黑" panose="020B0503020204020204" pitchFamily="34" charset="-122"/>
+              </a:rPr>
+              <a:t>接口</a:t>
+            </a:r>
+            <a:r>
+              <a:rPr lang="en-US" altLang="zh-CN" sz="1600" dirty="0" err="1">
+                <a:solidFill>
+                  <a:schemeClr val="bg1"/>
+                </a:solidFill>
+                <a:latin typeface="微软雅黑" panose="020B0503020204020204" pitchFamily="34" charset="-122"/>
+                <a:ea typeface="微软雅黑" panose="020B0503020204020204" pitchFamily="34" charset="-122"/>
+              </a:rPr>
+              <a:t>libibverbs</a:t>
+            </a:r>
+            <a:r>
+              <a:rPr lang="en-US" altLang="zh-CN" sz="1600" dirty="0">
+                <a:solidFill>
+                  <a:schemeClr val="bg1"/>
+                </a:solidFill>
+                <a:latin typeface="微软雅黑" panose="020B0503020204020204" pitchFamily="34" charset="-122"/>
+                <a:ea typeface="微软雅黑" panose="020B0503020204020204" pitchFamily="34" charset="-122"/>
+              </a:rPr>
+              <a:t> </a:t>
+            </a:r>
+          </a:p>
+          <a:p>
+            <a:pPr>
+              <a:lnSpc>
+                <a:spcPct val="150000"/>
+              </a:lnSpc>
+            </a:pPr>
+            <a:r>
+              <a:rPr lang="zh-CN" altLang="en-US" sz="1600" dirty="0">
+                <a:solidFill>
+                  <a:schemeClr val="bg1"/>
+                </a:solidFill>
+                <a:latin typeface="微软雅黑" panose="020B0503020204020204" pitchFamily="34" charset="-122"/>
+                <a:ea typeface="微软雅黑" panose="020B0503020204020204" pitchFamily="34" charset="-122"/>
+              </a:rPr>
+              <a:t>③</a:t>
+            </a:r>
+            <a:r>
+              <a:rPr lang="zh-CN" altLang="en-US" sz="1600" dirty="0">
+                <a:solidFill>
+                  <a:schemeClr val="accent4">
+                    <a:lumMod val="75000"/>
+                  </a:schemeClr>
+                </a:solidFill>
+                <a:latin typeface="微软雅黑" panose="020B0503020204020204" pitchFamily="34" charset="-122"/>
+                <a:ea typeface="微软雅黑" panose="020B0503020204020204" pitchFamily="34" charset="-122"/>
+              </a:rPr>
+              <a:t> </a:t>
+            </a:r>
+            <a:r>
+              <a:rPr lang="en-US" altLang="zh-CN" sz="1600" dirty="0">
+                <a:solidFill>
+                  <a:schemeClr val="accent4">
+                    <a:lumMod val="75000"/>
+                  </a:schemeClr>
+                </a:solidFill>
+                <a:latin typeface="微软雅黑" panose="020B0503020204020204" pitchFamily="34" charset="-122"/>
+                <a:ea typeface="微软雅黑" panose="020B0503020204020204" pitchFamily="34" charset="-122"/>
+              </a:rPr>
+              <a:t>P2P</a:t>
+            </a:r>
+            <a:r>
+              <a:rPr lang="zh-CN" altLang="en-US" sz="1600" dirty="0">
+                <a:solidFill>
+                  <a:schemeClr val="bg1"/>
+                </a:solidFill>
+                <a:latin typeface="微软雅黑" panose="020B0503020204020204" pitchFamily="34" charset="-122"/>
+                <a:ea typeface="微软雅黑" panose="020B0503020204020204" pitchFamily="34" charset="-122"/>
+              </a:rPr>
+              <a:t>端点直连</a:t>
+            </a:r>
+            <a:r>
+              <a:rPr lang="en-US" altLang="zh-CN" sz="1600" dirty="0">
+                <a:solidFill>
+                  <a:schemeClr val="bg1"/>
+                </a:solidFill>
+                <a:latin typeface="微软雅黑" panose="020B0503020204020204" pitchFamily="34" charset="-122"/>
+                <a:ea typeface="微软雅黑" panose="020B0503020204020204" pitchFamily="34" charset="-122"/>
+              </a:rPr>
+              <a:t>             </a:t>
+            </a:r>
+            <a:r>
+              <a:rPr lang="zh-CN" altLang="en-US" sz="1600" dirty="0">
+                <a:solidFill>
+                  <a:schemeClr val="bg1"/>
+                </a:solidFill>
+                <a:latin typeface="微软雅黑" panose="020B0503020204020204" pitchFamily="34" charset="-122"/>
+                <a:ea typeface="微软雅黑" panose="020B0503020204020204" pitchFamily="34" charset="-122"/>
+              </a:rPr>
+              <a:t>④ </a:t>
+            </a:r>
+            <a:r>
+              <a:rPr lang="zh-CN" altLang="en-US" sz="1600" dirty="0">
+                <a:solidFill>
+                  <a:schemeClr val="accent4">
+                    <a:lumMod val="75000"/>
+                  </a:schemeClr>
+                </a:solidFill>
+                <a:latin typeface="微软雅黑" panose="020B0503020204020204" pitchFamily="34" charset="-122"/>
+                <a:ea typeface="微软雅黑" panose="020B0503020204020204" pitchFamily="34" charset="-122"/>
+              </a:rPr>
+              <a:t>逐次</a:t>
+            </a:r>
+            <a:r>
+              <a:rPr lang="zh-CN" altLang="en-US" sz="1600" dirty="0">
+                <a:solidFill>
+                  <a:schemeClr val="bg1"/>
+                </a:solidFill>
+                <a:latin typeface="微软雅黑" panose="020B0503020204020204" pitchFamily="34" charset="-122"/>
+                <a:ea typeface="微软雅黑" panose="020B0503020204020204" pitchFamily="34" charset="-122"/>
+              </a:rPr>
+              <a:t>发送 </a:t>
+            </a:r>
+            <a:endParaRPr lang="en-US" altLang="zh-CN" sz="1600" dirty="0">
+              <a:solidFill>
+                <a:schemeClr val="bg1"/>
+              </a:solidFill>
+              <a:latin typeface="微软雅黑" panose="020B0503020204020204" pitchFamily="34" charset="-122"/>
+              <a:ea typeface="微软雅黑" panose="020B0503020204020204" pitchFamily="34" charset="-122"/>
+            </a:endParaRPr>
+          </a:p>
+        </p:txBody>
+      </p:sp>
+      <p:sp>
+        <p:nvSpPr>
+          <p:cNvPr id="14" name="文本框 13">
+            <a:extLst>
+              <a:ext uri="{FF2B5EF4-FFF2-40B4-BE49-F238E27FC236}">
+                <a16:creationId xmlns:a16="http://schemas.microsoft.com/office/drawing/2014/main" id="{52AFB2F7-4909-D3F1-D141-6BF2AB48E845}"/>
+              </a:ext>
+            </a:extLst>
+          </p:cNvPr>
+          <p:cNvSpPr txBox="1"/>
+          <p:nvPr/>
+        </p:nvSpPr>
+        <p:spPr>
+          <a:xfrm>
+            <a:off x="-314037" y="256719"/>
+            <a:ext cx="12191999" cy="825419"/>
+          </a:xfrm>
+          <a:prstGeom prst="rect">
+            <a:avLst/>
+          </a:prstGeom>
+          <a:noFill/>
+        </p:spPr>
+        <p:txBody>
+          <a:bodyPr wrap="square" rtlCol="0">
+            <a:spAutoFit/>
+          </a:bodyPr>
+          <a:lstStyle/>
+          <a:p>
+            <a:pPr algn="ctr">
+              <a:lnSpc>
+                <a:spcPct val="150000"/>
+              </a:lnSpc>
+            </a:pPr>
+            <a:r>
+              <a:rPr lang="en-US" altLang="zh-CN" sz="3600" dirty="0" err="1">
+                <a:solidFill>
+                  <a:schemeClr val="bg1"/>
+                </a:solidFill>
+                <a:latin typeface="微软雅黑" panose="020B0503020204020204" pitchFamily="34" charset="-122"/>
+                <a:ea typeface="微软雅黑" panose="020B0503020204020204" pitchFamily="34" charset="-122"/>
+              </a:rPr>
+              <a:t>Lingbo</a:t>
+            </a:r>
+            <a:r>
+              <a:rPr lang="en-US" altLang="zh-CN" sz="3600" dirty="0">
+                <a:solidFill>
+                  <a:schemeClr val="bg1"/>
+                </a:solidFill>
+                <a:latin typeface="微软雅黑" panose="020B0503020204020204" pitchFamily="34" charset="-122"/>
+                <a:ea typeface="微软雅黑" panose="020B0503020204020204" pitchFamily="34" charset="-122"/>
+              </a:rPr>
+              <a:t> </a:t>
+            </a:r>
+            <a:r>
+              <a:rPr lang="zh-CN" altLang="en-US" sz="3600" dirty="0">
+                <a:solidFill>
+                  <a:schemeClr val="bg1"/>
+                </a:solidFill>
+                <a:latin typeface="微软雅黑" panose="020B0503020204020204" pitchFamily="34" charset="-122"/>
+                <a:ea typeface="微软雅黑" panose="020B0503020204020204" pitchFamily="34" charset="-122"/>
+              </a:rPr>
+              <a:t>智能网卡</a:t>
+            </a:r>
+            <a:r>
+              <a:rPr lang="en-US" altLang="zh-CN" sz="3600" dirty="0">
+                <a:solidFill>
+                  <a:schemeClr val="bg1"/>
+                </a:solidFill>
+                <a:latin typeface="微软雅黑" panose="020B0503020204020204" pitchFamily="34" charset="-122"/>
+                <a:ea typeface="微软雅黑" panose="020B0503020204020204" pitchFamily="34" charset="-122"/>
+              </a:rPr>
+              <a:t>: </a:t>
+            </a:r>
+            <a:r>
+              <a:rPr lang="zh-CN" altLang="en-US" sz="3600" dirty="0">
+                <a:solidFill>
+                  <a:schemeClr val="bg1"/>
+                </a:solidFill>
+                <a:latin typeface="微软雅黑" panose="020B0503020204020204" pitchFamily="34" charset="-122"/>
+                <a:ea typeface="微软雅黑" panose="020B0503020204020204" pitchFamily="34" charset="-122"/>
+              </a:rPr>
+              <a:t>以超高吞吐为网络赋能</a:t>
+            </a:r>
+            <a:endParaRPr lang="en-US" altLang="zh-CN" sz="3600" dirty="0">
+              <a:solidFill>
+                <a:schemeClr val="bg1"/>
+              </a:solidFill>
+              <a:latin typeface="微软雅黑" panose="020B0503020204020204" pitchFamily="34" charset="-122"/>
+              <a:ea typeface="微软雅黑" panose="020B0503020204020204" pitchFamily="34" charset="-122"/>
+            </a:endParaRPr>
+          </a:p>
+        </p:txBody>
+      </p:sp>
+      <p:sp>
+        <p:nvSpPr>
+          <p:cNvPr id="15" name="文本框 14">
+            <a:extLst>
+              <a:ext uri="{FF2B5EF4-FFF2-40B4-BE49-F238E27FC236}">
+                <a16:creationId xmlns:a16="http://schemas.microsoft.com/office/drawing/2014/main" id="{B1A12D3A-0D9E-8DDC-DABD-3BC190F036FD}"/>
+              </a:ext>
+            </a:extLst>
+          </p:cNvPr>
+          <p:cNvSpPr txBox="1"/>
+          <p:nvPr/>
+        </p:nvSpPr>
+        <p:spPr>
+          <a:xfrm>
+            <a:off x="4701309" y="4276437"/>
+            <a:ext cx="3158836" cy="369332"/>
+          </a:xfrm>
+          <a:prstGeom prst="rect">
+            <a:avLst/>
+          </a:prstGeom>
+          <a:noFill/>
+        </p:spPr>
+        <p:txBody>
+          <a:bodyPr wrap="square" rtlCol="0">
+            <a:spAutoFit/>
+          </a:bodyPr>
+          <a:lstStyle/>
+          <a:p>
+            <a:r>
+              <a:rPr lang="zh-CN" altLang="en-US" b="1" dirty="0">
+                <a:solidFill>
+                  <a:srgbClr val="FF0000"/>
+                </a:solidFill>
+              </a:rPr>
+              <a:t>后面有完整到</a:t>
+            </a:r>
+            <a:r>
+              <a:rPr lang="en-US" altLang="zh-CN" b="1" dirty="0">
+                <a:solidFill>
+                  <a:srgbClr val="FF0000"/>
+                </a:solidFill>
+              </a:rPr>
+              <a:t>4MB</a:t>
+            </a:r>
+            <a:r>
+              <a:rPr lang="zh-CN" altLang="en-US" b="1" dirty="0">
+                <a:solidFill>
+                  <a:srgbClr val="FF0000"/>
+                </a:solidFill>
+              </a:rPr>
+              <a:t>的图</a:t>
+            </a:r>
+          </a:p>
+        </p:txBody>
+      </p:sp>
+    </p:spTree>
+    <p:extLst>
+      <p:ext uri="{BB962C8B-B14F-4D97-AF65-F5344CB8AC3E}">
+        <p14:creationId xmlns:p14="http://schemas.microsoft.com/office/powerpoint/2010/main" val="4288223867"/>
+      </p:ext>
+    </p:extLst>
+  </p:cSld>
+  <p:clrMapOvr>
+    <a:masterClrMapping/>
+  </p:clrMapOvr>
+</p:sld>
+</file>
+
+<file path=ppt/slides/slide6.xml><?xml version="1.0" encoding="utf-8"?>
+<p:sld xmlns:a="http://schemas.openxmlformats.org/drawingml/2006/main" xmlns:r="http://schemas.openxmlformats.org/officeDocument/2006/relationships" xmlns:p="http://schemas.openxmlformats.org/presentationml/2006/main">
+  <p:cSld>
+    <p:spTree>
+      <p:nvGrpSpPr>
+        <p:cNvPr id="1" name=""/>
+        <p:cNvGrpSpPr/>
+        <p:nvPr/>
+      </p:nvGrpSpPr>
+      <p:grpSpPr>
+        <a:xfrm>
+          <a:off x="0" y="0"/>
+          <a:ext cx="0" cy="0"/>
+          <a:chOff x="0" y="0"/>
+          <a:chExt cx="0" cy="0"/>
+        </a:xfrm>
+      </p:grpSpPr>
+      <p:sp>
+        <p:nvSpPr>
+          <p:cNvPr id="4" name="矩形 3">
+            <a:extLst>
+              <a:ext uri="{FF2B5EF4-FFF2-40B4-BE49-F238E27FC236}">
+                <a16:creationId xmlns:a16="http://schemas.microsoft.com/office/drawing/2014/main" id="{CF24AF9B-C218-5378-5AC8-B6326F5B69F4}"/>
+              </a:ext>
+            </a:extLst>
+          </p:cNvPr>
+          <p:cNvSpPr/>
+          <p:nvPr/>
+        </p:nvSpPr>
+        <p:spPr>
+          <a:xfrm>
+            <a:off x="0" y="0"/>
+            <a:ext cx="12192000" cy="6858000"/>
+          </a:xfrm>
+          <a:prstGeom prst="rect">
+            <a:avLst/>
+          </a:prstGeom>
+          <a:gradFill flip="none" rotWithShape="1">
+            <a:gsLst>
+              <a:gs pos="0">
+                <a:schemeClr val="tx1"/>
+              </a:gs>
+              <a:gs pos="100000">
+                <a:schemeClr val="tx1">
+                  <a:lumMod val="85000"/>
+                  <a:lumOff val="15000"/>
+                </a:schemeClr>
+              </a:gs>
+              <a:gs pos="93580">
+                <a:srgbClr val="262626"/>
+              </a:gs>
+              <a:gs pos="100000">
+                <a:schemeClr val="tx1">
+                  <a:lumMod val="85000"/>
+                  <a:lumOff val="15000"/>
+                </a:schemeClr>
+              </a:gs>
+              <a:gs pos="97000">
+                <a:schemeClr val="tx1">
+                  <a:lumMod val="85000"/>
+                  <a:lumOff val="15000"/>
+                </a:schemeClr>
+              </a:gs>
+            </a:gsLst>
+            <a:lin ang="16200000" scaled="1"/>
+            <a:tileRect/>
+          </a:gradFill>
+          <a:ln>
+            <a:noFill/>
+          </a:ln>
+        </p:spPr>
+        <p:style>
+          <a:lnRef idx="2">
+            <a:schemeClr val="accent1">
+              <a:shade val="15000"/>
+            </a:schemeClr>
+          </a:lnRef>
+          <a:fillRef idx="1">
+            <a:schemeClr val="accent1"/>
+          </a:fillRef>
+          <a:effectRef idx="0">
+            <a:schemeClr val="accent1"/>
+          </a:effectRef>
+          <a:fontRef idx="minor">
+            <a:schemeClr val="lt1"/>
+          </a:fontRef>
+        </p:style>
+        <p:txBody>
+          <a:bodyPr rtlCol="0" anchor="ctr"/>
+          <a:lstStyle/>
+          <a:p>
+            <a:pPr algn="ctr"/>
+            <a:endParaRPr lang="zh-CN" altLang="en-US" dirty="0">
+              <a:solidFill>
+                <a:srgbClr val="1B1B1B"/>
+              </a:solidFill>
+            </a:endParaRPr>
+          </a:p>
+        </p:txBody>
+      </p:sp>
+      <p:pic>
+        <p:nvPicPr>
+          <p:cNvPr id="2" name="图片 1" descr="微信图片_20231220161213">
+            <a:extLst>
+              <a:ext uri="{FF2B5EF4-FFF2-40B4-BE49-F238E27FC236}">
+                <a16:creationId xmlns:a16="http://schemas.microsoft.com/office/drawing/2014/main" id="{C444E564-6B1E-C3AC-F2AE-08B87A8C1C0A}"/>
+              </a:ext>
+            </a:extLst>
+          </p:cNvPr>
+          <p:cNvPicPr>
+            <a:picLocks noChangeAspect="1"/>
+          </p:cNvPicPr>
+          <p:nvPr/>
+        </p:nvPicPr>
+        <p:blipFill>
+          <a:blip r:embed="rId3"/>
+          <a:stretch>
+            <a:fillRect/>
+          </a:stretch>
+        </p:blipFill>
+        <p:spPr>
+          <a:xfrm>
+            <a:off x="221955" y="1542104"/>
+            <a:ext cx="2946117" cy="2566195"/>
+          </a:xfrm>
+          <a:prstGeom prst="rect">
+            <a:avLst/>
+          </a:prstGeom>
+          <a:effectLst>
+            <a:outerShdw blurRad="50800" dist="38100" dir="2700000" algn="tl" rotWithShape="0">
+              <a:prstClr val="black">
+                <a:alpha val="40000"/>
+              </a:prstClr>
+            </a:outerShdw>
+          </a:effectLst>
+        </p:spPr>
+      </p:pic>
+      <p:sp>
+        <p:nvSpPr>
+          <p:cNvPr id="3" name="文本框 2">
+            <a:extLst>
+              <a:ext uri="{FF2B5EF4-FFF2-40B4-BE49-F238E27FC236}">
+                <a16:creationId xmlns:a16="http://schemas.microsoft.com/office/drawing/2014/main" id="{4DC789D1-C034-D9BF-748E-9426DD3ADE95}"/>
+              </a:ext>
+            </a:extLst>
+          </p:cNvPr>
+          <p:cNvSpPr txBox="1"/>
+          <p:nvPr/>
+        </p:nvSpPr>
+        <p:spPr>
+          <a:xfrm>
+            <a:off x="291223" y="3887256"/>
+            <a:ext cx="2918322" cy="825419"/>
+          </a:xfrm>
+          <a:prstGeom prst="rect">
+            <a:avLst/>
+          </a:prstGeom>
+          <a:noFill/>
+        </p:spPr>
+        <p:txBody>
+          <a:bodyPr wrap="square" rtlCol="0">
+            <a:spAutoFit/>
+          </a:bodyPr>
+          <a:lstStyle/>
+          <a:p>
+            <a:pPr algn="ctr">
+              <a:lnSpc>
+                <a:spcPct val="150000"/>
+              </a:lnSpc>
+            </a:pPr>
+            <a:r>
+              <a:rPr lang="zh-CN" altLang="en-US" sz="3600" dirty="0">
+                <a:solidFill>
+                  <a:srgbClr val="F14040"/>
+                </a:solidFill>
+                <a:latin typeface="微软雅黑" panose="020B0503020204020204" pitchFamily="34" charset="-122"/>
+                <a:ea typeface="微软雅黑" panose="020B0503020204020204" pitchFamily="34" charset="-122"/>
+              </a:rPr>
+              <a:t>极低时延</a:t>
+            </a:r>
+            <a:endParaRPr lang="en-US" altLang="zh-CN" sz="3600" dirty="0">
+              <a:solidFill>
+                <a:srgbClr val="F14040"/>
+              </a:solidFill>
+              <a:latin typeface="微软雅黑" panose="020B0503020204020204" pitchFamily="34" charset="-122"/>
+              <a:ea typeface="微软雅黑" panose="020B0503020204020204" pitchFamily="34" charset="-122"/>
+            </a:endParaRPr>
+          </a:p>
+        </p:txBody>
+      </p:sp>
+      <p:sp>
+        <p:nvSpPr>
+          <p:cNvPr id="10" name="箭头: 燕尾形 9">
+            <a:extLst>
+              <a:ext uri="{FF2B5EF4-FFF2-40B4-BE49-F238E27FC236}">
+                <a16:creationId xmlns:a16="http://schemas.microsoft.com/office/drawing/2014/main" id="{770AB9DF-5887-E04E-5E1F-4F9111F0BA48}"/>
+              </a:ext>
+            </a:extLst>
+          </p:cNvPr>
+          <p:cNvSpPr/>
+          <p:nvPr/>
+        </p:nvSpPr>
+        <p:spPr>
+          <a:xfrm>
+            <a:off x="3297381" y="2022763"/>
+            <a:ext cx="1006764" cy="1570182"/>
+          </a:xfrm>
+          <a:prstGeom prst="notchedRightArrow">
+            <a:avLst/>
+          </a:prstGeom>
+          <a:gradFill flip="none" rotWithShape="1">
+            <a:gsLst>
+              <a:gs pos="0">
+                <a:srgbClr val="1B1B1B"/>
+              </a:gs>
+              <a:gs pos="71000">
+                <a:srgbClr val="F14040">
+                  <a:alpha val="91000"/>
+                </a:srgbClr>
+              </a:gs>
+              <a:gs pos="52000">
+                <a:srgbClr val="F14040">
+                  <a:alpha val="76000"/>
+                </a:srgbClr>
+              </a:gs>
+              <a:gs pos="93000">
+                <a:srgbClr val="F14040">
+                  <a:alpha val="88000"/>
+                </a:srgbClr>
+              </a:gs>
+              <a:gs pos="89000">
+                <a:srgbClr val="F14040"/>
+              </a:gs>
+            </a:gsLst>
+            <a:lin ang="0" scaled="1"/>
+            <a:tileRect/>
+          </a:gradFill>
+          <a:ln>
+            <a:noFill/>
+          </a:ln>
+        </p:spPr>
+        <p:style>
+          <a:lnRef idx="2">
+            <a:schemeClr val="accent1">
+              <a:shade val="15000"/>
+            </a:schemeClr>
+          </a:lnRef>
+          <a:fillRef idx="1">
+            <a:schemeClr val="accent1"/>
+          </a:fillRef>
+          <a:effectRef idx="0">
+            <a:schemeClr val="accent1"/>
+          </a:effectRef>
+          <a:fontRef idx="minor">
+            <a:schemeClr val="lt1"/>
+          </a:fontRef>
+        </p:style>
+        <p:txBody>
+          <a:bodyPr rtlCol="0" anchor="ctr"/>
+          <a:lstStyle/>
+          <a:p>
+            <a:pPr algn="ctr"/>
+            <a:endParaRPr lang="zh-CN" altLang="en-US"/>
+          </a:p>
+        </p:txBody>
+      </p:sp>
+      <p:pic>
+        <p:nvPicPr>
+          <p:cNvPr id="5" name="图片 4">
+            <a:extLst>
+              <a:ext uri="{FF2B5EF4-FFF2-40B4-BE49-F238E27FC236}">
+                <a16:creationId xmlns:a16="http://schemas.microsoft.com/office/drawing/2014/main" id="{02F0C660-4644-B918-AC30-5D63C4F59163}"/>
+              </a:ext>
+            </a:extLst>
+          </p:cNvPr>
+          <p:cNvPicPr>
+            <a:picLocks noChangeAspect="1"/>
+          </p:cNvPicPr>
+          <p:nvPr/>
+        </p:nvPicPr>
+        <p:blipFill>
+          <a:blip r:embed="rId4">
+            <a:extLst>
+              <a:ext uri="{28A0092B-C50C-407E-A947-70E740481C1C}">
+                <a14:useLocalDpi xmlns:a14="http://schemas.microsoft.com/office/drawing/2010/main" val="0"/>
+              </a:ext>
+            </a:extLst>
+          </a:blip>
+          <a:stretch>
+            <a:fillRect/>
+          </a:stretch>
+        </p:blipFill>
+        <p:spPr>
+          <a:xfrm>
+            <a:off x="4478423" y="1271197"/>
+            <a:ext cx="7060804" cy="3352803"/>
+          </a:xfrm>
+          <a:prstGeom prst="rect">
+            <a:avLst/>
+          </a:prstGeom>
+        </p:spPr>
+      </p:pic>
+      <p:sp>
+        <p:nvSpPr>
+          <p:cNvPr id="6" name="文本框 5">
+            <a:extLst>
+              <a:ext uri="{FF2B5EF4-FFF2-40B4-BE49-F238E27FC236}">
+                <a16:creationId xmlns:a16="http://schemas.microsoft.com/office/drawing/2014/main" id="{9E887872-D49B-9621-1D4D-AECAC0127D95}"/>
+              </a:ext>
+            </a:extLst>
+          </p:cNvPr>
+          <p:cNvSpPr txBox="1"/>
+          <p:nvPr/>
+        </p:nvSpPr>
+        <p:spPr>
+          <a:xfrm>
+            <a:off x="4525818" y="5098473"/>
+            <a:ext cx="5015346" cy="1156855"/>
+          </a:xfrm>
+          <a:prstGeom prst="rect">
+            <a:avLst/>
+          </a:prstGeom>
+          <a:noFill/>
+        </p:spPr>
+        <p:txBody>
+          <a:bodyPr wrap="square" rtlCol="0">
+            <a:spAutoFit/>
+          </a:bodyPr>
+          <a:lstStyle/>
+          <a:p>
+            <a:pPr>
+              <a:lnSpc>
+                <a:spcPct val="150000"/>
+              </a:lnSpc>
+            </a:pPr>
+            <a:r>
+              <a:rPr lang="zh-CN" altLang="en-US" sz="1600" dirty="0">
+                <a:solidFill>
+                  <a:schemeClr val="bg1"/>
+                </a:solidFill>
+                <a:latin typeface="微软雅黑" panose="020B0503020204020204" pitchFamily="34" charset="-122"/>
+                <a:ea typeface="微软雅黑" panose="020B0503020204020204" pitchFamily="34" charset="-122"/>
+              </a:rPr>
+              <a:t>测试条件</a:t>
+            </a:r>
+            <a:endParaRPr lang="en-US" altLang="zh-CN" sz="1600" dirty="0">
+              <a:solidFill>
+                <a:schemeClr val="bg1"/>
+              </a:solidFill>
+              <a:latin typeface="微软雅黑" panose="020B0503020204020204" pitchFamily="34" charset="-122"/>
+              <a:ea typeface="微软雅黑" panose="020B0503020204020204" pitchFamily="34" charset="-122"/>
+            </a:endParaRPr>
+          </a:p>
+          <a:p>
+            <a:pPr>
+              <a:lnSpc>
+                <a:spcPct val="150000"/>
+              </a:lnSpc>
+            </a:pPr>
+            <a:r>
+              <a:rPr lang="zh-CN" altLang="en-US" sz="1600" dirty="0">
+                <a:solidFill>
+                  <a:schemeClr val="bg1"/>
+                </a:solidFill>
+                <a:latin typeface="微软雅黑" panose="020B0503020204020204" pitchFamily="34" charset="-122"/>
+                <a:ea typeface="微软雅黑" panose="020B0503020204020204" pitchFamily="34" charset="-122"/>
+              </a:rPr>
+              <a:t>① </a:t>
+            </a:r>
+            <a:r>
+              <a:rPr lang="en-US" altLang="zh-CN" sz="1600" dirty="0">
+                <a:solidFill>
+                  <a:schemeClr val="accent4">
+                    <a:lumMod val="75000"/>
+                  </a:schemeClr>
+                </a:solidFill>
+                <a:latin typeface="微软雅黑" panose="020B0503020204020204" pitchFamily="34" charset="-122"/>
+                <a:ea typeface="微软雅黑" panose="020B0503020204020204" pitchFamily="34" charset="-122"/>
+              </a:rPr>
+              <a:t>1*100Gbps</a:t>
+            </a:r>
+            <a:r>
+              <a:rPr lang="zh-CN" altLang="en-US" sz="1600" dirty="0">
+                <a:solidFill>
+                  <a:schemeClr val="bg1"/>
+                </a:solidFill>
+                <a:latin typeface="微软雅黑" panose="020B0503020204020204" pitchFamily="34" charset="-122"/>
+                <a:ea typeface="微软雅黑" panose="020B0503020204020204" pitchFamily="34" charset="-122"/>
+              </a:rPr>
+              <a:t>端口        ② </a:t>
+            </a:r>
+            <a:r>
+              <a:rPr lang="zh-CN" altLang="en-US" sz="1600" dirty="0">
+                <a:solidFill>
+                  <a:schemeClr val="accent4">
+                    <a:lumMod val="75000"/>
+                  </a:schemeClr>
+                </a:solidFill>
+                <a:latin typeface="微软雅黑" panose="020B0503020204020204" pitchFamily="34" charset="-122"/>
+                <a:ea typeface="微软雅黑" panose="020B0503020204020204" pitchFamily="34" charset="-122"/>
+              </a:rPr>
+              <a:t>标准</a:t>
+            </a:r>
+            <a:r>
+              <a:rPr lang="zh-CN" altLang="en-US" sz="1600" dirty="0">
+                <a:solidFill>
+                  <a:schemeClr val="bg1"/>
+                </a:solidFill>
+                <a:latin typeface="微软雅黑" panose="020B0503020204020204" pitchFamily="34" charset="-122"/>
+                <a:ea typeface="微软雅黑" panose="020B0503020204020204" pitchFamily="34" charset="-122"/>
+              </a:rPr>
+              <a:t>接口</a:t>
+            </a:r>
+            <a:r>
+              <a:rPr lang="en-US" altLang="zh-CN" sz="1600" dirty="0" err="1">
+                <a:solidFill>
+                  <a:schemeClr val="bg1"/>
+                </a:solidFill>
+                <a:latin typeface="微软雅黑" panose="020B0503020204020204" pitchFamily="34" charset="-122"/>
+                <a:ea typeface="微软雅黑" panose="020B0503020204020204" pitchFamily="34" charset="-122"/>
+              </a:rPr>
+              <a:t>libibverbs</a:t>
+            </a:r>
+            <a:r>
+              <a:rPr lang="en-US" altLang="zh-CN" sz="1600" dirty="0">
+                <a:solidFill>
+                  <a:schemeClr val="bg1"/>
+                </a:solidFill>
+                <a:latin typeface="微软雅黑" panose="020B0503020204020204" pitchFamily="34" charset="-122"/>
+                <a:ea typeface="微软雅黑" panose="020B0503020204020204" pitchFamily="34" charset="-122"/>
+              </a:rPr>
+              <a:t> </a:t>
+            </a:r>
+          </a:p>
+          <a:p>
+            <a:pPr>
+              <a:lnSpc>
+                <a:spcPct val="150000"/>
+              </a:lnSpc>
+            </a:pPr>
+            <a:r>
+              <a:rPr lang="zh-CN" altLang="en-US" sz="1600" dirty="0">
+                <a:solidFill>
+                  <a:schemeClr val="bg1"/>
+                </a:solidFill>
+                <a:latin typeface="微软雅黑" panose="020B0503020204020204" pitchFamily="34" charset="-122"/>
+                <a:ea typeface="微软雅黑" panose="020B0503020204020204" pitchFamily="34" charset="-122"/>
+              </a:rPr>
+              <a:t>③</a:t>
+            </a:r>
+            <a:r>
+              <a:rPr lang="zh-CN" altLang="en-US" sz="1600" dirty="0">
+                <a:solidFill>
+                  <a:schemeClr val="accent4">
+                    <a:lumMod val="75000"/>
+                  </a:schemeClr>
+                </a:solidFill>
+                <a:latin typeface="微软雅黑" panose="020B0503020204020204" pitchFamily="34" charset="-122"/>
+                <a:ea typeface="微软雅黑" panose="020B0503020204020204" pitchFamily="34" charset="-122"/>
+              </a:rPr>
+              <a:t> </a:t>
+            </a:r>
+            <a:r>
+              <a:rPr lang="en-US" altLang="zh-CN" sz="1600" dirty="0">
+                <a:solidFill>
+                  <a:schemeClr val="accent4">
+                    <a:lumMod val="75000"/>
+                  </a:schemeClr>
+                </a:solidFill>
+                <a:latin typeface="微软雅黑" panose="020B0503020204020204" pitchFamily="34" charset="-122"/>
+                <a:ea typeface="微软雅黑" panose="020B0503020204020204" pitchFamily="34" charset="-122"/>
+              </a:rPr>
+              <a:t>P2P</a:t>
+            </a:r>
+            <a:r>
+              <a:rPr lang="zh-CN" altLang="en-US" sz="1600" dirty="0">
+                <a:solidFill>
+                  <a:schemeClr val="bg1"/>
+                </a:solidFill>
+                <a:latin typeface="微软雅黑" panose="020B0503020204020204" pitchFamily="34" charset="-122"/>
+                <a:ea typeface="微软雅黑" panose="020B0503020204020204" pitchFamily="34" charset="-122"/>
+              </a:rPr>
+              <a:t>端点直连</a:t>
+            </a:r>
+            <a:r>
+              <a:rPr lang="en-US" altLang="zh-CN" sz="1600" dirty="0">
+                <a:solidFill>
+                  <a:schemeClr val="bg1"/>
+                </a:solidFill>
+                <a:latin typeface="微软雅黑" panose="020B0503020204020204" pitchFamily="34" charset="-122"/>
+                <a:ea typeface="微软雅黑" panose="020B0503020204020204" pitchFamily="34" charset="-122"/>
+              </a:rPr>
+              <a:t>             </a:t>
+            </a:r>
+            <a:r>
+              <a:rPr lang="zh-CN" altLang="en-US" sz="1600" dirty="0">
+                <a:solidFill>
+                  <a:schemeClr val="bg1"/>
+                </a:solidFill>
+                <a:latin typeface="微软雅黑" panose="020B0503020204020204" pitchFamily="34" charset="-122"/>
+                <a:ea typeface="微软雅黑" panose="020B0503020204020204" pitchFamily="34" charset="-122"/>
+              </a:rPr>
+              <a:t>④ </a:t>
+            </a:r>
+            <a:r>
+              <a:rPr lang="zh-CN" altLang="en-US" sz="1600" dirty="0">
+                <a:solidFill>
+                  <a:schemeClr val="accent4">
+                    <a:lumMod val="75000"/>
+                  </a:schemeClr>
+                </a:solidFill>
+                <a:latin typeface="微软雅黑" panose="020B0503020204020204" pitchFamily="34" charset="-122"/>
+                <a:ea typeface="微软雅黑" panose="020B0503020204020204" pitchFamily="34" charset="-122"/>
+              </a:rPr>
+              <a:t>逐次</a:t>
+            </a:r>
+            <a:r>
+              <a:rPr lang="zh-CN" altLang="en-US" sz="1600" dirty="0">
+                <a:solidFill>
+                  <a:schemeClr val="bg1"/>
+                </a:solidFill>
+                <a:latin typeface="微软雅黑" panose="020B0503020204020204" pitchFamily="34" charset="-122"/>
+                <a:ea typeface="微软雅黑" panose="020B0503020204020204" pitchFamily="34" charset="-122"/>
+              </a:rPr>
+              <a:t>发送 </a:t>
+            </a:r>
+            <a:endParaRPr lang="en-US" altLang="zh-CN" sz="1600" dirty="0">
+              <a:solidFill>
+                <a:schemeClr val="bg1"/>
+              </a:solidFill>
+              <a:latin typeface="微软雅黑" panose="020B0503020204020204" pitchFamily="34" charset="-122"/>
+              <a:ea typeface="微软雅黑" panose="020B0503020204020204" pitchFamily="34" charset="-122"/>
+            </a:endParaRPr>
+          </a:p>
+        </p:txBody>
+      </p:sp>
+      <p:sp>
+        <p:nvSpPr>
+          <p:cNvPr id="8" name="文本框 7">
+            <a:extLst>
+              <a:ext uri="{FF2B5EF4-FFF2-40B4-BE49-F238E27FC236}">
+                <a16:creationId xmlns:a16="http://schemas.microsoft.com/office/drawing/2014/main" id="{200B4F19-0EC3-8C68-E42F-3AE8ED6FB63E}"/>
+              </a:ext>
+            </a:extLst>
+          </p:cNvPr>
+          <p:cNvSpPr txBox="1"/>
+          <p:nvPr/>
+        </p:nvSpPr>
+        <p:spPr>
+          <a:xfrm>
+            <a:off x="-314037" y="256719"/>
+            <a:ext cx="12191999" cy="825419"/>
+          </a:xfrm>
+          <a:prstGeom prst="rect">
+            <a:avLst/>
+          </a:prstGeom>
+          <a:noFill/>
+        </p:spPr>
+        <p:txBody>
+          <a:bodyPr wrap="square" rtlCol="0">
+            <a:spAutoFit/>
+          </a:bodyPr>
+          <a:lstStyle/>
+          <a:p>
+            <a:pPr algn="ctr">
+              <a:lnSpc>
+                <a:spcPct val="150000"/>
+              </a:lnSpc>
+            </a:pPr>
+            <a:r>
+              <a:rPr lang="en-US" altLang="zh-CN" sz="3600" dirty="0" err="1">
+                <a:solidFill>
+                  <a:schemeClr val="bg1"/>
+                </a:solidFill>
+                <a:latin typeface="微软雅黑" panose="020B0503020204020204" pitchFamily="34" charset="-122"/>
+                <a:ea typeface="微软雅黑" panose="020B0503020204020204" pitchFamily="34" charset="-122"/>
+              </a:rPr>
+              <a:t>Lingbo</a:t>
+            </a:r>
+            <a:r>
+              <a:rPr lang="en-US" altLang="zh-CN" sz="3600" dirty="0">
+                <a:solidFill>
+                  <a:schemeClr val="bg1"/>
+                </a:solidFill>
+                <a:latin typeface="微软雅黑" panose="020B0503020204020204" pitchFamily="34" charset="-122"/>
+                <a:ea typeface="微软雅黑" panose="020B0503020204020204" pitchFamily="34" charset="-122"/>
+              </a:rPr>
+              <a:t> </a:t>
+            </a:r>
+            <a:r>
+              <a:rPr lang="zh-CN" altLang="en-US" sz="3600" dirty="0">
+                <a:solidFill>
+                  <a:schemeClr val="bg1"/>
+                </a:solidFill>
+                <a:latin typeface="微软雅黑" panose="020B0503020204020204" pitchFamily="34" charset="-122"/>
+                <a:ea typeface="微软雅黑" panose="020B0503020204020204" pitchFamily="34" charset="-122"/>
+              </a:rPr>
+              <a:t>智能网卡</a:t>
+            </a:r>
+            <a:r>
+              <a:rPr lang="en-US" altLang="zh-CN" sz="3600" dirty="0">
+                <a:solidFill>
+                  <a:schemeClr val="bg1"/>
+                </a:solidFill>
+                <a:latin typeface="微软雅黑" panose="020B0503020204020204" pitchFamily="34" charset="-122"/>
+                <a:ea typeface="微软雅黑" panose="020B0503020204020204" pitchFamily="34" charset="-122"/>
+              </a:rPr>
+              <a:t>: </a:t>
+            </a:r>
+            <a:r>
+              <a:rPr lang="zh-CN" altLang="en-US" sz="3600" dirty="0">
+                <a:solidFill>
+                  <a:schemeClr val="bg1"/>
+                </a:solidFill>
+                <a:latin typeface="微软雅黑" panose="020B0503020204020204" pitchFamily="34" charset="-122"/>
+                <a:ea typeface="微软雅黑" panose="020B0503020204020204" pitchFamily="34" charset="-122"/>
+              </a:rPr>
+              <a:t>以极低时延为应用领航</a:t>
+            </a:r>
+            <a:endParaRPr lang="en-US" altLang="zh-CN" sz="3600" dirty="0">
+              <a:solidFill>
+                <a:schemeClr val="bg1"/>
+              </a:solidFill>
+              <a:latin typeface="微软雅黑" panose="020B0503020204020204" pitchFamily="34" charset="-122"/>
+              <a:ea typeface="微软雅黑" panose="020B0503020204020204" pitchFamily="34" charset="-122"/>
+            </a:endParaRPr>
+          </a:p>
+        </p:txBody>
+      </p:sp>
+    </p:spTree>
+    <p:extLst>
+      <p:ext uri="{BB962C8B-B14F-4D97-AF65-F5344CB8AC3E}">
+        <p14:creationId xmlns:p14="http://schemas.microsoft.com/office/powerpoint/2010/main" val="1153186836"/>
+      </p:ext>
+    </p:extLst>
+  </p:cSld>
+  <p:clrMapOvr>
+    <a:masterClrMapping/>
+  </p:clrMapOvr>
+</p:sld>
+</file>
+
+<file path=ppt/slides/slide7.xml><?xml version="1.0" encoding="utf-8"?>
+<p:sld xmlns:a="http://schemas.openxmlformats.org/drawingml/2006/main" xmlns:r="http://schemas.openxmlformats.org/officeDocument/2006/relationships" xmlns:p="http://schemas.openxmlformats.org/presentationml/2006/main">
+  <p:cSld>
+    <p:spTree>
+      <p:nvGrpSpPr>
+        <p:cNvPr id="1" name=""/>
+        <p:cNvGrpSpPr/>
+        <p:nvPr/>
+      </p:nvGrpSpPr>
+      <p:grpSpPr>
+        <a:xfrm>
+          <a:off x="0" y="0"/>
+          <a:ext cx="0" cy="0"/>
+          <a:chOff x="0" y="0"/>
+          <a:chExt cx="0" cy="0"/>
+        </a:xfrm>
+      </p:grpSpPr>
+      <p:sp>
+        <p:nvSpPr>
+          <p:cNvPr id="4" name="矩形 3">
+            <a:extLst>
+              <a:ext uri="{FF2B5EF4-FFF2-40B4-BE49-F238E27FC236}">
+                <a16:creationId xmlns:a16="http://schemas.microsoft.com/office/drawing/2014/main" id="{CF24AF9B-C218-5378-5AC8-B6326F5B69F4}"/>
+              </a:ext>
+            </a:extLst>
+          </p:cNvPr>
+          <p:cNvSpPr/>
+          <p:nvPr/>
+        </p:nvSpPr>
+        <p:spPr>
+          <a:xfrm>
+            <a:off x="0" y="3"/>
+            <a:ext cx="12192000" cy="6858000"/>
+          </a:xfrm>
+          <a:prstGeom prst="rect">
+            <a:avLst/>
+          </a:prstGeom>
+          <a:gradFill flip="none" rotWithShape="1">
+            <a:gsLst>
+              <a:gs pos="0">
+                <a:schemeClr val="tx1"/>
+              </a:gs>
+              <a:gs pos="100000">
+                <a:schemeClr val="tx1">
+                  <a:lumMod val="85000"/>
+                  <a:lumOff val="15000"/>
+                </a:schemeClr>
+              </a:gs>
+              <a:gs pos="93580">
+                <a:srgbClr val="262626"/>
+              </a:gs>
+              <a:gs pos="100000">
+                <a:schemeClr val="tx1">
+                  <a:lumMod val="85000"/>
+                  <a:lumOff val="15000"/>
+                </a:schemeClr>
+              </a:gs>
+              <a:gs pos="97000">
+                <a:schemeClr val="tx1">
+                  <a:lumMod val="85000"/>
+                  <a:lumOff val="15000"/>
+                </a:schemeClr>
+              </a:gs>
+            </a:gsLst>
+            <a:lin ang="16200000" scaled="1"/>
+            <a:tileRect/>
+          </a:gradFill>
+          <a:ln>
+            <a:noFill/>
+          </a:ln>
+        </p:spPr>
+        <p:style>
+          <a:lnRef idx="2">
+            <a:schemeClr val="accent1">
+              <a:shade val="15000"/>
+            </a:schemeClr>
+          </a:lnRef>
+          <a:fillRef idx="1">
+            <a:schemeClr val="accent1"/>
+          </a:fillRef>
+          <a:effectRef idx="0">
+            <a:schemeClr val="accent1"/>
+          </a:effectRef>
+          <a:fontRef idx="minor">
+            <a:schemeClr val="lt1"/>
+          </a:fontRef>
+        </p:style>
+        <p:txBody>
+          <a:bodyPr rtlCol="0" anchor="ctr"/>
+          <a:lstStyle/>
+          <a:p>
+            <a:pPr algn="ctr"/>
+            <a:endParaRPr lang="zh-CN" altLang="en-US" dirty="0">
+              <a:solidFill>
+                <a:srgbClr val="1B1B1B"/>
+              </a:solidFill>
+            </a:endParaRPr>
+          </a:p>
+        </p:txBody>
+      </p:sp>
+      <p:pic>
+        <p:nvPicPr>
+          <p:cNvPr id="2" name="图片 1" descr="微信图片_20231220161213">
+            <a:extLst>
+              <a:ext uri="{FF2B5EF4-FFF2-40B4-BE49-F238E27FC236}">
+                <a16:creationId xmlns:a16="http://schemas.microsoft.com/office/drawing/2014/main" id="{C444E564-6B1E-C3AC-F2AE-08B87A8C1C0A}"/>
+              </a:ext>
+            </a:extLst>
+          </p:cNvPr>
+          <p:cNvPicPr>
+            <a:picLocks noChangeAspect="1"/>
+          </p:cNvPicPr>
+          <p:nvPr/>
+        </p:nvPicPr>
+        <p:blipFill rotWithShape="1">
+          <a:blip r:embed="rId3"/>
+          <a:srcRect l="11864" t="18059" r="2136" b="12725"/>
+          <a:stretch/>
+        </p:blipFill>
+        <p:spPr>
+          <a:xfrm>
+            <a:off x="4617166" y="1018955"/>
+            <a:ext cx="2569464" cy="1801369"/>
+          </a:xfrm>
+          <a:prstGeom prst="rect">
+            <a:avLst/>
+          </a:prstGeom>
+          <a:effectLst>
+            <a:outerShdw blurRad="63500" dir="5400000" sx="5000" sy="5000" rotWithShape="0">
+              <a:prstClr val="black">
+                <a:alpha val="48000"/>
+              </a:prstClr>
+            </a:outerShdw>
+            <a:reflection blurRad="6350" stA="94000" endPos="58000" dir="5400000" sy="-100000" algn="bl" rotWithShape="0"/>
+          </a:effectLst>
+        </p:spPr>
+      </p:pic>
+      <p:sp>
+        <p:nvSpPr>
+          <p:cNvPr id="11" name="矩形 10">
+            <a:extLst>
+              <a:ext uri="{FF2B5EF4-FFF2-40B4-BE49-F238E27FC236}">
+                <a16:creationId xmlns:a16="http://schemas.microsoft.com/office/drawing/2014/main" id="{85CCA784-CEA8-1DB4-17A6-D2238307ED71}"/>
+              </a:ext>
+            </a:extLst>
+          </p:cNvPr>
+          <p:cNvSpPr/>
+          <p:nvPr/>
+        </p:nvSpPr>
+        <p:spPr>
+          <a:xfrm>
+            <a:off x="4261587" y="4112643"/>
+            <a:ext cx="3262433" cy="1846659"/>
+          </a:xfrm>
+          <a:prstGeom prst="rect">
+            <a:avLst/>
+          </a:prstGeom>
+          <a:noFill/>
+        </p:spPr>
+        <p:txBody>
+          <a:bodyPr wrap="none" lIns="91440" tIns="45720" rIns="91440" bIns="45720">
+            <a:spAutoFit/>
+            <a:scene3d>
+              <a:camera prst="perspectiveRelaxed"/>
+              <a:lightRig rig="threePt" dir="t"/>
+            </a:scene3d>
+          </a:bodyPr>
+          <a:lstStyle/>
+          <a:p>
+            <a:pPr algn="ctr"/>
+            <a:r>
+              <a:rPr lang="zh-CN" altLang="en-US" sz="5400" b="1" cap="none" spc="0" dirty="0">
+                <a:ln w="0"/>
+                <a:gradFill flip="none" rotWithShape="1">
+                  <a:gsLst>
+                    <a:gs pos="0">
+                      <a:schemeClr val="bg1"/>
+                    </a:gs>
+                    <a:gs pos="50000">
+                      <a:schemeClr val="accent1">
+                        <a:tint val="44500"/>
+                        <a:satMod val="160000"/>
+                      </a:schemeClr>
+                    </a:gs>
+                    <a:gs pos="100000">
+                      <a:schemeClr val="accent1">
+                        <a:lumMod val="60000"/>
+                        <a:lumOff val="40000"/>
+                      </a:schemeClr>
+                    </a:gs>
+                  </a:gsLst>
+                  <a:lin ang="5400000" scaled="1"/>
+                  <a:tileRect/>
+                </a:gradFill>
+                <a:effectLst>
+                  <a:outerShdw blurRad="38100" dist="25400" dir="5400000" algn="ctr" rotWithShape="0">
+                    <a:srgbClr val="6E747A">
+                      <a:alpha val="43000"/>
+                    </a:srgbClr>
+                  </a:outerShdw>
+                </a:effectLst>
+              </a:rPr>
+              <a:t>性能卓越</a:t>
+            </a:r>
+            <a:endParaRPr lang="en-US" altLang="zh-CN" sz="5400" b="1" cap="none" spc="0" dirty="0">
+              <a:ln w="0"/>
+              <a:gradFill flip="none" rotWithShape="1">
+                <a:gsLst>
+                  <a:gs pos="0">
+                    <a:schemeClr val="bg1"/>
+                  </a:gs>
+                  <a:gs pos="50000">
+                    <a:schemeClr val="accent1">
+                      <a:tint val="44500"/>
+                      <a:satMod val="160000"/>
+                    </a:schemeClr>
+                  </a:gs>
+                  <a:gs pos="100000">
+                    <a:schemeClr val="accent1">
+                      <a:lumMod val="60000"/>
+                      <a:lumOff val="40000"/>
+                    </a:schemeClr>
+                  </a:gs>
+                </a:gsLst>
+                <a:lin ang="5400000" scaled="1"/>
+                <a:tileRect/>
+              </a:gradFill>
+              <a:effectLst>
+                <a:outerShdw blurRad="38100" dist="25400" dir="5400000" algn="ctr" rotWithShape="0">
+                  <a:srgbClr val="6E747A">
+                    <a:alpha val="43000"/>
+                  </a:srgbClr>
+                </a:outerShdw>
+              </a:effectLst>
+            </a:endParaRPr>
+          </a:p>
+          <a:p>
+            <a:pPr algn="ctr"/>
+            <a:r>
+              <a:rPr lang="zh-CN" altLang="en-US" sz="6000" b="1" dirty="0">
+                <a:ln w="0"/>
+                <a:gradFill flip="none" rotWithShape="1">
+                  <a:gsLst>
+                    <a:gs pos="0">
+                      <a:schemeClr val="bg1"/>
+                    </a:gs>
+                    <a:gs pos="50000">
+                      <a:schemeClr val="accent1">
+                        <a:tint val="44500"/>
+                        <a:satMod val="160000"/>
+                      </a:schemeClr>
+                    </a:gs>
+                    <a:gs pos="100000">
+                      <a:schemeClr val="accent1">
+                        <a:lumMod val="60000"/>
+                        <a:lumOff val="40000"/>
+                      </a:schemeClr>
+                    </a:gs>
+                  </a:gsLst>
+                  <a:lin ang="5400000" scaled="1"/>
+                  <a:tileRect/>
+                </a:gradFill>
+                <a:effectLst>
+                  <a:outerShdw blurRad="38100" dist="25400" dir="5400000" algn="ctr" rotWithShape="0">
+                    <a:srgbClr val="6E747A">
+                      <a:alpha val="43000"/>
+                    </a:srgbClr>
+                  </a:outerShdw>
+                </a:effectLst>
+              </a:rPr>
+              <a:t>效益可观</a:t>
+            </a:r>
+            <a:endParaRPr lang="zh-CN" altLang="en-US" sz="6000" b="1" cap="none" spc="0" dirty="0">
+              <a:ln w="0"/>
+              <a:gradFill flip="none" rotWithShape="1">
+                <a:gsLst>
+                  <a:gs pos="0">
+                    <a:schemeClr val="bg1"/>
+                  </a:gs>
+                  <a:gs pos="50000">
+                    <a:schemeClr val="accent1">
+                      <a:tint val="44500"/>
+                      <a:satMod val="160000"/>
+                    </a:schemeClr>
+                  </a:gs>
+                  <a:gs pos="100000">
+                    <a:schemeClr val="accent1">
+                      <a:lumMod val="60000"/>
+                      <a:lumOff val="40000"/>
+                    </a:schemeClr>
+                  </a:gs>
+                </a:gsLst>
+                <a:lin ang="5400000" scaled="1"/>
+                <a:tileRect/>
+              </a:gradFill>
+              <a:effectLst>
+                <a:outerShdw blurRad="38100" dist="25400" dir="5400000" algn="ctr" rotWithShape="0">
+                  <a:srgbClr val="6E747A">
+                    <a:alpha val="43000"/>
+                  </a:srgbClr>
+                </a:outerShdw>
+              </a:effectLst>
+            </a:endParaRPr>
+          </a:p>
+        </p:txBody>
+      </p:sp>
+      <p:grpSp>
+        <p:nvGrpSpPr>
+          <p:cNvPr id="25" name="组合 24">
+            <a:extLst>
+              <a:ext uri="{FF2B5EF4-FFF2-40B4-BE49-F238E27FC236}">
+                <a16:creationId xmlns:a16="http://schemas.microsoft.com/office/drawing/2014/main" id="{B4CBE1F0-CE43-A39B-5FA2-951767297B7B}"/>
+              </a:ext>
+            </a:extLst>
+          </p:cNvPr>
+          <p:cNvGrpSpPr/>
+          <p:nvPr/>
+        </p:nvGrpSpPr>
+        <p:grpSpPr>
+          <a:xfrm>
+            <a:off x="424876" y="202728"/>
+            <a:ext cx="2955636" cy="2078181"/>
+            <a:chOff x="544948" y="665019"/>
+            <a:chExt cx="2955636" cy="2078181"/>
+          </a:xfrm>
+        </p:grpSpPr>
+        <p:sp>
+          <p:nvSpPr>
+            <p:cNvPr id="12" name="矩形 11">
+              <a:extLst>
+                <a:ext uri="{FF2B5EF4-FFF2-40B4-BE49-F238E27FC236}">
+                  <a16:creationId xmlns:a16="http://schemas.microsoft.com/office/drawing/2014/main" id="{ECD16F41-76C8-0AF4-5F1C-BF3C2F85DDB7}"/>
+                </a:ext>
+              </a:extLst>
+            </p:cNvPr>
+            <p:cNvSpPr/>
+            <p:nvPr/>
+          </p:nvSpPr>
+          <p:spPr>
+            <a:xfrm>
+              <a:off x="544948" y="858982"/>
+              <a:ext cx="2955636" cy="1884218"/>
+            </a:xfrm>
+            <a:prstGeom prst="rect">
+              <a:avLst/>
+            </a:prstGeom>
+            <a:solidFill>
+              <a:schemeClr val="tx1">
+                <a:lumMod val="85000"/>
+                <a:lumOff val="15000"/>
+              </a:schemeClr>
+            </a:solidFill>
+            <a:ln w="28575">
+              <a:solidFill>
+                <a:schemeClr val="bg2">
+                  <a:lumMod val="75000"/>
+                </a:schemeClr>
+              </a:solidFill>
+            </a:ln>
+          </p:spPr>
+          <p:style>
+            <a:lnRef idx="2">
+              <a:schemeClr val="accent1">
+                <a:shade val="15000"/>
+              </a:schemeClr>
+            </a:lnRef>
+            <a:fillRef idx="1">
+              <a:schemeClr val="accent1"/>
+            </a:fillRef>
+            <a:effectRef idx="0">
+              <a:schemeClr val="accent1"/>
+            </a:effectRef>
+            <a:fontRef idx="minor">
+              <a:schemeClr val="lt1"/>
+            </a:fontRef>
+          </p:style>
+          <p:txBody>
+            <a:bodyPr rtlCol="0" anchor="ctr"/>
+            <a:lstStyle/>
+            <a:p>
+              <a:pPr algn="ctr">
+                <a:lnSpc>
+                  <a:spcPct val="150000"/>
+                </a:lnSpc>
+              </a:pPr>
+              <a:r>
+                <a:rPr lang="en-US" altLang="zh-CN" sz="2800" dirty="0">
+                  <a:solidFill>
+                    <a:srgbClr val="FFFF5B"/>
+                  </a:solidFill>
+                  <a:latin typeface="微软雅黑" panose="020B0503020204020204" pitchFamily="34" charset="-122"/>
+                  <a:ea typeface="微软雅黑" panose="020B0503020204020204" pitchFamily="34" charset="-122"/>
+                </a:rPr>
+                <a:t>100Gbps/2~3μs</a:t>
+              </a:r>
+            </a:p>
+            <a:p>
+              <a:pPr algn="ctr">
+                <a:lnSpc>
+                  <a:spcPct val="150000"/>
+                </a:lnSpc>
+              </a:pPr>
+              <a:r>
+                <a:rPr lang="zh-CN" altLang="en-US" sz="1600" dirty="0">
+                  <a:solidFill>
+                    <a:schemeClr val="bg1">
+                      <a:lumMod val="75000"/>
+                    </a:schemeClr>
+                  </a:solidFill>
+                  <a:latin typeface="微软雅黑" panose="020B0503020204020204" pitchFamily="34" charset="-122"/>
+                  <a:ea typeface="微软雅黑" panose="020B0503020204020204" pitchFamily="34" charset="-122"/>
+                </a:rPr>
+                <a:t>高性能的网卡</a:t>
+              </a:r>
+            </a:p>
+          </p:txBody>
+        </p:sp>
+        <p:sp>
+          <p:nvSpPr>
+            <p:cNvPr id="13" name="矩形 12">
+              <a:extLst>
+                <a:ext uri="{FF2B5EF4-FFF2-40B4-BE49-F238E27FC236}">
+                  <a16:creationId xmlns:a16="http://schemas.microsoft.com/office/drawing/2014/main" id="{58732E75-9F31-B4D1-9D8D-CA10436EFF20}"/>
+                </a:ext>
+              </a:extLst>
+            </p:cNvPr>
+            <p:cNvSpPr/>
+            <p:nvPr/>
+          </p:nvSpPr>
+          <p:spPr>
+            <a:xfrm>
+              <a:off x="1214584" y="665019"/>
+              <a:ext cx="1616364" cy="397163"/>
+            </a:xfrm>
+            <a:prstGeom prst="rect">
+              <a:avLst/>
+            </a:prstGeom>
+            <a:solidFill>
+              <a:srgbClr val="9C1010"/>
+            </a:solidFill>
+            <a:ln>
+              <a:noFill/>
+            </a:ln>
+          </p:spPr>
+          <p:style>
+            <a:lnRef idx="2">
+              <a:schemeClr val="accent1">
+                <a:shade val="15000"/>
+              </a:schemeClr>
+            </a:lnRef>
+            <a:fillRef idx="1">
+              <a:schemeClr val="accent1"/>
+            </a:fillRef>
+            <a:effectRef idx="0">
+              <a:schemeClr val="accent1"/>
+            </a:effectRef>
+            <a:fontRef idx="minor">
+              <a:schemeClr val="lt1"/>
+            </a:fontRef>
+          </p:style>
+          <p:txBody>
+            <a:bodyPr rtlCol="0" anchor="ctr"/>
+            <a:lstStyle/>
+            <a:p>
+              <a:pPr algn="ctr"/>
+              <a:r>
+                <a:rPr lang="zh-CN" altLang="en-US" b="1" kern="1600" dirty="0">
+                  <a:latin typeface="微软雅黑" panose="020B0503020204020204" pitchFamily="34" charset="-122"/>
+                  <a:ea typeface="微软雅黑" panose="020B0503020204020204" pitchFamily="34" charset="-122"/>
+                </a:rPr>
+                <a:t>网络时延</a:t>
+              </a:r>
+            </a:p>
+          </p:txBody>
+        </p:sp>
+      </p:grpSp>
+      <p:grpSp>
+        <p:nvGrpSpPr>
+          <p:cNvPr id="27" name="组合 26">
+            <a:extLst>
+              <a:ext uri="{FF2B5EF4-FFF2-40B4-BE49-F238E27FC236}">
+                <a16:creationId xmlns:a16="http://schemas.microsoft.com/office/drawing/2014/main" id="{8A299F40-F6C3-F8FE-A903-CA4B2F6234B8}"/>
+              </a:ext>
+            </a:extLst>
+          </p:cNvPr>
+          <p:cNvGrpSpPr/>
+          <p:nvPr/>
+        </p:nvGrpSpPr>
+        <p:grpSpPr>
+          <a:xfrm>
+            <a:off x="411021" y="2414932"/>
+            <a:ext cx="2955636" cy="1482435"/>
+            <a:chOff x="544948" y="665019"/>
+            <a:chExt cx="2955636" cy="1482435"/>
+          </a:xfrm>
+        </p:grpSpPr>
+        <p:sp>
+          <p:nvSpPr>
+            <p:cNvPr id="28" name="矩形 27">
+              <a:extLst>
+                <a:ext uri="{FF2B5EF4-FFF2-40B4-BE49-F238E27FC236}">
+                  <a16:creationId xmlns:a16="http://schemas.microsoft.com/office/drawing/2014/main" id="{D1D1F317-BCBF-44E4-978B-9C75EFC510D1}"/>
+                </a:ext>
+              </a:extLst>
+            </p:cNvPr>
+            <p:cNvSpPr/>
+            <p:nvPr/>
+          </p:nvSpPr>
+          <p:spPr>
+            <a:xfrm>
+              <a:off x="544948" y="858982"/>
+              <a:ext cx="2955636" cy="1288472"/>
+            </a:xfrm>
+            <a:prstGeom prst="rect">
+              <a:avLst/>
+            </a:prstGeom>
+            <a:solidFill>
+              <a:schemeClr val="tx1">
+                <a:lumMod val="85000"/>
+                <a:lumOff val="15000"/>
+              </a:schemeClr>
+            </a:solidFill>
+            <a:ln w="28575">
+              <a:solidFill>
+                <a:schemeClr val="bg2">
+                  <a:lumMod val="75000"/>
+                </a:schemeClr>
+              </a:solidFill>
+            </a:ln>
+          </p:spPr>
+          <p:style>
+            <a:lnRef idx="2">
+              <a:schemeClr val="accent1">
+                <a:shade val="15000"/>
+              </a:schemeClr>
+            </a:lnRef>
+            <a:fillRef idx="1">
+              <a:schemeClr val="accent1"/>
+            </a:fillRef>
+            <a:effectRef idx="0">
+              <a:schemeClr val="accent1"/>
+            </a:effectRef>
+            <a:fontRef idx="minor">
+              <a:schemeClr val="lt1"/>
+            </a:fontRef>
+          </p:style>
+          <p:txBody>
+            <a:bodyPr rtlCol="0" anchor="ctr"/>
+            <a:lstStyle/>
+            <a:p>
+              <a:pPr algn="ctr">
+                <a:lnSpc>
+                  <a:spcPct val="150000"/>
+                </a:lnSpc>
+              </a:pPr>
+              <a:r>
+                <a:rPr lang="zh-CN" altLang="en-US" sz="2800" dirty="0">
+                  <a:solidFill>
+                    <a:srgbClr val="FFFF5B"/>
+                  </a:solidFill>
+                  <a:latin typeface="微软雅黑" panose="020B0503020204020204" pitchFamily="34" charset="-122"/>
+                  <a:ea typeface="微软雅黑" panose="020B0503020204020204" pitchFamily="34" charset="-122"/>
+                </a:rPr>
+                <a:t>单卡</a:t>
+              </a:r>
+              <a:r>
+                <a:rPr lang="en-US" altLang="zh-CN" sz="2800" dirty="0">
+                  <a:solidFill>
+                    <a:srgbClr val="FFFF5B"/>
+                  </a:solidFill>
+                  <a:latin typeface="微软雅黑" panose="020B0503020204020204" pitchFamily="34" charset="-122"/>
+                  <a:ea typeface="微软雅黑" panose="020B0503020204020204" pitchFamily="34" charset="-122"/>
+                </a:rPr>
+                <a:t>100K</a:t>
+              </a:r>
+              <a:r>
+                <a:rPr lang="zh-CN" altLang="en-US" sz="2800" dirty="0">
+                  <a:solidFill>
+                    <a:srgbClr val="FFFF5B"/>
+                  </a:solidFill>
+                  <a:latin typeface="微软雅黑" panose="020B0503020204020204" pitchFamily="34" charset="-122"/>
+                  <a:ea typeface="微软雅黑" panose="020B0503020204020204" pitchFamily="34" charset="-122"/>
+                </a:rPr>
+                <a:t>连接</a:t>
+              </a:r>
+              <a:endParaRPr lang="en-US" altLang="zh-CN" sz="2800" dirty="0">
+                <a:solidFill>
+                  <a:srgbClr val="FFFF5B"/>
+                </a:solidFill>
+                <a:latin typeface="微软雅黑" panose="020B0503020204020204" pitchFamily="34" charset="-122"/>
+                <a:ea typeface="微软雅黑" panose="020B0503020204020204" pitchFamily="34" charset="-122"/>
+              </a:endParaRPr>
+            </a:p>
+            <a:p>
+              <a:pPr algn="ctr">
+                <a:lnSpc>
+                  <a:spcPct val="150000"/>
+                </a:lnSpc>
+              </a:pPr>
+              <a:r>
+                <a:rPr lang="zh-CN" altLang="en-US" sz="1600" dirty="0">
+                  <a:solidFill>
+                    <a:schemeClr val="bg1">
+                      <a:lumMod val="75000"/>
+                    </a:schemeClr>
+                  </a:solidFill>
+                  <a:latin typeface="微软雅黑" panose="020B0503020204020204" pitchFamily="34" charset="-122"/>
+                  <a:ea typeface="微软雅黑" panose="020B0503020204020204" pitchFamily="34" charset="-122"/>
+                </a:rPr>
+                <a:t>灵活可扩的网卡</a:t>
+              </a:r>
+            </a:p>
+          </p:txBody>
+        </p:sp>
+        <p:sp>
+          <p:nvSpPr>
+            <p:cNvPr id="29" name="矩形 28">
+              <a:extLst>
+                <a:ext uri="{FF2B5EF4-FFF2-40B4-BE49-F238E27FC236}">
+                  <a16:creationId xmlns:a16="http://schemas.microsoft.com/office/drawing/2014/main" id="{CDBD7C05-899B-28C4-0A97-07411D359592}"/>
+                </a:ext>
+              </a:extLst>
+            </p:cNvPr>
+            <p:cNvSpPr/>
+            <p:nvPr/>
+          </p:nvSpPr>
+          <p:spPr>
+            <a:xfrm>
+              <a:off x="1214584" y="665019"/>
+              <a:ext cx="1616364" cy="397163"/>
+            </a:xfrm>
+            <a:prstGeom prst="rect">
+              <a:avLst/>
+            </a:prstGeom>
+            <a:solidFill>
+              <a:srgbClr val="9C1010"/>
+            </a:solidFill>
+            <a:ln>
+              <a:noFill/>
+            </a:ln>
+          </p:spPr>
+          <p:style>
+            <a:lnRef idx="2">
+              <a:schemeClr val="accent1">
+                <a:shade val="15000"/>
+              </a:schemeClr>
+            </a:lnRef>
+            <a:fillRef idx="1">
+              <a:schemeClr val="accent1"/>
+            </a:fillRef>
+            <a:effectRef idx="0">
+              <a:schemeClr val="accent1"/>
+            </a:effectRef>
+            <a:fontRef idx="minor">
+              <a:schemeClr val="lt1"/>
+            </a:fontRef>
+          </p:style>
+          <p:txBody>
+            <a:bodyPr rtlCol="0" anchor="ctr"/>
+            <a:lstStyle/>
+            <a:p>
+              <a:pPr algn="ctr"/>
+              <a:r>
+                <a:rPr lang="zh-CN" altLang="en-US" b="1" kern="1600" dirty="0">
+                  <a:latin typeface="微软雅黑" panose="020B0503020204020204" pitchFamily="34" charset="-122"/>
+                  <a:ea typeface="微软雅黑" panose="020B0503020204020204" pitchFamily="34" charset="-122"/>
+                </a:rPr>
+                <a:t>并发支持</a:t>
+              </a:r>
+            </a:p>
+          </p:txBody>
+        </p:sp>
+      </p:grpSp>
+      <p:grpSp>
+        <p:nvGrpSpPr>
+          <p:cNvPr id="30" name="组合 29">
+            <a:extLst>
+              <a:ext uri="{FF2B5EF4-FFF2-40B4-BE49-F238E27FC236}">
+                <a16:creationId xmlns:a16="http://schemas.microsoft.com/office/drawing/2014/main" id="{FECF9E7E-DA56-59BE-0F83-FE347440572C}"/>
+              </a:ext>
+            </a:extLst>
+          </p:cNvPr>
+          <p:cNvGrpSpPr/>
+          <p:nvPr/>
+        </p:nvGrpSpPr>
+        <p:grpSpPr>
+          <a:xfrm>
+            <a:off x="8672382" y="217056"/>
+            <a:ext cx="2955636" cy="1519381"/>
+            <a:chOff x="544948" y="665019"/>
+            <a:chExt cx="2955636" cy="1628664"/>
+          </a:xfrm>
+        </p:grpSpPr>
+        <p:sp>
+          <p:nvSpPr>
+            <p:cNvPr id="31" name="矩形 30">
+              <a:extLst>
+                <a:ext uri="{FF2B5EF4-FFF2-40B4-BE49-F238E27FC236}">
+                  <a16:creationId xmlns:a16="http://schemas.microsoft.com/office/drawing/2014/main" id="{E5E00356-662A-2028-0F12-E1E0C559CAE7}"/>
+                </a:ext>
+              </a:extLst>
+            </p:cNvPr>
+            <p:cNvSpPr/>
+            <p:nvPr/>
+          </p:nvSpPr>
+          <p:spPr>
+            <a:xfrm>
+              <a:off x="544948" y="858983"/>
+              <a:ext cx="2955636" cy="1434700"/>
+            </a:xfrm>
+            <a:prstGeom prst="rect">
+              <a:avLst/>
+            </a:prstGeom>
+            <a:solidFill>
+              <a:schemeClr val="tx1">
+                <a:lumMod val="85000"/>
+                <a:lumOff val="15000"/>
+              </a:schemeClr>
+            </a:solidFill>
+            <a:ln w="28575">
+              <a:solidFill>
+                <a:schemeClr val="bg2">
+                  <a:lumMod val="75000"/>
+                </a:schemeClr>
+              </a:solidFill>
+            </a:ln>
+          </p:spPr>
+          <p:style>
+            <a:lnRef idx="2">
+              <a:schemeClr val="accent1">
+                <a:shade val="15000"/>
+              </a:schemeClr>
+            </a:lnRef>
+            <a:fillRef idx="1">
+              <a:schemeClr val="accent1"/>
+            </a:fillRef>
+            <a:effectRef idx="0">
+              <a:schemeClr val="accent1"/>
+            </a:effectRef>
+            <a:fontRef idx="minor">
+              <a:schemeClr val="lt1"/>
+            </a:fontRef>
+          </p:style>
+          <p:txBody>
+            <a:bodyPr rtlCol="0" anchor="ctr"/>
+            <a:lstStyle/>
+            <a:p>
+              <a:pPr algn="ctr">
+                <a:lnSpc>
+                  <a:spcPct val="150000"/>
+                </a:lnSpc>
+              </a:pPr>
+              <a:r>
+                <a:rPr lang="zh-CN" altLang="en-US" sz="2800" dirty="0">
+                  <a:solidFill>
+                    <a:srgbClr val="FFFF5B"/>
+                  </a:solidFill>
+                  <a:latin typeface="微软雅黑" panose="020B0503020204020204" pitchFamily="34" charset="-122"/>
+                  <a:ea typeface="微软雅黑" panose="020B0503020204020204" pitchFamily="34" charset="-122"/>
+                </a:rPr>
+                <a:t>万卡集群</a:t>
+              </a:r>
+              <a:endParaRPr lang="en-US" altLang="zh-CN" sz="2800" dirty="0">
+                <a:solidFill>
+                  <a:srgbClr val="FFFF5B"/>
+                </a:solidFill>
+                <a:latin typeface="微软雅黑" panose="020B0503020204020204" pitchFamily="34" charset="-122"/>
+                <a:ea typeface="微软雅黑" panose="020B0503020204020204" pitchFamily="34" charset="-122"/>
+              </a:endParaRPr>
+            </a:p>
+            <a:p>
+              <a:pPr algn="ctr">
+                <a:lnSpc>
+                  <a:spcPct val="150000"/>
+                </a:lnSpc>
+              </a:pPr>
+              <a:r>
+                <a:rPr lang="zh-CN" altLang="en-US" sz="1600" dirty="0">
+                  <a:solidFill>
+                    <a:schemeClr val="bg1">
+                      <a:lumMod val="75000"/>
+                    </a:schemeClr>
+                  </a:solidFill>
+                  <a:latin typeface="微软雅黑" panose="020B0503020204020204" pitchFamily="34" charset="-122"/>
+                  <a:ea typeface="微软雅黑" panose="020B0503020204020204" pitchFamily="34" charset="-122"/>
+                </a:rPr>
+                <a:t>坚实的网络底座</a:t>
+              </a:r>
+            </a:p>
+          </p:txBody>
+        </p:sp>
+        <p:sp>
+          <p:nvSpPr>
+            <p:cNvPr id="32" name="矩形 31">
+              <a:extLst>
+                <a:ext uri="{FF2B5EF4-FFF2-40B4-BE49-F238E27FC236}">
+                  <a16:creationId xmlns:a16="http://schemas.microsoft.com/office/drawing/2014/main" id="{4E49F1E5-0B7A-26E6-2D16-A29727CCC02B}"/>
+                </a:ext>
+              </a:extLst>
+            </p:cNvPr>
+            <p:cNvSpPr/>
+            <p:nvPr/>
+          </p:nvSpPr>
+          <p:spPr>
+            <a:xfrm>
+              <a:off x="1214584" y="665019"/>
+              <a:ext cx="1616364" cy="397163"/>
+            </a:xfrm>
+            <a:prstGeom prst="rect">
+              <a:avLst/>
+            </a:prstGeom>
+            <a:solidFill>
+              <a:srgbClr val="9C1010"/>
+            </a:solidFill>
+            <a:ln>
+              <a:noFill/>
+            </a:ln>
+          </p:spPr>
+          <p:style>
+            <a:lnRef idx="2">
+              <a:schemeClr val="accent1">
+                <a:shade val="15000"/>
+              </a:schemeClr>
+            </a:lnRef>
+            <a:fillRef idx="1">
+              <a:schemeClr val="accent1"/>
+            </a:fillRef>
+            <a:effectRef idx="0">
+              <a:schemeClr val="accent1"/>
+            </a:effectRef>
+            <a:fontRef idx="minor">
+              <a:schemeClr val="lt1"/>
+            </a:fontRef>
+          </p:style>
+          <p:txBody>
+            <a:bodyPr rtlCol="0" anchor="ctr"/>
+            <a:lstStyle/>
+            <a:p>
+              <a:pPr algn="ctr"/>
+              <a:r>
+                <a:rPr lang="zh-CN" altLang="en-US" b="1" kern="1600" dirty="0">
+                  <a:latin typeface="微软雅黑" panose="020B0503020204020204" pitchFamily="34" charset="-122"/>
+                  <a:ea typeface="微软雅黑" panose="020B0503020204020204" pitchFamily="34" charset="-122"/>
+                </a:rPr>
+                <a:t>集群支撑</a:t>
+              </a:r>
+            </a:p>
+          </p:txBody>
+        </p:sp>
+      </p:grpSp>
+      <p:grpSp>
+        <p:nvGrpSpPr>
+          <p:cNvPr id="36" name="组合 35">
+            <a:extLst>
+              <a:ext uri="{FF2B5EF4-FFF2-40B4-BE49-F238E27FC236}">
+                <a16:creationId xmlns:a16="http://schemas.microsoft.com/office/drawing/2014/main" id="{656ACC7A-BAC2-193F-64F4-F99076D09C1F}"/>
+              </a:ext>
+            </a:extLst>
+          </p:cNvPr>
+          <p:cNvGrpSpPr/>
+          <p:nvPr/>
+        </p:nvGrpSpPr>
+        <p:grpSpPr>
+          <a:xfrm>
+            <a:off x="401784" y="3980495"/>
+            <a:ext cx="2955636" cy="2840181"/>
+            <a:chOff x="8271166" y="3523674"/>
+            <a:chExt cx="2955636" cy="2840181"/>
+          </a:xfrm>
+        </p:grpSpPr>
+        <p:sp>
+          <p:nvSpPr>
+            <p:cNvPr id="34" name="矩形 33">
+              <a:extLst>
+                <a:ext uri="{FF2B5EF4-FFF2-40B4-BE49-F238E27FC236}">
+                  <a16:creationId xmlns:a16="http://schemas.microsoft.com/office/drawing/2014/main" id="{1387ED25-13E9-209A-9CC8-1DA604D269FF}"/>
+                </a:ext>
+              </a:extLst>
+            </p:cNvPr>
+            <p:cNvSpPr/>
+            <p:nvPr/>
+          </p:nvSpPr>
+          <p:spPr>
+            <a:xfrm>
+              <a:off x="8271166" y="3717637"/>
+              <a:ext cx="2955636" cy="2646218"/>
+            </a:xfrm>
+            <a:prstGeom prst="rect">
+              <a:avLst/>
+            </a:prstGeom>
+            <a:solidFill>
+              <a:schemeClr val="tx1">
+                <a:lumMod val="85000"/>
+                <a:lumOff val="15000"/>
+              </a:schemeClr>
+            </a:solidFill>
+            <a:ln w="28575">
+              <a:solidFill>
+                <a:schemeClr val="bg2">
+                  <a:lumMod val="75000"/>
+                </a:schemeClr>
+              </a:solidFill>
+            </a:ln>
+          </p:spPr>
+          <p:style>
+            <a:lnRef idx="2">
+              <a:schemeClr val="accent1">
+                <a:shade val="15000"/>
+              </a:schemeClr>
+            </a:lnRef>
+            <a:fillRef idx="1">
+              <a:schemeClr val="accent1"/>
+            </a:fillRef>
+            <a:effectRef idx="0">
+              <a:schemeClr val="accent1"/>
+            </a:effectRef>
+            <a:fontRef idx="minor">
+              <a:schemeClr val="lt1"/>
+            </a:fontRef>
+          </p:style>
+          <p:txBody>
+            <a:bodyPr rtlCol="0" anchor="ctr"/>
+            <a:lstStyle/>
+            <a:p>
+              <a:pPr algn="ctr">
+                <a:lnSpc>
+                  <a:spcPct val="150000"/>
+                </a:lnSpc>
+              </a:pPr>
+              <a:r>
+                <a:rPr lang="zh-CN" altLang="en-US" sz="2800" dirty="0">
+                  <a:solidFill>
+                    <a:srgbClr val="FFFF5B"/>
+                  </a:solidFill>
+                  <a:latin typeface="微软雅黑" panose="020B0503020204020204" pitchFamily="34" charset="-122"/>
+                  <a:ea typeface="微软雅黑" panose="020B0503020204020204" pitchFamily="34" charset="-122"/>
+                </a:rPr>
+                <a:t>多种插槽标准</a:t>
+              </a:r>
+              <a:endParaRPr lang="en-US" altLang="zh-CN" sz="2800" dirty="0">
+                <a:solidFill>
+                  <a:srgbClr val="FFFF5B"/>
+                </a:solidFill>
+                <a:latin typeface="微软雅黑" panose="020B0503020204020204" pitchFamily="34" charset="-122"/>
+                <a:ea typeface="微软雅黑" panose="020B0503020204020204" pitchFamily="34" charset="-122"/>
+              </a:endParaRPr>
+            </a:p>
+            <a:p>
+              <a:pPr algn="ctr">
+                <a:lnSpc>
+                  <a:spcPct val="150000"/>
+                </a:lnSpc>
+              </a:pPr>
+              <a:r>
+                <a:rPr lang="zh-CN" altLang="en-US" sz="2800" dirty="0">
+                  <a:solidFill>
+                    <a:srgbClr val="FFFF5B"/>
+                  </a:solidFill>
+                  <a:latin typeface="微软雅黑" panose="020B0503020204020204" pitchFamily="34" charset="-122"/>
+                  <a:ea typeface="微软雅黑" panose="020B0503020204020204" pitchFamily="34" charset="-122"/>
+                </a:rPr>
+                <a:t>自适应驱动安装</a:t>
+              </a:r>
+              <a:endParaRPr lang="en-US" altLang="zh-CN" sz="2800" dirty="0">
+                <a:solidFill>
+                  <a:srgbClr val="FFFF5B"/>
+                </a:solidFill>
+                <a:latin typeface="微软雅黑" panose="020B0503020204020204" pitchFamily="34" charset="-122"/>
+                <a:ea typeface="微软雅黑" panose="020B0503020204020204" pitchFamily="34" charset="-122"/>
+              </a:endParaRPr>
+            </a:p>
+            <a:p>
+              <a:pPr algn="ctr">
+                <a:lnSpc>
+                  <a:spcPct val="150000"/>
+                </a:lnSpc>
+              </a:pPr>
+              <a:r>
+                <a:rPr lang="zh-CN" altLang="en-US" sz="2800" dirty="0">
+                  <a:solidFill>
+                    <a:srgbClr val="FFFF5B"/>
+                  </a:solidFill>
+                  <a:latin typeface="微软雅黑" panose="020B0503020204020204" pitchFamily="34" charset="-122"/>
+                  <a:ea typeface="微软雅黑" panose="020B0503020204020204" pitchFamily="34" charset="-122"/>
+                </a:rPr>
+                <a:t>安全热插拔</a:t>
+              </a:r>
+              <a:endParaRPr lang="en-US" altLang="zh-CN" sz="2800" dirty="0">
+                <a:solidFill>
+                  <a:srgbClr val="FFFF5B"/>
+                </a:solidFill>
+                <a:latin typeface="微软雅黑" panose="020B0503020204020204" pitchFamily="34" charset="-122"/>
+                <a:ea typeface="微软雅黑" panose="020B0503020204020204" pitchFamily="34" charset="-122"/>
+              </a:endParaRPr>
+            </a:p>
+            <a:p>
+              <a:pPr algn="ctr">
+                <a:lnSpc>
+                  <a:spcPct val="150000"/>
+                </a:lnSpc>
+              </a:pPr>
+              <a:r>
+                <a:rPr lang="zh-CN" altLang="en-US" sz="1600" dirty="0">
+                  <a:solidFill>
+                    <a:schemeClr val="bg1">
+                      <a:lumMod val="75000"/>
+                    </a:schemeClr>
+                  </a:solidFill>
+                  <a:latin typeface="微软雅黑" panose="020B0503020204020204" pitchFamily="34" charset="-122"/>
+                  <a:ea typeface="微软雅黑" panose="020B0503020204020204" pitchFamily="34" charset="-122"/>
+                </a:rPr>
+                <a:t>便捷好用的网卡</a:t>
+              </a:r>
+            </a:p>
+          </p:txBody>
+        </p:sp>
+        <p:sp>
+          <p:nvSpPr>
+            <p:cNvPr id="35" name="矩形 34">
+              <a:extLst>
+                <a:ext uri="{FF2B5EF4-FFF2-40B4-BE49-F238E27FC236}">
+                  <a16:creationId xmlns:a16="http://schemas.microsoft.com/office/drawing/2014/main" id="{921858E1-36B2-4AD8-F862-F08FD95BD49B}"/>
+                </a:ext>
+              </a:extLst>
+            </p:cNvPr>
+            <p:cNvSpPr/>
+            <p:nvPr/>
+          </p:nvSpPr>
+          <p:spPr>
+            <a:xfrm>
+              <a:off x="8940802" y="3523674"/>
+              <a:ext cx="1616364" cy="397163"/>
+            </a:xfrm>
+            <a:prstGeom prst="rect">
+              <a:avLst/>
+            </a:prstGeom>
+            <a:solidFill>
+              <a:srgbClr val="9C1010"/>
+            </a:solidFill>
+            <a:ln>
+              <a:noFill/>
+            </a:ln>
+          </p:spPr>
+          <p:style>
+            <a:lnRef idx="2">
+              <a:schemeClr val="accent1">
+                <a:shade val="15000"/>
+              </a:schemeClr>
+            </a:lnRef>
+            <a:fillRef idx="1">
+              <a:schemeClr val="accent1"/>
+            </a:fillRef>
+            <a:effectRef idx="0">
+              <a:schemeClr val="accent1"/>
+            </a:effectRef>
+            <a:fontRef idx="minor">
+              <a:schemeClr val="lt1"/>
+            </a:fontRef>
+          </p:style>
+          <p:txBody>
+            <a:bodyPr rtlCol="0" anchor="ctr"/>
+            <a:lstStyle/>
+            <a:p>
+              <a:pPr algn="ctr"/>
+              <a:r>
+                <a:rPr lang="zh-CN" altLang="en-US" b="1" kern="1600" dirty="0">
+                  <a:latin typeface="微软雅黑" panose="020B0503020204020204" pitchFamily="34" charset="-122"/>
+                  <a:ea typeface="微软雅黑" panose="020B0503020204020204" pitchFamily="34" charset="-122"/>
+                </a:rPr>
+                <a:t>便捷使用</a:t>
+              </a:r>
+            </a:p>
+          </p:txBody>
+        </p:sp>
+      </p:grpSp>
+      <p:grpSp>
+        <p:nvGrpSpPr>
+          <p:cNvPr id="37" name="组合 36">
+            <a:extLst>
+              <a:ext uri="{FF2B5EF4-FFF2-40B4-BE49-F238E27FC236}">
+                <a16:creationId xmlns:a16="http://schemas.microsoft.com/office/drawing/2014/main" id="{35BF6FB7-88E9-7D4E-467F-D576D836B876}"/>
+              </a:ext>
+            </a:extLst>
+          </p:cNvPr>
+          <p:cNvGrpSpPr/>
+          <p:nvPr/>
+        </p:nvGrpSpPr>
+        <p:grpSpPr>
+          <a:xfrm>
+            <a:off x="8668142" y="2124460"/>
+            <a:ext cx="2955636" cy="2013525"/>
+            <a:chOff x="544948" y="665019"/>
+            <a:chExt cx="2955636" cy="2013525"/>
+          </a:xfrm>
+        </p:grpSpPr>
+        <p:sp>
+          <p:nvSpPr>
+            <p:cNvPr id="38" name="矩形 37">
+              <a:extLst>
+                <a:ext uri="{FF2B5EF4-FFF2-40B4-BE49-F238E27FC236}">
+                  <a16:creationId xmlns:a16="http://schemas.microsoft.com/office/drawing/2014/main" id="{7903F436-5B51-DEDF-6902-D38BA01AC817}"/>
+                </a:ext>
+              </a:extLst>
+            </p:cNvPr>
+            <p:cNvSpPr/>
+            <p:nvPr/>
+          </p:nvSpPr>
+          <p:spPr>
+            <a:xfrm>
+              <a:off x="544948" y="858982"/>
+              <a:ext cx="2955636" cy="1819562"/>
+            </a:xfrm>
+            <a:prstGeom prst="rect">
+              <a:avLst/>
+            </a:prstGeom>
+            <a:solidFill>
+              <a:schemeClr val="tx1">
+                <a:lumMod val="85000"/>
+                <a:lumOff val="15000"/>
+              </a:schemeClr>
+            </a:solidFill>
+            <a:ln w="28575">
+              <a:solidFill>
+                <a:schemeClr val="bg2">
+                  <a:lumMod val="75000"/>
+                </a:schemeClr>
+              </a:solidFill>
+            </a:ln>
+          </p:spPr>
+          <p:style>
+            <a:lnRef idx="2">
+              <a:schemeClr val="accent1">
+                <a:shade val="15000"/>
+              </a:schemeClr>
+            </a:lnRef>
+            <a:fillRef idx="1">
+              <a:schemeClr val="accent1"/>
+            </a:fillRef>
+            <a:effectRef idx="0">
+              <a:schemeClr val="accent1"/>
+            </a:effectRef>
+            <a:fontRef idx="minor">
+              <a:schemeClr val="lt1"/>
+            </a:fontRef>
+          </p:style>
+          <p:txBody>
+            <a:bodyPr rtlCol="0" anchor="ctr"/>
+            <a:lstStyle/>
+            <a:p>
+              <a:pPr algn="ctr">
+                <a:lnSpc>
+                  <a:spcPct val="150000"/>
+                </a:lnSpc>
+              </a:pPr>
+              <a:r>
+                <a:rPr lang="en-US" altLang="zh-CN" sz="2400" dirty="0">
+                  <a:solidFill>
+                    <a:srgbClr val="FFFF5B"/>
+                  </a:solidFill>
+                  <a:latin typeface="微软雅黑" panose="020B0503020204020204" pitchFamily="34" charset="-122"/>
+                  <a:ea typeface="微软雅黑" panose="020B0503020204020204" pitchFamily="34" charset="-122"/>
+                </a:rPr>
+                <a:t>CPU</a:t>
+              </a:r>
+              <a:r>
+                <a:rPr lang="zh-CN" altLang="en-US" sz="2400" dirty="0">
+                  <a:solidFill>
+                    <a:srgbClr val="FFFF5B"/>
+                  </a:solidFill>
+                  <a:latin typeface="微软雅黑" panose="020B0503020204020204" pitchFamily="34" charset="-122"/>
+                  <a:ea typeface="微软雅黑" panose="020B0503020204020204" pitchFamily="34" charset="-122"/>
+                </a:rPr>
+                <a:t>负载降低</a:t>
+              </a:r>
+              <a:r>
+                <a:rPr lang="en-US" altLang="zh-CN" sz="2400" dirty="0">
+                  <a:solidFill>
+                    <a:srgbClr val="FFFF5B"/>
+                  </a:solidFill>
+                  <a:latin typeface="微软雅黑" panose="020B0503020204020204" pitchFamily="34" charset="-122"/>
+                  <a:ea typeface="微软雅黑" panose="020B0503020204020204" pitchFamily="34" charset="-122"/>
+                </a:rPr>
+                <a:t>99%</a:t>
+              </a:r>
+            </a:p>
+            <a:p>
+              <a:pPr algn="ctr">
+                <a:lnSpc>
+                  <a:spcPct val="150000"/>
+                </a:lnSpc>
+              </a:pPr>
+              <a:r>
+                <a:rPr lang="zh-CN" altLang="en-US" sz="2400" dirty="0">
+                  <a:solidFill>
+                    <a:srgbClr val="FFFF5B"/>
+                  </a:solidFill>
+                  <a:latin typeface="微软雅黑" panose="020B0503020204020204" pitchFamily="34" charset="-122"/>
+                  <a:ea typeface="微软雅黑" panose="020B0503020204020204" pitchFamily="34" charset="-122"/>
+                </a:rPr>
+                <a:t>网络吞吐增加</a:t>
+              </a:r>
+              <a:r>
+                <a:rPr lang="en-US" altLang="zh-CN" sz="2400" dirty="0">
+                  <a:solidFill>
+                    <a:srgbClr val="FFFF5B"/>
+                  </a:solidFill>
+                  <a:latin typeface="微软雅黑" panose="020B0503020204020204" pitchFamily="34" charset="-122"/>
+                  <a:ea typeface="微软雅黑" panose="020B0503020204020204" pitchFamily="34" charset="-122"/>
+                </a:rPr>
+                <a:t>150%</a:t>
+              </a:r>
+            </a:p>
+            <a:p>
+              <a:pPr algn="ctr">
+                <a:lnSpc>
+                  <a:spcPct val="150000"/>
+                </a:lnSpc>
+              </a:pPr>
+              <a:r>
+                <a:rPr lang="zh-CN" altLang="en-US" sz="1600" dirty="0">
+                  <a:solidFill>
+                    <a:schemeClr val="bg1">
+                      <a:lumMod val="75000"/>
+                    </a:schemeClr>
+                  </a:solidFill>
+                  <a:latin typeface="微软雅黑" panose="020B0503020204020204" pitchFamily="34" charset="-122"/>
+                  <a:ea typeface="微软雅黑" panose="020B0503020204020204" pitchFamily="34" charset="-122"/>
+                </a:rPr>
+                <a:t>低开销的网卡</a:t>
+              </a:r>
+            </a:p>
+          </p:txBody>
+        </p:sp>
+        <p:sp>
+          <p:nvSpPr>
+            <p:cNvPr id="39" name="矩形 38">
+              <a:extLst>
+                <a:ext uri="{FF2B5EF4-FFF2-40B4-BE49-F238E27FC236}">
+                  <a16:creationId xmlns:a16="http://schemas.microsoft.com/office/drawing/2014/main" id="{C5523E53-A74F-A4D9-F72C-B8125880E9C7}"/>
+                </a:ext>
+              </a:extLst>
+            </p:cNvPr>
+            <p:cNvSpPr/>
+            <p:nvPr/>
+          </p:nvSpPr>
+          <p:spPr>
+            <a:xfrm>
+              <a:off x="1214584" y="665019"/>
+              <a:ext cx="1616364" cy="397163"/>
+            </a:xfrm>
+            <a:prstGeom prst="rect">
+              <a:avLst/>
+            </a:prstGeom>
+            <a:solidFill>
+              <a:srgbClr val="9C1010"/>
+            </a:solidFill>
+            <a:ln>
+              <a:noFill/>
+            </a:ln>
+          </p:spPr>
+          <p:style>
+            <a:lnRef idx="2">
+              <a:schemeClr val="accent1">
+                <a:shade val="15000"/>
+              </a:schemeClr>
+            </a:lnRef>
+            <a:fillRef idx="1">
+              <a:schemeClr val="accent1"/>
+            </a:fillRef>
+            <a:effectRef idx="0">
+              <a:schemeClr val="accent1"/>
+            </a:effectRef>
+            <a:fontRef idx="minor">
+              <a:schemeClr val="lt1"/>
+            </a:fontRef>
+          </p:style>
+          <p:txBody>
+            <a:bodyPr rtlCol="0" anchor="ctr"/>
+            <a:lstStyle/>
+            <a:p>
+              <a:pPr algn="ctr"/>
+              <a:r>
+                <a:rPr lang="en-US" altLang="zh-CN" b="1" kern="1600" dirty="0">
+                  <a:latin typeface="微软雅黑" panose="020B0503020204020204" pitchFamily="34" charset="-122"/>
+                  <a:ea typeface="微软雅黑" panose="020B0503020204020204" pitchFamily="34" charset="-122"/>
+                </a:rPr>
+                <a:t>CPU</a:t>
+              </a:r>
+              <a:r>
+                <a:rPr lang="zh-CN" altLang="en-US" b="1" kern="1600" dirty="0">
+                  <a:latin typeface="微软雅黑" panose="020B0503020204020204" pitchFamily="34" charset="-122"/>
+                  <a:ea typeface="微软雅黑" panose="020B0503020204020204" pitchFamily="34" charset="-122"/>
+                </a:rPr>
+                <a:t>开销</a:t>
+              </a:r>
+            </a:p>
+          </p:txBody>
+        </p:sp>
+      </p:grpSp>
+      <p:grpSp>
+        <p:nvGrpSpPr>
+          <p:cNvPr id="40" name="组合 39">
+            <a:extLst>
+              <a:ext uri="{FF2B5EF4-FFF2-40B4-BE49-F238E27FC236}">
+                <a16:creationId xmlns:a16="http://schemas.microsoft.com/office/drawing/2014/main" id="{34C0E5E4-3BD2-E8DB-97F7-721D26C1CCC3}"/>
+              </a:ext>
+            </a:extLst>
+          </p:cNvPr>
+          <p:cNvGrpSpPr/>
+          <p:nvPr/>
+        </p:nvGrpSpPr>
+        <p:grpSpPr>
+          <a:xfrm>
+            <a:off x="8686897" y="4636655"/>
+            <a:ext cx="2955636" cy="2105890"/>
+            <a:chOff x="8271166" y="3523674"/>
+            <a:chExt cx="2955636" cy="2105890"/>
+          </a:xfrm>
+        </p:grpSpPr>
+        <p:sp>
+          <p:nvSpPr>
+            <p:cNvPr id="41" name="矩形 40">
+              <a:extLst>
+                <a:ext uri="{FF2B5EF4-FFF2-40B4-BE49-F238E27FC236}">
+                  <a16:creationId xmlns:a16="http://schemas.microsoft.com/office/drawing/2014/main" id="{5826D4EB-07B6-4B25-38EF-55897240EA2E}"/>
+                </a:ext>
+              </a:extLst>
+            </p:cNvPr>
+            <p:cNvSpPr/>
+            <p:nvPr/>
+          </p:nvSpPr>
+          <p:spPr>
+            <a:xfrm>
+              <a:off x="8271166" y="3717637"/>
+              <a:ext cx="2955636" cy="1911927"/>
+            </a:xfrm>
+            <a:prstGeom prst="rect">
+              <a:avLst/>
+            </a:prstGeom>
+            <a:solidFill>
+              <a:schemeClr val="tx1">
+                <a:lumMod val="85000"/>
+                <a:lumOff val="15000"/>
+              </a:schemeClr>
+            </a:solidFill>
+            <a:ln w="28575">
+              <a:solidFill>
+                <a:schemeClr val="bg2">
+                  <a:lumMod val="75000"/>
+                </a:schemeClr>
+              </a:solidFill>
+            </a:ln>
+          </p:spPr>
+          <p:style>
+            <a:lnRef idx="2">
+              <a:schemeClr val="accent1">
+                <a:shade val="15000"/>
+              </a:schemeClr>
+            </a:lnRef>
+            <a:fillRef idx="1">
+              <a:schemeClr val="accent1"/>
+            </a:fillRef>
+            <a:effectRef idx="0">
+              <a:schemeClr val="accent1"/>
+            </a:effectRef>
+            <a:fontRef idx="minor">
+              <a:schemeClr val="lt1"/>
+            </a:fontRef>
+          </p:style>
+          <p:txBody>
+            <a:bodyPr rtlCol="0" anchor="ctr"/>
+            <a:lstStyle/>
+            <a:p>
+              <a:pPr algn="ctr">
+                <a:lnSpc>
+                  <a:spcPct val="150000"/>
+                </a:lnSpc>
+              </a:pPr>
+              <a:r>
+                <a:rPr lang="zh-CN" altLang="en-US" dirty="0">
+                  <a:solidFill>
+                    <a:srgbClr val="FFFF5B"/>
+                  </a:solidFill>
+                  <a:latin typeface="微软雅黑" panose="020B0503020204020204" pitchFamily="34" charset="-122"/>
+                  <a:ea typeface="微软雅黑" panose="020B0503020204020204" pitchFamily="34" charset="-122"/>
+                </a:rPr>
+                <a:t>服务器更新开销降低</a:t>
+              </a:r>
+              <a:r>
+                <a:rPr lang="en-US" altLang="zh-CN" dirty="0">
+                  <a:solidFill>
+                    <a:srgbClr val="FFFF5B"/>
+                  </a:solidFill>
+                  <a:latin typeface="微软雅黑" panose="020B0503020204020204" pitchFamily="34" charset="-122"/>
+                  <a:ea typeface="微软雅黑" panose="020B0503020204020204" pitchFamily="34" charset="-122"/>
+                </a:rPr>
+                <a:t>50%</a:t>
+              </a:r>
+            </a:p>
+            <a:p>
+              <a:pPr algn="ctr">
+                <a:lnSpc>
+                  <a:spcPct val="150000"/>
+                </a:lnSpc>
+              </a:pPr>
+              <a:r>
+                <a:rPr lang="zh-CN" altLang="en-US" sz="2000" dirty="0">
+                  <a:solidFill>
+                    <a:srgbClr val="FFFF5B"/>
+                  </a:solidFill>
+                  <a:latin typeface="微软雅黑" panose="020B0503020204020204" pitchFamily="34" charset="-122"/>
+                  <a:ea typeface="微软雅黑" panose="020B0503020204020204" pitchFamily="34" charset="-122"/>
+                </a:rPr>
+                <a:t>产能增加</a:t>
+              </a:r>
+              <a:r>
+                <a:rPr lang="en-US" altLang="zh-CN" sz="2000" dirty="0">
+                  <a:solidFill>
+                    <a:srgbClr val="FFFF5B"/>
+                  </a:solidFill>
+                  <a:latin typeface="微软雅黑" panose="020B0503020204020204" pitchFamily="34" charset="-122"/>
+                  <a:ea typeface="微软雅黑" panose="020B0503020204020204" pitchFamily="34" charset="-122"/>
+                </a:rPr>
+                <a:t>64%</a:t>
+              </a:r>
+            </a:p>
+            <a:p>
+              <a:pPr algn="ctr">
+                <a:lnSpc>
+                  <a:spcPct val="150000"/>
+                </a:lnSpc>
+              </a:pPr>
+              <a:r>
+                <a:rPr lang="zh-CN" altLang="en-US" sz="1600" dirty="0">
+                  <a:solidFill>
+                    <a:schemeClr val="bg1">
+                      <a:lumMod val="75000"/>
+                    </a:schemeClr>
+                  </a:solidFill>
+                  <a:latin typeface="微软雅黑" panose="020B0503020204020204" pitchFamily="34" charset="-122"/>
+                  <a:ea typeface="微软雅黑" panose="020B0503020204020204" pitchFamily="34" charset="-122"/>
+                </a:rPr>
+                <a:t>便捷好用的网卡</a:t>
+              </a:r>
+            </a:p>
+          </p:txBody>
+        </p:sp>
+        <p:sp>
+          <p:nvSpPr>
+            <p:cNvPr id="42" name="矩形 41">
+              <a:extLst>
+                <a:ext uri="{FF2B5EF4-FFF2-40B4-BE49-F238E27FC236}">
+                  <a16:creationId xmlns:a16="http://schemas.microsoft.com/office/drawing/2014/main" id="{8294A7E1-6B57-99F8-C0F5-1B4F88896AB2}"/>
+                </a:ext>
+              </a:extLst>
+            </p:cNvPr>
+            <p:cNvSpPr/>
+            <p:nvPr/>
+          </p:nvSpPr>
+          <p:spPr>
+            <a:xfrm>
+              <a:off x="8940802" y="3523674"/>
+              <a:ext cx="1616364" cy="397163"/>
+            </a:xfrm>
+            <a:prstGeom prst="rect">
+              <a:avLst/>
+            </a:prstGeom>
+            <a:solidFill>
+              <a:srgbClr val="9C1010"/>
+            </a:solidFill>
+            <a:ln>
+              <a:noFill/>
+            </a:ln>
+          </p:spPr>
+          <p:style>
+            <a:lnRef idx="2">
+              <a:schemeClr val="accent1">
+                <a:shade val="15000"/>
+              </a:schemeClr>
+            </a:lnRef>
+            <a:fillRef idx="1">
+              <a:schemeClr val="accent1"/>
+            </a:fillRef>
+            <a:effectRef idx="0">
+              <a:schemeClr val="accent1"/>
+            </a:effectRef>
+            <a:fontRef idx="minor">
+              <a:schemeClr val="lt1"/>
+            </a:fontRef>
+          </p:style>
+          <p:txBody>
+            <a:bodyPr rtlCol="0" anchor="ctr"/>
+            <a:lstStyle/>
+            <a:p>
+              <a:pPr algn="ctr"/>
+              <a:r>
+                <a:rPr lang="zh-CN" altLang="en-US" b="1" kern="1600" dirty="0">
+                  <a:latin typeface="微软雅黑" panose="020B0503020204020204" pitchFamily="34" charset="-122"/>
+                  <a:ea typeface="微软雅黑" panose="020B0503020204020204" pitchFamily="34" charset="-122"/>
+                </a:rPr>
+                <a:t>降本增效</a:t>
+              </a:r>
+            </a:p>
+          </p:txBody>
+        </p:sp>
+      </p:grpSp>
+    </p:spTree>
+    <p:extLst>
+      <p:ext uri="{BB962C8B-B14F-4D97-AF65-F5344CB8AC3E}">
+        <p14:creationId xmlns:p14="http://schemas.microsoft.com/office/powerpoint/2010/main" val="1089412361"/>
+      </p:ext>
+    </p:extLst>
+  </p:cSld>
+  <p:clrMapOvr>
+    <a:masterClrMapping/>
+  </p:clrMapOvr>
+</p:sld>
+</file>
+
+<file path=ppt/slides/slide8.xml><?xml version="1.0" encoding="utf-8"?>
+<p:sld xmlns:a="http://schemas.openxmlformats.org/drawingml/2006/main" xmlns:r="http://schemas.openxmlformats.org/officeDocument/2006/relationships" xmlns:p="http://schemas.openxmlformats.org/presentationml/2006/main">
+  <p:cSld>
+    <p:spTree>
+      <p:nvGrpSpPr>
+        <p:cNvPr id="1" name=""/>
+        <p:cNvGrpSpPr/>
+        <p:nvPr/>
+      </p:nvGrpSpPr>
+      <p:grpSpPr>
+        <a:xfrm>
+          <a:off x="0" y="0"/>
+          <a:ext cx="0" cy="0"/>
+          <a:chOff x="0" y="0"/>
+          <a:chExt cx="0" cy="0"/>
+        </a:xfrm>
+      </p:grpSpPr>
+      <p:sp>
+        <p:nvSpPr>
+          <p:cNvPr id="4" name="矩形 3">
+            <a:extLst>
+              <a:ext uri="{FF2B5EF4-FFF2-40B4-BE49-F238E27FC236}">
+                <a16:creationId xmlns:a16="http://schemas.microsoft.com/office/drawing/2014/main" id="{CF24AF9B-C218-5378-5AC8-B6326F5B69F4}"/>
+              </a:ext>
+            </a:extLst>
+          </p:cNvPr>
+          <p:cNvSpPr/>
+          <p:nvPr/>
+        </p:nvSpPr>
+        <p:spPr>
+          <a:xfrm>
+            <a:off x="0" y="0"/>
+            <a:ext cx="12192000" cy="6858000"/>
+          </a:xfrm>
+          <a:prstGeom prst="rect">
+            <a:avLst/>
+          </a:prstGeom>
+          <a:gradFill flip="none" rotWithShape="1">
+            <a:gsLst>
+              <a:gs pos="0">
+                <a:schemeClr val="tx1"/>
+              </a:gs>
+              <a:gs pos="100000">
+                <a:schemeClr val="tx1">
+                  <a:lumMod val="85000"/>
+                  <a:lumOff val="15000"/>
+                </a:schemeClr>
+              </a:gs>
+              <a:gs pos="93580">
+                <a:srgbClr val="262626"/>
+              </a:gs>
+              <a:gs pos="100000">
+                <a:schemeClr val="tx1">
+                  <a:lumMod val="85000"/>
+                  <a:lumOff val="15000"/>
+                </a:schemeClr>
+              </a:gs>
+              <a:gs pos="97000">
+                <a:schemeClr val="tx1">
+                  <a:lumMod val="85000"/>
+                  <a:lumOff val="15000"/>
+                </a:schemeClr>
+              </a:gs>
+            </a:gsLst>
+            <a:lin ang="16200000" scaled="1"/>
+            <a:tileRect/>
+          </a:gradFill>
+          <a:ln>
+            <a:noFill/>
+          </a:ln>
+        </p:spPr>
+        <p:style>
+          <a:lnRef idx="2">
+            <a:schemeClr val="accent1">
+              <a:shade val="15000"/>
+            </a:schemeClr>
+          </a:lnRef>
+          <a:fillRef idx="1">
+            <a:schemeClr val="accent1"/>
+          </a:fillRef>
+          <a:effectRef idx="0">
+            <a:schemeClr val="accent1"/>
+          </a:effectRef>
+          <a:fontRef idx="minor">
+            <a:schemeClr val="lt1"/>
+          </a:fontRef>
+        </p:style>
+        <p:txBody>
+          <a:bodyPr rtlCol="0" anchor="ctr"/>
+          <a:lstStyle/>
+          <a:p>
+            <a:pPr algn="ctr"/>
+            <a:endParaRPr lang="zh-CN" altLang="en-US" dirty="0">
+              <a:solidFill>
+                <a:srgbClr val="1B1B1B"/>
+              </a:solidFill>
+            </a:endParaRPr>
+          </a:p>
+        </p:txBody>
+      </p:sp>
+      <p:pic>
+        <p:nvPicPr>
+          <p:cNvPr id="9" name="图片 8">
+            <a:extLst>
+              <a:ext uri="{FF2B5EF4-FFF2-40B4-BE49-F238E27FC236}">
+                <a16:creationId xmlns:a16="http://schemas.microsoft.com/office/drawing/2014/main" id="{5AAFA98E-0C0C-E533-587C-7294B47C96FC}"/>
               </a:ext>
             </a:extLst>
           </p:cNvPr>
@@ -7465,8 +10578,8 @@
         </p:blipFill>
         <p:spPr>
           <a:xfrm>
-            <a:off x="1494434" y="2510737"/>
-            <a:ext cx="9136620" cy="4347263"/>
+            <a:off x="1455412" y="2222489"/>
+            <a:ext cx="9627116" cy="4534928"/>
           </a:xfrm>
           <a:prstGeom prst="rect">
             <a:avLst/>
